--- a/CalendarioAgo2022/proyecto/SITUACION_PROBLEMA.pptx
+++ b/CalendarioAgo2022/proyecto/SITUACION_PROBLEMA.pptx
@@ -5,19 +5,27 @@
     <p:sldMasterId id="2147483648" r:id="rId1"/>
   </p:sldMasterIdLst>
   <p:notesMasterIdLst>
-    <p:notesMasterId r:id="rId12"/>
+    <p:notesMasterId r:id="rId20"/>
   </p:notesMasterIdLst>
   <p:sldIdLst>
     <p:sldId id="289" r:id="rId2"/>
-    <p:sldId id="302" r:id="rId3"/>
-    <p:sldId id="330" r:id="rId4"/>
-    <p:sldId id="332" r:id="rId5"/>
-    <p:sldId id="353" r:id="rId6"/>
-    <p:sldId id="355" r:id="rId7"/>
-    <p:sldId id="358" r:id="rId8"/>
-    <p:sldId id="352" r:id="rId9"/>
-    <p:sldId id="354" r:id="rId10"/>
-    <p:sldId id="357" r:id="rId11"/>
+    <p:sldId id="359" r:id="rId3"/>
+    <p:sldId id="360" r:id="rId4"/>
+    <p:sldId id="361" r:id="rId5"/>
+    <p:sldId id="362" r:id="rId6"/>
+    <p:sldId id="364" r:id="rId7"/>
+    <p:sldId id="332" r:id="rId8"/>
+    <p:sldId id="366" r:id="rId9"/>
+    <p:sldId id="367" r:id="rId10"/>
+    <p:sldId id="302" r:id="rId11"/>
+    <p:sldId id="363" r:id="rId12"/>
+    <p:sldId id="372" r:id="rId13"/>
+    <p:sldId id="368" r:id="rId14"/>
+    <p:sldId id="370" r:id="rId15"/>
+    <p:sldId id="373" r:id="rId16"/>
+    <p:sldId id="374" r:id="rId17"/>
+    <p:sldId id="375" r:id="rId18"/>
+    <p:sldId id="376" r:id="rId19"/>
   </p:sldIdLst>
   <p:sldSz cx="9144000" cy="6858000" type="screen4x3"/>
   <p:notesSz cx="6858000" cy="9144000"/>
@@ -217,7 +225,7 @@
           <a:p>
             <a:fld id="{DDE721D5-655F-45D2-B717-3C4CD78C8568}" type="datetimeFigureOut">
               <a:rPr lang="es-MX" smtClean="0"/>
-              <a:t>12/10/2022</a:t>
+              <a:t>13/10/2022</a:t>
             </a:fld>
             <a:endParaRPr lang="es-MX" dirty="0"/>
           </a:p>
@@ -485,90 +493,6 @@
 </p:notesMaster>
 </file>
 
-<file path=ppt/notesSlides/notesSlide1.xml><?xml version="1.0" encoding="utf-8"?>
-<p:notes xmlns:a="http://schemas.openxmlformats.org/drawingml/2006/main" xmlns:r="http://schemas.openxmlformats.org/officeDocument/2006/relationships" xmlns:p="http://schemas.openxmlformats.org/presentationml/2006/main">
-  <p:cSld>
-    <p:spTree>
-      <p:nvGrpSpPr>
-        <p:cNvPr id="1" name=""/>
-        <p:cNvGrpSpPr/>
-        <p:nvPr/>
-      </p:nvGrpSpPr>
-      <p:grpSpPr>
-        <a:xfrm>
-          <a:off x="0" y="0"/>
-          <a:ext cx="0" cy="0"/>
-          <a:chOff x="0" y="0"/>
-          <a:chExt cx="0" cy="0"/>
-        </a:xfrm>
-      </p:grpSpPr>
-      <p:sp>
-        <p:nvSpPr>
-          <p:cNvPr id="2" name="Marcador de imagen de diapositiva 1"/>
-          <p:cNvSpPr>
-            <a:spLocks noGrp="1" noRot="1" noChangeAspect="1"/>
-          </p:cNvSpPr>
-          <p:nvPr>
-            <p:ph type="sldImg"/>
-          </p:nvPr>
-        </p:nvSpPr>
-        <p:spPr/>
-      </p:sp>
-      <p:sp>
-        <p:nvSpPr>
-          <p:cNvPr id="3" name="Marcador de notas 2"/>
-          <p:cNvSpPr>
-            <a:spLocks noGrp="1"/>
-          </p:cNvSpPr>
-          <p:nvPr>
-            <p:ph type="body" idx="1"/>
-          </p:nvPr>
-        </p:nvSpPr>
-        <p:spPr/>
-        <p:txBody>
-          <a:bodyPr/>
-          <a:lstStyle/>
-          <a:p>
-            <a:endParaRPr lang="es-MX" dirty="0"/>
-          </a:p>
-        </p:txBody>
-      </p:sp>
-      <p:sp>
-        <p:nvSpPr>
-          <p:cNvPr id="4" name="Marcador de número de diapositiva 3"/>
-          <p:cNvSpPr>
-            <a:spLocks noGrp="1"/>
-          </p:cNvSpPr>
-          <p:nvPr>
-            <p:ph type="sldNum" sz="quarter" idx="5"/>
-          </p:nvPr>
-        </p:nvSpPr>
-        <p:spPr/>
-        <p:txBody>
-          <a:bodyPr/>
-          <a:lstStyle/>
-          <a:p>
-            <a:fld id="{6BAB4312-99A1-4CE9-ACE7-4C62E9FD90EE}" type="slidenum">
-              <a:rPr lang="es-MX" smtClean="0"/>
-              <a:t>8</a:t>
-            </a:fld>
-            <a:endParaRPr lang="es-MX" dirty="0"/>
-          </a:p>
-        </p:txBody>
-      </p:sp>
-    </p:spTree>
-    <p:extLst>
-      <p:ext uri="{BB962C8B-B14F-4D97-AF65-F5344CB8AC3E}">
-        <p14:creationId xmlns:p14="http://schemas.microsoft.com/office/powerpoint/2010/main" val="621101295"/>
-      </p:ext>
-    </p:extLst>
-  </p:cSld>
-  <p:clrMapOvr>
-    <a:masterClrMapping/>
-  </p:clrMapOvr>
-</p:notes>
-</file>
-
 <file path=ppt/slideLayouts/slideLayout1.xml><?xml version="1.0" encoding="utf-8"?>
 <p:sldLayout xmlns:a="http://schemas.openxmlformats.org/drawingml/2006/main" xmlns:r="http://schemas.openxmlformats.org/officeDocument/2006/relationships" xmlns:p="http://schemas.openxmlformats.org/presentationml/2006/main" type="title" preserve="1">
   <p:cSld name="Diapositiva de título">
@@ -750,7 +674,7 @@
           <a:p>
             <a:fld id="{B3F3E716-CACC-4490-AD07-F24B6A68DE47}" type="datetimeFigureOut">
               <a:rPr lang="es-MX" smtClean="0"/>
-              <a:t>12/10/2022</a:t>
+              <a:t>13/10/2022</a:t>
             </a:fld>
             <a:endParaRPr lang="es-MX" dirty="0"/>
           </a:p>
@@ -920,7 +844,7 @@
           <a:p>
             <a:fld id="{B3F3E716-CACC-4490-AD07-F24B6A68DE47}" type="datetimeFigureOut">
               <a:rPr lang="es-MX" smtClean="0"/>
-              <a:t>12/10/2022</a:t>
+              <a:t>13/10/2022</a:t>
             </a:fld>
             <a:endParaRPr lang="es-MX" dirty="0"/>
           </a:p>
@@ -1100,7 +1024,7 @@
           <a:p>
             <a:fld id="{B3F3E716-CACC-4490-AD07-F24B6A68DE47}" type="datetimeFigureOut">
               <a:rPr lang="es-MX" smtClean="0"/>
-              <a:t>12/10/2022</a:t>
+              <a:t>13/10/2022</a:t>
             </a:fld>
             <a:endParaRPr lang="es-MX" dirty="0"/>
           </a:p>
@@ -1270,7 +1194,7 @@
           <a:p>
             <a:fld id="{B3F3E716-CACC-4490-AD07-F24B6A68DE47}" type="datetimeFigureOut">
               <a:rPr lang="es-MX" smtClean="0"/>
-              <a:t>12/10/2022</a:t>
+              <a:t>13/10/2022</a:t>
             </a:fld>
             <a:endParaRPr lang="es-MX" dirty="0"/>
           </a:p>
@@ -1516,7 +1440,7 @@
           <a:p>
             <a:fld id="{B3F3E716-CACC-4490-AD07-F24B6A68DE47}" type="datetimeFigureOut">
               <a:rPr lang="es-MX" smtClean="0"/>
-              <a:t>12/10/2022</a:t>
+              <a:t>13/10/2022</a:t>
             </a:fld>
             <a:endParaRPr lang="es-MX" dirty="0"/>
           </a:p>
@@ -1804,7 +1728,7 @@
           <a:p>
             <a:fld id="{B3F3E716-CACC-4490-AD07-F24B6A68DE47}" type="datetimeFigureOut">
               <a:rPr lang="es-MX" smtClean="0"/>
-              <a:t>12/10/2022</a:t>
+              <a:t>13/10/2022</a:t>
             </a:fld>
             <a:endParaRPr lang="es-MX" dirty="0"/>
           </a:p>
@@ -2226,7 +2150,7 @@
           <a:p>
             <a:fld id="{B3F3E716-CACC-4490-AD07-F24B6A68DE47}" type="datetimeFigureOut">
               <a:rPr lang="es-MX" smtClean="0"/>
-              <a:t>12/10/2022</a:t>
+              <a:t>13/10/2022</a:t>
             </a:fld>
             <a:endParaRPr lang="es-MX" dirty="0"/>
           </a:p>
@@ -2344,7 +2268,7 @@
           <a:p>
             <a:fld id="{B3F3E716-CACC-4490-AD07-F24B6A68DE47}" type="datetimeFigureOut">
               <a:rPr lang="es-MX" smtClean="0"/>
-              <a:t>12/10/2022</a:t>
+              <a:t>13/10/2022</a:t>
             </a:fld>
             <a:endParaRPr lang="es-MX" dirty="0"/>
           </a:p>
@@ -2439,7 +2363,7 @@
           <a:p>
             <a:fld id="{B3F3E716-CACC-4490-AD07-F24B6A68DE47}" type="datetimeFigureOut">
               <a:rPr lang="es-MX" smtClean="0"/>
-              <a:t>12/10/2022</a:t>
+              <a:t>13/10/2022</a:t>
             </a:fld>
             <a:endParaRPr lang="es-MX" dirty="0"/>
           </a:p>
@@ -2716,7 +2640,7 @@
           <a:p>
             <a:fld id="{B3F3E716-CACC-4490-AD07-F24B6A68DE47}" type="datetimeFigureOut">
               <a:rPr lang="es-MX" smtClean="0"/>
-              <a:t>12/10/2022</a:t>
+              <a:t>13/10/2022</a:t>
             </a:fld>
             <a:endParaRPr lang="es-MX" dirty="0"/>
           </a:p>
@@ -2969,7 +2893,7 @@
           <a:p>
             <a:fld id="{B3F3E716-CACC-4490-AD07-F24B6A68DE47}" type="datetimeFigureOut">
               <a:rPr lang="es-MX" smtClean="0"/>
-              <a:t>12/10/2022</a:t>
+              <a:t>13/10/2022</a:t>
             </a:fld>
             <a:endParaRPr lang="es-MX" dirty="0"/>
           </a:p>
@@ -3182,7 +3106,7 @@
           <a:p>
             <a:fld id="{B3F3E716-CACC-4490-AD07-F24B6A68DE47}" type="datetimeFigureOut">
               <a:rPr lang="es-MX" smtClean="0"/>
-              <a:t>12/10/2022</a:t>
+              <a:t>13/10/2022</a:t>
             </a:fld>
             <a:endParaRPr lang="es-MX" dirty="0"/>
           </a:p>
@@ -3557,42 +3481,6 @@
           <a:chExt cx="0" cy="0"/>
         </a:xfrm>
       </p:grpSpPr>
-      <p:pic>
-        <p:nvPicPr>
-          <p:cNvPr id="7" name="Imagen 6">
-            <a:extLst>
-              <a:ext uri="{FF2B5EF4-FFF2-40B4-BE49-F238E27FC236}">
-                <a16:creationId xmlns:a16="http://schemas.microsoft.com/office/drawing/2014/main" id="{32DDD576-163A-467A-8FEF-45A22DBF4622}"/>
-              </a:ext>
-            </a:extLst>
-          </p:cNvPr>
-          <p:cNvPicPr>
-            <a:picLocks noChangeAspect="1"/>
-          </p:cNvPicPr>
-          <p:nvPr/>
-        </p:nvPicPr>
-        <p:blipFill>
-          <a:blip r:embed="rId2">
-            <a:extLst>
-              <a:ext uri="{28A0092B-C50C-407E-A947-70E740481C1C}">
-                <a14:useLocalDpi xmlns:a14="http://schemas.microsoft.com/office/drawing/2010/main" val="0"/>
-              </a:ext>
-            </a:extLst>
-          </a:blip>
-          <a:stretch>
-            <a:fillRect/>
-          </a:stretch>
-        </p:blipFill>
-        <p:spPr>
-          <a:xfrm>
-            <a:off x="2778166" y="2564904"/>
-            <a:ext cx="3799512" cy="3179184"/>
-          </a:xfrm>
-          <a:prstGeom prst="rect">
-            <a:avLst/>
-          </a:prstGeom>
-        </p:spPr>
-      </p:pic>
       <p:sp>
         <p:nvSpPr>
           <p:cNvPr id="2" name="Title 1"/>
@@ -3670,7 +3558,7 @@
                   </a:schemeClr>
                 </a:solidFill>
               </a:rPr>
-              <a:t>Situación problema 1. FINAL</a:t>
+              <a:t>Situación problema</a:t>
             </a:r>
           </a:p>
           <a:p>
@@ -3688,295 +3576,47 @@
                   </a:schemeClr>
                 </a:solidFill>
               </a:rPr>
-              <a:t>Vacaciones con Tarjeta de prepago</a:t>
+              <a:t>Análisis de datos</a:t>
             </a:r>
           </a:p>
         </p:txBody>
       </p:sp>
-      <p:sp>
-        <p:nvSpPr>
-          <p:cNvPr id="6" name="object 38">
+      <p:pic>
+        <p:nvPicPr>
+          <p:cNvPr id="13" name="Imagen 12" descr="Imagen que contiene Interfaz de usuario gráfica&#10;&#10;Descripción generada automáticamente">
             <a:extLst>
               <a:ext uri="{FF2B5EF4-FFF2-40B4-BE49-F238E27FC236}">
-                <a16:creationId xmlns:a16="http://schemas.microsoft.com/office/drawing/2014/main" id="{C37BA407-CB0A-4A81-86D1-25693245F891}"/>
+                <a16:creationId xmlns:a16="http://schemas.microsoft.com/office/drawing/2014/main" id="{C0C1DFD4-804F-4DD2-B33E-89B9235C3AA1}"/>
               </a:ext>
             </a:extLst>
           </p:cNvPr>
-          <p:cNvSpPr txBox="1"/>
+          <p:cNvPicPr>
+            <a:picLocks noChangeAspect="1"/>
+          </p:cNvPicPr>
           <p:nvPr/>
-        </p:nvSpPr>
+        </p:nvPicPr>
+        <p:blipFill>
+          <a:blip r:embed="rId2" cstate="print">
+            <a:extLst>
+              <a:ext uri="{28A0092B-C50C-407E-A947-70E740481C1C}">
+                <a14:useLocalDpi xmlns:a14="http://schemas.microsoft.com/office/drawing/2010/main" val="0"/>
+              </a:ext>
+            </a:extLst>
+          </a:blip>
+          <a:stretch>
+            <a:fillRect/>
+          </a:stretch>
+        </p:blipFill>
         <p:spPr>
           <a:xfrm>
-            <a:off x="395536" y="6093296"/>
-            <a:ext cx="2709545" cy="468630"/>
+            <a:off x="2391668" y="2708920"/>
+            <a:ext cx="4572508" cy="3429381"/>
           </a:xfrm>
           <a:prstGeom prst="rect">
             <a:avLst/>
           </a:prstGeom>
         </p:spPr>
-        <p:txBody>
-          <a:bodyPr vert="horz" wrap="square" lIns="0" tIns="0" rIns="0" bIns="0" rtlCol="0">
-            <a:noAutofit/>
-          </a:bodyPr>
-          <a:lstStyle/>
-          <a:p>
-            <a:pPr marL="12700" marR="12700" indent="233045">
-              <a:lnSpc>
-                <a:spcPct val="107100"/>
-              </a:lnSpc>
-            </a:pPr>
-            <a:r>
-              <a:rPr sz="1400" spc="-10" dirty="0">
-                <a:solidFill>
-                  <a:schemeClr val="accent4">
-                    <a:lumMod val="50000"/>
-                  </a:schemeClr>
-                </a:solidFill>
-                <a:latin typeface="Arial"/>
-                <a:cs typeface="Arial"/>
-              </a:rPr>
-              <a:t>DR</a:t>
-            </a:r>
-            <a:r>
-              <a:rPr sz="1400" spc="0" dirty="0">
-                <a:solidFill>
-                  <a:schemeClr val="accent4">
-                    <a:lumMod val="50000"/>
-                  </a:schemeClr>
-                </a:solidFill>
-                <a:latin typeface="Arial"/>
-                <a:cs typeface="Arial"/>
-              </a:rPr>
-              <a:t>© </a:t>
-            </a:r>
-            <a:r>
-              <a:rPr sz="1400" spc="5" dirty="0">
-                <a:solidFill>
-                  <a:schemeClr val="accent4">
-                    <a:lumMod val="50000"/>
-                  </a:schemeClr>
-                </a:solidFill>
-                <a:latin typeface="Arial"/>
-                <a:cs typeface="Arial"/>
-              </a:rPr>
-              <a:t>I</a:t>
-            </a:r>
-            <a:r>
-              <a:rPr sz="1400" spc="0" dirty="0">
-                <a:solidFill>
-                  <a:schemeClr val="accent4">
-                    <a:lumMod val="50000"/>
-                  </a:schemeClr>
-                </a:solidFill>
-                <a:latin typeface="Arial"/>
-                <a:cs typeface="Arial"/>
-              </a:rPr>
-              <a:t>nstitu</a:t>
-            </a:r>
-            <a:r>
-              <a:rPr sz="1400" spc="-10" dirty="0">
-                <a:solidFill>
-                  <a:schemeClr val="accent4">
-                    <a:lumMod val="50000"/>
-                  </a:schemeClr>
-                </a:solidFill>
-                <a:latin typeface="Arial"/>
-                <a:cs typeface="Arial"/>
-              </a:rPr>
-              <a:t>t</a:t>
-            </a:r>
-            <a:r>
-              <a:rPr sz="1400" spc="0" dirty="0">
-                <a:solidFill>
-                  <a:schemeClr val="accent4">
-                    <a:lumMod val="50000"/>
-                  </a:schemeClr>
-                </a:solidFill>
-                <a:latin typeface="Arial"/>
-                <a:cs typeface="Arial"/>
-              </a:rPr>
-              <a:t>o</a:t>
-            </a:r>
-            <a:r>
-              <a:rPr sz="1400" spc="-45" dirty="0">
-                <a:solidFill>
-                  <a:schemeClr val="accent4">
-                    <a:lumMod val="50000"/>
-                  </a:schemeClr>
-                </a:solidFill>
-                <a:latin typeface="Arial"/>
-                <a:cs typeface="Arial"/>
-              </a:rPr>
-              <a:t> </a:t>
-            </a:r>
-            <a:r>
-              <a:rPr sz="1400" spc="-10" dirty="0">
-                <a:solidFill>
-                  <a:schemeClr val="accent4">
-                    <a:lumMod val="50000"/>
-                  </a:schemeClr>
-                </a:solidFill>
-                <a:latin typeface="Arial"/>
-                <a:cs typeface="Arial"/>
-              </a:rPr>
-              <a:t>T</a:t>
-            </a:r>
-            <a:r>
-              <a:rPr sz="1400" spc="0" dirty="0">
-                <a:solidFill>
-                  <a:schemeClr val="accent4">
-                    <a:lumMod val="50000"/>
-                  </a:schemeClr>
-                </a:solidFill>
-                <a:latin typeface="Arial"/>
-                <a:cs typeface="Arial"/>
-              </a:rPr>
-              <a:t>ecnológico</a:t>
-            </a:r>
-            <a:r>
-              <a:rPr sz="1400" spc="-50" dirty="0">
-                <a:solidFill>
-                  <a:schemeClr val="accent4">
-                    <a:lumMod val="50000"/>
-                  </a:schemeClr>
-                </a:solidFill>
-                <a:latin typeface="Arial"/>
-                <a:cs typeface="Arial"/>
-              </a:rPr>
-              <a:t> </a:t>
-            </a:r>
-            <a:r>
-              <a:rPr sz="1400" spc="0" dirty="0">
-                <a:solidFill>
-                  <a:schemeClr val="accent4">
-                    <a:lumMod val="50000"/>
-                  </a:schemeClr>
-                </a:solidFill>
-                <a:latin typeface="Arial"/>
-                <a:cs typeface="Arial"/>
-              </a:rPr>
-              <a:t>y</a:t>
-            </a:r>
-            <a:r>
-              <a:rPr sz="1400" spc="-5" dirty="0">
-                <a:solidFill>
-                  <a:schemeClr val="accent4">
-                    <a:lumMod val="50000"/>
-                  </a:schemeClr>
-                </a:solidFill>
-                <a:latin typeface="Arial"/>
-                <a:cs typeface="Arial"/>
-              </a:rPr>
-              <a:t> </a:t>
-            </a:r>
-            <a:r>
-              <a:rPr sz="1400" spc="0" dirty="0">
-                <a:solidFill>
-                  <a:schemeClr val="accent4">
-                    <a:lumMod val="50000"/>
-                  </a:schemeClr>
-                </a:solidFill>
-                <a:latin typeface="Arial"/>
-                <a:cs typeface="Arial"/>
-              </a:rPr>
-              <a:t>de Estudios</a:t>
-            </a:r>
-            <a:r>
-              <a:rPr sz="1400" spc="-40" dirty="0">
-                <a:solidFill>
-                  <a:schemeClr val="accent4">
-                    <a:lumMod val="50000"/>
-                  </a:schemeClr>
-                </a:solidFill>
-                <a:latin typeface="Arial"/>
-                <a:cs typeface="Arial"/>
-              </a:rPr>
-              <a:t> </a:t>
-            </a:r>
-            <a:r>
-              <a:rPr sz="1400" spc="0" dirty="0">
-                <a:solidFill>
-                  <a:schemeClr val="accent4">
-                    <a:lumMod val="50000"/>
-                  </a:schemeClr>
-                </a:solidFill>
-                <a:latin typeface="Arial"/>
-                <a:cs typeface="Arial"/>
-              </a:rPr>
-              <a:t>Superiores</a:t>
-            </a:r>
-            <a:r>
-              <a:rPr sz="1400" spc="-40" dirty="0">
-                <a:solidFill>
-                  <a:schemeClr val="accent4">
-                    <a:lumMod val="50000"/>
-                  </a:schemeClr>
-                </a:solidFill>
-                <a:latin typeface="Arial"/>
-                <a:cs typeface="Arial"/>
-              </a:rPr>
-              <a:t> </a:t>
-            </a:r>
-            <a:r>
-              <a:rPr sz="1400" spc="0" dirty="0">
-                <a:solidFill>
-                  <a:schemeClr val="accent4">
-                    <a:lumMod val="50000"/>
-                  </a:schemeClr>
-                </a:solidFill>
-                <a:latin typeface="Arial"/>
-                <a:cs typeface="Arial"/>
-              </a:rPr>
-              <a:t>de</a:t>
-            </a:r>
-            <a:r>
-              <a:rPr sz="1400" spc="-20" dirty="0">
-                <a:solidFill>
-                  <a:schemeClr val="accent4">
-                    <a:lumMod val="50000"/>
-                  </a:schemeClr>
-                </a:solidFill>
-                <a:latin typeface="Arial"/>
-                <a:cs typeface="Arial"/>
-              </a:rPr>
-              <a:t> </a:t>
-            </a:r>
-            <a:r>
-              <a:rPr sz="1400" spc="-10" dirty="0">
-                <a:solidFill>
-                  <a:schemeClr val="accent4">
-                    <a:lumMod val="50000"/>
-                  </a:schemeClr>
-                </a:solidFill>
-                <a:latin typeface="Arial"/>
-                <a:cs typeface="Arial"/>
-              </a:rPr>
-              <a:t>M</a:t>
-            </a:r>
-            <a:r>
-              <a:rPr sz="1400" spc="0" dirty="0">
-                <a:solidFill>
-                  <a:schemeClr val="accent4">
-                    <a:lumMod val="50000"/>
-                  </a:schemeClr>
-                </a:solidFill>
-                <a:latin typeface="Arial"/>
-                <a:cs typeface="Arial"/>
-              </a:rPr>
-              <a:t>onterrey</a:t>
-            </a:r>
-            <a:endParaRPr sz="1400" dirty="0">
-              <a:solidFill>
-                <a:schemeClr val="accent4">
-                  <a:lumMod val="50000"/>
-                </a:schemeClr>
-              </a:solidFill>
-              <a:latin typeface="Arial"/>
-              <a:cs typeface="Arial"/>
-            </a:endParaRPr>
-          </a:p>
-        </p:txBody>
-      </p:sp>
+      </p:pic>
     </p:spTree>
     <p:extLst>
       <p:ext uri="{BB962C8B-B14F-4D97-AF65-F5344CB8AC3E}">
@@ -4019,285 +3659,92 @@
         </p:nvSpPr>
         <p:spPr>
           <a:xfrm>
-            <a:off x="394978" y="1700808"/>
-            <a:ext cx="8229600" cy="4968552"/>
+            <a:off x="1043608" y="1412776"/>
+            <a:ext cx="7920880" cy="720080"/>
           </a:xfrm>
         </p:spPr>
         <p:txBody>
           <a:bodyPr>
-            <a:noAutofit/>
+            <a:normAutofit/>
           </a:bodyPr>
           <a:lstStyle/>
           <a:p>
-            <a:pPr lvl="1" indent="-342900" algn="just">
+            <a:pPr marL="0" indent="0" algn="just">
               <a:lnSpc>
                 <a:spcPct val="120000"/>
               </a:lnSpc>
               <a:spcBef>
                 <a:spcPct val="0"/>
               </a:spcBef>
-              <a:spcAft>
-                <a:spcPts val="600"/>
-              </a:spcAft>
-              <a:buFont typeface="+mj-lt"/>
-              <a:buAutoNum type="arabicPeriod" startAt="4"/>
+              <a:buNone/>
             </a:pPr>
             <a:r>
-              <a:rPr lang="es-MX" sz="2400" dirty="0">
-                <a:solidFill>
-                  <a:schemeClr val="bg2">
-                    <a:lumMod val="25000"/>
-                  </a:schemeClr>
-                </a:solidFill>
-                <a:cs typeface="Arial" panose="020B0604020202020204" pitchFamily="34" charset="0"/>
-              </a:rPr>
-              <a:t>Sino, si la opción es 4, mandar llamar la función </a:t>
-            </a:r>
-            <a:r>
-              <a:rPr lang="es-MX" sz="2400" b="1" dirty="0" err="1">
-                <a:solidFill>
-                  <a:schemeClr val="bg2">
-                    <a:lumMod val="25000"/>
-                  </a:schemeClr>
-                </a:solidFill>
-                <a:cs typeface="Arial" panose="020B0604020202020204" pitchFamily="34" charset="0"/>
-              </a:rPr>
-              <a:t>recargaTarjeta</a:t>
-            </a:r>
-            <a:r>
-              <a:rPr lang="es-MX" sz="2400" b="1" dirty="0">
-                <a:solidFill>
-                  <a:schemeClr val="bg2">
-                    <a:lumMod val="25000"/>
-                  </a:schemeClr>
-                </a:solidFill>
-                <a:cs typeface="Arial" panose="020B0604020202020204" pitchFamily="34" charset="0"/>
-              </a:rPr>
-              <a:t>(saldo)</a:t>
-            </a:r>
-            <a:r>
-              <a:rPr lang="es-MX" sz="2400" dirty="0">
-                <a:solidFill>
-                  <a:schemeClr val="bg2">
-                    <a:lumMod val="25000"/>
-                  </a:schemeClr>
-                </a:solidFill>
-                <a:cs typeface="Arial" panose="020B0604020202020204" pitchFamily="34" charset="0"/>
-              </a:rPr>
-              <a:t>, que recibe el saldo de la tarjeta de prepago e imprime el saldo de la tarjeta de prepago. Si el </a:t>
-            </a:r>
-            <a:r>
-              <a:rPr lang="es-MX" sz="2400" b="1" dirty="0">
-                <a:solidFill>
-                  <a:schemeClr val="bg2">
-                    <a:lumMod val="25000"/>
-                  </a:schemeClr>
-                </a:solidFill>
-                <a:cs typeface="Arial" panose="020B0604020202020204" pitchFamily="34" charset="0"/>
-              </a:rPr>
-              <a:t>contRec500</a:t>
-            </a:r>
-            <a:r>
-              <a:rPr lang="es-MX" sz="2400" dirty="0">
-                <a:solidFill>
-                  <a:schemeClr val="bg2">
-                    <a:lumMod val="25000"/>
-                  </a:schemeClr>
-                </a:solidFill>
-                <a:cs typeface="Arial" panose="020B0604020202020204" pitchFamily="34" charset="0"/>
-              </a:rPr>
-              <a:t> es mayor o igual a 3 agrega al saldo de la tarjeta (saldo) 100 pesos e imprime el nuevo saldo.</a:t>
-            </a:r>
-          </a:p>
-          <a:p>
-            <a:pPr lvl="1" indent="-342900" algn="just">
+              <a:rPr lang="es-ES" sz="1600" dirty="0">
+                <a:solidFill>
+                  <a:schemeClr val="bg2">
+                    <a:lumMod val="25000"/>
+                  </a:schemeClr>
+                </a:solidFill>
+                <a:latin typeface="Arial" pitchFamily="34" charset="0"/>
+                <a:cs typeface="Arial" pitchFamily="34" charset="0"/>
+              </a:rPr>
+              <a:t>El programa presenta el menú cada vez que el usuario lo requiera. </a:t>
+            </a:r>
+          </a:p>
+          <a:p>
+            <a:pPr marL="0" indent="0" algn="just">
               <a:lnSpc>
                 <a:spcPct val="120000"/>
               </a:lnSpc>
               <a:spcBef>
                 <a:spcPct val="0"/>
               </a:spcBef>
-              <a:spcAft>
-                <a:spcPts val="600"/>
-              </a:spcAft>
-              <a:buFont typeface="+mj-lt"/>
-              <a:buAutoNum type="arabicPeriod" startAt="4"/>
+              <a:buNone/>
             </a:pPr>
             <a:r>
-              <a:rPr lang="es-MX" sz="2400" dirty="0">
-                <a:solidFill>
-                  <a:schemeClr val="bg2">
-                    <a:lumMod val="25000"/>
-                  </a:schemeClr>
-                </a:solidFill>
-                <a:cs typeface="Arial" panose="020B0604020202020204" pitchFamily="34" charset="0"/>
-              </a:rPr>
-              <a:t>Sino, si la opción es 5, salir del ciclo </a:t>
-            </a:r>
-            <a:r>
-              <a:rPr lang="es-MX" sz="2400" dirty="0" err="1">
-                <a:solidFill>
-                  <a:schemeClr val="bg2">
-                    <a:lumMod val="25000"/>
-                  </a:schemeClr>
-                </a:solidFill>
-                <a:cs typeface="Arial" panose="020B0604020202020204" pitchFamily="34" charset="0"/>
+              <a:rPr lang="es-ES" sz="1600" dirty="0">
+                <a:solidFill>
+                  <a:schemeClr val="bg2">
+                    <a:lumMod val="25000"/>
+                  </a:schemeClr>
+                </a:solidFill>
+                <a:latin typeface="Arial" pitchFamily="34" charset="0"/>
+                <a:cs typeface="Arial" pitchFamily="34" charset="0"/>
+              </a:rPr>
+              <a:t>Utiliza un ciclo </a:t>
+            </a:r>
+            <a:r>
+              <a:rPr lang="es-ES" sz="1600" dirty="0" err="1">
+                <a:solidFill>
+                  <a:schemeClr val="bg2">
+                    <a:lumMod val="25000"/>
+                  </a:schemeClr>
+                </a:solidFill>
+                <a:latin typeface="Arial" pitchFamily="34" charset="0"/>
+                <a:cs typeface="Arial" pitchFamily="34" charset="0"/>
               </a:rPr>
               <a:t>while</a:t>
             </a:r>
             <a:r>
-              <a:rPr lang="es-MX" sz="2400" dirty="0">
-                <a:solidFill>
-                  <a:schemeClr val="bg2">
-                    <a:lumMod val="25000"/>
-                  </a:schemeClr>
-                </a:solidFill>
-                <a:cs typeface="Arial" panose="020B0604020202020204" pitchFamily="34" charset="0"/>
-              </a:rPr>
-              <a:t> con un </a:t>
-            </a:r>
-            <a:r>
-              <a:rPr lang="es-MX" sz="2400" b="1" dirty="0">
-                <a:solidFill>
-                  <a:schemeClr val="bg2">
-                    <a:lumMod val="25000"/>
-                  </a:schemeClr>
-                </a:solidFill>
-                <a:cs typeface="Arial" panose="020B0604020202020204" pitchFamily="34" charset="0"/>
-              </a:rPr>
-              <a:t>break</a:t>
-            </a:r>
-            <a:r>
-              <a:rPr lang="es-MX" sz="2400" dirty="0">
-                <a:solidFill>
-                  <a:schemeClr val="bg2">
-                    <a:lumMod val="25000"/>
-                  </a:schemeClr>
-                </a:solidFill>
-                <a:cs typeface="Arial" panose="020B0604020202020204" pitchFamily="34" charset="0"/>
+              <a:rPr lang="es-ES" sz="1600" dirty="0">
+                <a:solidFill>
+                  <a:schemeClr val="bg2">
+                    <a:lumMod val="25000"/>
+                  </a:schemeClr>
+                </a:solidFill>
+                <a:latin typeface="Arial" pitchFamily="34" charset="0"/>
+                <a:cs typeface="Arial" pitchFamily="34" charset="0"/>
               </a:rPr>
               <a:t>.</a:t>
             </a:r>
-          </a:p>
-          <a:p>
-            <a:pPr lvl="1" indent="-342900" algn="just">
-              <a:lnSpc>
-                <a:spcPct val="120000"/>
-              </a:lnSpc>
-              <a:spcBef>
-                <a:spcPct val="0"/>
-              </a:spcBef>
-              <a:spcAft>
-                <a:spcPts val="600"/>
-              </a:spcAft>
-              <a:buFont typeface="+mj-lt"/>
-              <a:buAutoNum type="arabicPeriod" startAt="4"/>
-            </a:pPr>
-            <a:r>
-              <a:rPr lang="es-MX" sz="2400" dirty="0">
-                <a:solidFill>
-                  <a:schemeClr val="bg2">
-                    <a:lumMod val="25000"/>
-                  </a:schemeClr>
-                </a:solidFill>
-                <a:cs typeface="Arial" panose="020B0604020202020204" pitchFamily="34" charset="0"/>
-              </a:rPr>
-              <a:t>Sino escribir “Opción </a:t>
-            </a:r>
-            <a:r>
-              <a:rPr lang="es-MX" sz="2400" dirty="0" err="1">
-                <a:solidFill>
-                  <a:schemeClr val="bg2">
-                    <a:lumMod val="25000"/>
-                  </a:schemeClr>
-                </a:solidFill>
-                <a:cs typeface="Arial" panose="020B0604020202020204" pitchFamily="34" charset="0"/>
-              </a:rPr>
-              <a:t>inválda</a:t>
-            </a:r>
-            <a:r>
-              <a:rPr lang="es-MX" sz="2400" dirty="0">
-                <a:solidFill>
-                  <a:schemeClr val="bg2">
-                    <a:lumMod val="25000"/>
-                  </a:schemeClr>
-                </a:solidFill>
-                <a:cs typeface="Arial" panose="020B0604020202020204" pitchFamily="34" charset="0"/>
-              </a:rPr>
-              <a:t>”.</a:t>
-            </a:r>
-          </a:p>
-          <a:p>
-            <a:pPr lvl="1" indent="-342900" algn="just">
-              <a:lnSpc>
-                <a:spcPct val="120000"/>
-              </a:lnSpc>
-              <a:spcBef>
-                <a:spcPct val="0"/>
-              </a:spcBef>
-              <a:buFont typeface="+mj-lt"/>
-              <a:buAutoNum type="arabicPeriod" startAt="4"/>
-            </a:pPr>
-            <a:endParaRPr lang="es-MX" sz="2400" dirty="0">
+            <a:endParaRPr lang="es-MX" sz="1600" dirty="0">
               <a:solidFill>
                 <a:schemeClr val="bg2">
                   <a:lumMod val="25000"/>
                 </a:schemeClr>
               </a:solidFill>
-              <a:cs typeface="Arial" panose="020B0604020202020204" pitchFamily="34" charset="0"/>
-            </a:endParaRPr>
-          </a:p>
-          <a:p>
-            <a:pPr marL="400050" lvl="1" indent="0" algn="just">
-              <a:lnSpc>
-                <a:spcPct val="120000"/>
-              </a:lnSpc>
-              <a:spcBef>
-                <a:spcPct val="0"/>
-              </a:spcBef>
-              <a:buNone/>
-            </a:pPr>
-            <a:r>
-              <a:rPr lang="es-MX" sz="2400" dirty="0">
-                <a:solidFill>
-                  <a:schemeClr val="bg2">
-                    <a:lumMod val="25000"/>
-                  </a:schemeClr>
-                </a:solidFill>
-                <a:cs typeface="Arial" panose="020B0604020202020204" pitchFamily="34" charset="0"/>
-              </a:rPr>
-              <a:t>Guardar archivo como </a:t>
-            </a:r>
-            <a:r>
-              <a:rPr lang="es-MX" sz="2400" b="1" dirty="0">
-                <a:solidFill>
-                  <a:schemeClr val="accent6">
-                    <a:lumMod val="75000"/>
-                  </a:schemeClr>
-                </a:solidFill>
-                <a:cs typeface="Arial" panose="020B0604020202020204" pitchFamily="34" charset="0"/>
-              </a:rPr>
-              <a:t>situacion1_matricula.py</a:t>
-            </a:r>
-          </a:p>
-          <a:p>
-            <a:pPr lvl="1" indent="-342900" algn="just">
-              <a:lnSpc>
-                <a:spcPct val="120000"/>
-              </a:lnSpc>
-              <a:spcBef>
-                <a:spcPct val="0"/>
-              </a:spcBef>
-              <a:buFont typeface="+mj-lt"/>
-              <a:buAutoNum type="arabicPeriod" startAt="4"/>
-            </a:pPr>
-            <a:endParaRPr lang="es-MX" sz="2400" dirty="0">
-              <a:solidFill>
-                <a:schemeClr val="bg2">
-                  <a:lumMod val="25000"/>
-                </a:schemeClr>
-              </a:solidFill>
-              <a:cs typeface="Arial" panose="020B0604020202020204" pitchFamily="34" charset="0"/>
+              <a:latin typeface="Arial" pitchFamily="34" charset="0"/>
+              <a:cs typeface="Arial" pitchFamily="34" charset="0"/>
             </a:endParaRPr>
           </a:p>
         </p:txBody>
@@ -4314,7 +3761,7 @@
         </p:nvSpPr>
         <p:spPr>
           <a:xfrm>
-            <a:off x="302027" y="0"/>
+            <a:off x="457200" y="116632"/>
             <a:ext cx="8229600" cy="1143000"/>
           </a:xfrm>
         </p:spPr>
@@ -4341,7 +3788,7 @@
                 </a:effectLst>
                 <a:latin typeface="Dom Casual" charset="0"/>
               </a:rPr>
-              <a:t>Situación problema 1</a:t>
+              <a:t>Situación problema</a:t>
             </a:r>
             <a:br>
               <a:rPr lang="es-MX" b="1" dirty="0">
@@ -4372,15 +3819,3746 @@
                 </a:effectLst>
                 <a:latin typeface="Dom Casual" charset="0"/>
               </a:rPr>
-              <a:t>Script principal</a:t>
-            </a:r>
+              <a:t>Menú con números</a:t>
+            </a:r>
+          </a:p>
+        </p:txBody>
+      </p:sp>
+      <p:pic>
+        <p:nvPicPr>
+          <p:cNvPr id="5" name="Imagen 4">
+            <a:extLst>
+              <a:ext uri="{FF2B5EF4-FFF2-40B4-BE49-F238E27FC236}">
+                <a16:creationId xmlns:a16="http://schemas.microsoft.com/office/drawing/2014/main" id="{C93E6D6E-5ED5-4406-A03B-0EF589BF1569}"/>
+              </a:ext>
+            </a:extLst>
+          </p:cNvPr>
+          <p:cNvPicPr>
+            <a:picLocks noChangeAspect="1"/>
+          </p:cNvPicPr>
+          <p:nvPr/>
+        </p:nvPicPr>
+        <p:blipFill>
+          <a:blip r:embed="rId2"/>
+          <a:stretch>
+            <a:fillRect/>
+          </a:stretch>
+        </p:blipFill>
+        <p:spPr>
+          <a:xfrm>
+            <a:off x="2137115" y="2286000"/>
+            <a:ext cx="4869769" cy="3790264"/>
+          </a:xfrm>
+          <a:prstGeom prst="rect">
+            <a:avLst/>
+          </a:prstGeom>
+        </p:spPr>
+      </p:pic>
+    </p:spTree>
+    <p:extLst>
+      <p:ext uri="{BB962C8B-B14F-4D97-AF65-F5344CB8AC3E}">
+        <p14:creationId xmlns:p14="http://schemas.microsoft.com/office/powerpoint/2010/main" val="3785121578"/>
+      </p:ext>
+    </p:extLst>
+  </p:cSld>
+  <p:clrMapOvr>
+    <a:masterClrMapping/>
+  </p:clrMapOvr>
+</p:sld>
+</file>
+
+<file path=ppt/slides/slide11.xml><?xml version="1.0" encoding="utf-8"?>
+<p:sld xmlns:a="http://schemas.openxmlformats.org/drawingml/2006/main" xmlns:r="http://schemas.openxmlformats.org/officeDocument/2006/relationships" xmlns:p="http://schemas.openxmlformats.org/presentationml/2006/main">
+  <p:cSld>
+    <p:spTree>
+      <p:nvGrpSpPr>
+        <p:cNvPr id="1" name=""/>
+        <p:cNvGrpSpPr/>
+        <p:nvPr/>
+      </p:nvGrpSpPr>
+      <p:grpSpPr>
+        <a:xfrm>
+          <a:off x="0" y="0"/>
+          <a:ext cx="0" cy="0"/>
+          <a:chOff x="0" y="0"/>
+          <a:chExt cx="0" cy="0"/>
+        </a:xfrm>
+      </p:grpSpPr>
+      <p:sp>
+        <p:nvSpPr>
+          <p:cNvPr id="184324" name="Rectangle 4"/>
+          <p:cNvSpPr>
+            <a:spLocks noGrp="1" noChangeArrowheads="1"/>
+          </p:cNvSpPr>
+          <p:nvPr>
+            <p:ph type="title"/>
+          </p:nvPr>
+        </p:nvSpPr>
+        <p:spPr>
+          <a:xfrm>
+            <a:off x="457199" y="404664"/>
+            <a:ext cx="8229600" cy="1143000"/>
+          </a:xfrm>
+        </p:spPr>
+        <p:txBody>
+          <a:bodyPr>
+            <a:normAutofit fontScale="90000"/>
+          </a:bodyPr>
+          <a:lstStyle/>
+          <a:p>
+            <a:pPr eaLnBrk="1" hangingPunct="1">
+              <a:defRPr/>
+            </a:pPr>
+            <a:r>
+              <a:rPr lang="es-MX" b="1" dirty="0">
+                <a:solidFill>
+                  <a:schemeClr val="accent4">
+                    <a:lumMod val="50000"/>
+                  </a:schemeClr>
+                </a:solidFill>
+                <a:effectLst>
+                  <a:outerShdw blurRad="38100" dist="38100" dir="2700000" algn="tl">
+                    <a:srgbClr val="C0C0C0"/>
+                  </a:outerShdw>
+                </a:effectLst>
+                <a:latin typeface="Dom Casual" charset="0"/>
+              </a:rPr>
+              <a:t>Situación problema</a:t>
+            </a:r>
+            <a:br>
+              <a:rPr lang="es-MX" b="1" dirty="0">
+                <a:solidFill>
+                  <a:schemeClr val="accent4">
+                    <a:lumMod val="50000"/>
+                  </a:schemeClr>
+                </a:solidFill>
+                <a:effectLst>
+                  <a:outerShdw blurRad="38100" dist="38100" dir="2700000" algn="tl">
+                    <a:srgbClr val="C0C0C0"/>
+                  </a:outerShdw>
+                </a:effectLst>
+                <a:latin typeface="Dom Casual" charset="0"/>
+              </a:rPr>
+            </a:br>
+            <a:r>
+              <a:rPr lang="es-MX" sz="3100" dirty="0">
+                <a:solidFill>
+                  <a:schemeClr val="accent6">
+                    <a:lumMod val="75000"/>
+                  </a:schemeClr>
+                </a:solidFill>
+                <a:effectLst>
+                  <a:outerShdw blurRad="38100" dist="38100" dir="2700000" algn="tl">
+                    <a:srgbClr val="C0C0C0"/>
+                  </a:outerShdw>
+                </a:effectLst>
+                <a:latin typeface="Dom Casual" charset="0"/>
+              </a:rPr>
+              <a:t>Menú con letras</a:t>
+            </a:r>
+          </a:p>
+        </p:txBody>
+      </p:sp>
+      <p:pic>
+        <p:nvPicPr>
+          <p:cNvPr id="4" name="Imagen 3">
+            <a:extLst>
+              <a:ext uri="{FF2B5EF4-FFF2-40B4-BE49-F238E27FC236}">
+                <a16:creationId xmlns:a16="http://schemas.microsoft.com/office/drawing/2014/main" id="{6AAF229E-6ECB-4EB9-81CB-1CC86949100D}"/>
+              </a:ext>
+            </a:extLst>
+          </p:cNvPr>
+          <p:cNvPicPr>
+            <a:picLocks noChangeAspect="1"/>
+          </p:cNvPicPr>
+          <p:nvPr/>
+        </p:nvPicPr>
+        <p:blipFill>
+          <a:blip r:embed="rId2"/>
+          <a:stretch>
+            <a:fillRect/>
+          </a:stretch>
+        </p:blipFill>
+        <p:spPr>
+          <a:xfrm>
+            <a:off x="2497855" y="1988840"/>
+            <a:ext cx="4148287" cy="3816424"/>
+          </a:xfrm>
+          <a:prstGeom prst="rect">
+            <a:avLst/>
+          </a:prstGeom>
+        </p:spPr>
+      </p:pic>
+    </p:spTree>
+    <p:extLst>
+      <p:ext uri="{BB962C8B-B14F-4D97-AF65-F5344CB8AC3E}">
+        <p14:creationId xmlns:p14="http://schemas.microsoft.com/office/powerpoint/2010/main" val="772380651"/>
+      </p:ext>
+    </p:extLst>
+  </p:cSld>
+  <p:clrMapOvr>
+    <a:masterClrMapping/>
+  </p:clrMapOvr>
+</p:sld>
+</file>
+
+<file path=ppt/slides/slide12.xml><?xml version="1.0" encoding="utf-8"?>
+<p:sld xmlns:a="http://schemas.openxmlformats.org/drawingml/2006/main" xmlns:r="http://schemas.openxmlformats.org/officeDocument/2006/relationships" xmlns:p="http://schemas.openxmlformats.org/presentationml/2006/main">
+  <p:cSld>
+    <p:spTree>
+      <p:nvGrpSpPr>
+        <p:cNvPr id="1" name=""/>
+        <p:cNvGrpSpPr/>
+        <p:nvPr/>
+      </p:nvGrpSpPr>
+      <p:grpSpPr>
+        <a:xfrm>
+          <a:off x="0" y="0"/>
+          <a:ext cx="0" cy="0"/>
+          <a:chOff x="0" y="0"/>
+          <a:chExt cx="0" cy="0"/>
+        </a:xfrm>
+      </p:grpSpPr>
+      <p:pic>
+        <p:nvPicPr>
+          <p:cNvPr id="3" name="Imagen 2">
+            <a:extLst>
+              <a:ext uri="{FF2B5EF4-FFF2-40B4-BE49-F238E27FC236}">
+                <a16:creationId xmlns:a16="http://schemas.microsoft.com/office/drawing/2014/main" id="{80AF6DF7-99D6-4037-A63E-96DEC287D878}"/>
+              </a:ext>
+            </a:extLst>
+          </p:cNvPr>
+          <p:cNvPicPr>
+            <a:picLocks noChangeAspect="1"/>
+          </p:cNvPicPr>
+          <p:nvPr/>
+        </p:nvPicPr>
+        <p:blipFill>
+          <a:blip r:embed="rId2"/>
+          <a:stretch>
+            <a:fillRect/>
+          </a:stretch>
+        </p:blipFill>
+        <p:spPr>
+          <a:xfrm>
+            <a:off x="1691680" y="3212976"/>
+            <a:ext cx="6480720" cy="2277617"/>
+          </a:xfrm>
+          <a:prstGeom prst="rect">
+            <a:avLst/>
+          </a:prstGeom>
+        </p:spPr>
+      </p:pic>
+      <p:sp>
+        <p:nvSpPr>
+          <p:cNvPr id="184324" name="Rectangle 4"/>
+          <p:cNvSpPr>
+            <a:spLocks noGrp="1" noChangeArrowheads="1"/>
+          </p:cNvSpPr>
+          <p:nvPr>
+            <p:ph type="title"/>
+          </p:nvPr>
+        </p:nvSpPr>
+        <p:spPr>
+          <a:xfrm>
+            <a:off x="516238" y="337220"/>
+            <a:ext cx="8111523" cy="1143000"/>
+          </a:xfrm>
+        </p:spPr>
+        <p:txBody>
+          <a:bodyPr>
+            <a:normAutofit fontScale="90000"/>
+          </a:bodyPr>
+          <a:lstStyle/>
+          <a:p>
+            <a:pPr eaLnBrk="1" hangingPunct="1">
+              <a:defRPr/>
+            </a:pPr>
+            <a:r>
+              <a:rPr lang="es-MX" b="1" dirty="0">
+                <a:solidFill>
+                  <a:schemeClr val="accent4">
+                    <a:lumMod val="50000"/>
+                  </a:schemeClr>
+                </a:solidFill>
+                <a:effectLst>
+                  <a:outerShdw blurRad="38100" dist="38100" dir="2700000" algn="tl">
+                    <a:srgbClr val="C0C0C0"/>
+                  </a:outerShdw>
+                </a:effectLst>
+                <a:latin typeface="Dom Casual" charset="0"/>
+              </a:rPr>
+              <a:t>Situación problema</a:t>
+            </a:r>
+            <a:br>
+              <a:rPr lang="es-MX" b="1" dirty="0">
+                <a:solidFill>
+                  <a:schemeClr val="accent4">
+                    <a:lumMod val="50000"/>
+                  </a:schemeClr>
+                </a:solidFill>
+                <a:effectLst>
+                  <a:outerShdw blurRad="38100" dist="38100" dir="2700000" algn="tl">
+                    <a:srgbClr val="C0C0C0"/>
+                  </a:outerShdw>
+                </a:effectLst>
+                <a:latin typeface="Dom Casual" charset="0"/>
+              </a:rPr>
+            </a:br>
+            <a:r>
+              <a:rPr lang="es-MX" sz="3100" dirty="0">
+                <a:solidFill>
+                  <a:schemeClr val="accent6">
+                    <a:lumMod val="75000"/>
+                  </a:schemeClr>
+                </a:solidFill>
+                <a:effectLst>
+                  <a:outerShdw blurRad="38100" dist="38100" dir="2700000" algn="tl">
+                    <a:srgbClr val="C0C0C0"/>
+                  </a:outerShdw>
+                </a:effectLst>
+                <a:latin typeface="Dom Casual" charset="0"/>
+              </a:rPr>
+              <a:t>Programa</a:t>
+            </a:r>
+          </a:p>
+        </p:txBody>
+      </p:sp>
+      <p:pic>
+        <p:nvPicPr>
+          <p:cNvPr id="8" name="Imagen 7" descr="Imagen que contiene pequeño, computadora, tabla&#10;&#10;Descripción generada automáticamente">
+            <a:extLst>
+              <a:ext uri="{FF2B5EF4-FFF2-40B4-BE49-F238E27FC236}">
+                <a16:creationId xmlns:a16="http://schemas.microsoft.com/office/drawing/2014/main" id="{B70A3D8A-8A2D-47FA-95C7-B2BC51C96F85}"/>
+              </a:ext>
+            </a:extLst>
+          </p:cNvPr>
+          <p:cNvPicPr>
+            <a:picLocks noChangeAspect="1"/>
+          </p:cNvPicPr>
+          <p:nvPr/>
+        </p:nvPicPr>
+        <p:blipFill>
+          <a:blip r:embed="rId3">
+            <a:extLst>
+              <a:ext uri="{28A0092B-C50C-407E-A947-70E740481C1C}">
+                <a14:useLocalDpi xmlns:a14="http://schemas.microsoft.com/office/drawing/2010/main" val="0"/>
+              </a:ext>
+            </a:extLst>
+          </a:blip>
+          <a:stretch>
+            <a:fillRect/>
+          </a:stretch>
+        </p:blipFill>
+        <p:spPr>
+          <a:xfrm>
+            <a:off x="7164288" y="1090528"/>
+            <a:ext cx="1095375" cy="1114425"/>
+          </a:xfrm>
+          <a:prstGeom prst="rect">
+            <a:avLst/>
+          </a:prstGeom>
+        </p:spPr>
+      </p:pic>
+      <p:sp>
+        <p:nvSpPr>
+          <p:cNvPr id="9" name="Rectangle 2">
+            <a:extLst>
+              <a:ext uri="{FF2B5EF4-FFF2-40B4-BE49-F238E27FC236}">
+                <a16:creationId xmlns:a16="http://schemas.microsoft.com/office/drawing/2014/main" id="{4142A75B-4638-434B-8BF4-013ED83C118A}"/>
+              </a:ext>
+            </a:extLst>
+          </p:cNvPr>
+          <p:cNvSpPr txBox="1">
+            <a:spLocks noChangeArrowheads="1"/>
+          </p:cNvSpPr>
+          <p:nvPr/>
+        </p:nvSpPr>
+        <p:spPr>
+          <a:xfrm>
+            <a:off x="375110" y="2276872"/>
+            <a:ext cx="7704856" cy="3888432"/>
+          </a:xfrm>
+          <a:prstGeom prst="rect">
+            <a:avLst/>
+          </a:prstGeom>
+        </p:spPr>
+        <p:txBody>
+          <a:bodyPr vert="horz" lIns="91440" tIns="45720" rIns="91440" bIns="45720" rtlCol="0">
+            <a:noAutofit/>
+          </a:bodyPr>
+          <a:lstStyle>
+            <a:lvl1pPr marL="342900" indent="-342900" algn="l" defTabSz="914400" rtl="0" eaLnBrk="1" latinLnBrk="0" hangingPunct="1">
+              <a:spcBef>
+                <a:spcPct val="20000"/>
+              </a:spcBef>
+              <a:buFont typeface="Arial" pitchFamily="34" charset="0"/>
+              <a:buChar char="•"/>
+              <a:defRPr sz="3200" kern="1200">
+                <a:solidFill>
+                  <a:schemeClr val="tx1"/>
+                </a:solidFill>
+                <a:latin typeface="+mn-lt"/>
+                <a:ea typeface="+mn-ea"/>
+                <a:cs typeface="+mn-cs"/>
+              </a:defRPr>
+            </a:lvl1pPr>
+            <a:lvl2pPr marL="742950" indent="-285750" algn="l" defTabSz="914400" rtl="0" eaLnBrk="1" latinLnBrk="0" hangingPunct="1">
+              <a:spcBef>
+                <a:spcPct val="20000"/>
+              </a:spcBef>
+              <a:buFont typeface="Arial" pitchFamily="34" charset="0"/>
+              <a:buChar char="–"/>
+              <a:defRPr sz="2800" kern="1200">
+                <a:solidFill>
+                  <a:schemeClr val="tx1"/>
+                </a:solidFill>
+                <a:latin typeface="+mn-lt"/>
+                <a:ea typeface="+mn-ea"/>
+                <a:cs typeface="+mn-cs"/>
+              </a:defRPr>
+            </a:lvl2pPr>
+            <a:lvl3pPr marL="1143000" indent="-228600" algn="l" defTabSz="914400" rtl="0" eaLnBrk="1" latinLnBrk="0" hangingPunct="1">
+              <a:spcBef>
+                <a:spcPct val="20000"/>
+              </a:spcBef>
+              <a:buFont typeface="Arial" pitchFamily="34" charset="0"/>
+              <a:buChar char="•"/>
+              <a:defRPr sz="2400" kern="1200">
+                <a:solidFill>
+                  <a:schemeClr val="tx1"/>
+                </a:solidFill>
+                <a:latin typeface="+mn-lt"/>
+                <a:ea typeface="+mn-ea"/>
+                <a:cs typeface="+mn-cs"/>
+              </a:defRPr>
+            </a:lvl3pPr>
+            <a:lvl4pPr marL="1600200" indent="-228600" algn="l" defTabSz="914400" rtl="0" eaLnBrk="1" latinLnBrk="0" hangingPunct="1">
+              <a:spcBef>
+                <a:spcPct val="20000"/>
+              </a:spcBef>
+              <a:buFont typeface="Arial" pitchFamily="34" charset="0"/>
+              <a:buChar char="–"/>
+              <a:defRPr sz="2000" kern="1200">
+                <a:solidFill>
+                  <a:schemeClr val="tx1"/>
+                </a:solidFill>
+                <a:latin typeface="+mn-lt"/>
+                <a:ea typeface="+mn-ea"/>
+                <a:cs typeface="+mn-cs"/>
+              </a:defRPr>
+            </a:lvl4pPr>
+            <a:lvl5pPr marL="2057400" indent="-228600" algn="l" defTabSz="914400" rtl="0" eaLnBrk="1" latinLnBrk="0" hangingPunct="1">
+              <a:spcBef>
+                <a:spcPct val="20000"/>
+              </a:spcBef>
+              <a:buFont typeface="Arial" pitchFamily="34" charset="0"/>
+              <a:buChar char="»"/>
+              <a:defRPr sz="2000" kern="1200">
+                <a:solidFill>
+                  <a:schemeClr val="tx1"/>
+                </a:solidFill>
+                <a:latin typeface="+mn-lt"/>
+                <a:ea typeface="+mn-ea"/>
+                <a:cs typeface="+mn-cs"/>
+              </a:defRPr>
+            </a:lvl5pPr>
+            <a:lvl6pPr marL="2514600" indent="-228600" algn="l" defTabSz="914400" rtl="0" eaLnBrk="1" latinLnBrk="0" hangingPunct="1">
+              <a:spcBef>
+                <a:spcPct val="20000"/>
+              </a:spcBef>
+              <a:buFont typeface="Arial" pitchFamily="34" charset="0"/>
+              <a:buChar char="•"/>
+              <a:defRPr sz="2000" kern="1200">
+                <a:solidFill>
+                  <a:schemeClr val="tx1"/>
+                </a:solidFill>
+                <a:latin typeface="+mn-lt"/>
+                <a:ea typeface="+mn-ea"/>
+                <a:cs typeface="+mn-cs"/>
+              </a:defRPr>
+            </a:lvl6pPr>
+            <a:lvl7pPr marL="2971800" indent="-228600" algn="l" defTabSz="914400" rtl="0" eaLnBrk="1" latinLnBrk="0" hangingPunct="1">
+              <a:spcBef>
+                <a:spcPct val="20000"/>
+              </a:spcBef>
+              <a:buFont typeface="Arial" pitchFamily="34" charset="0"/>
+              <a:buChar char="•"/>
+              <a:defRPr sz="2000" kern="1200">
+                <a:solidFill>
+                  <a:schemeClr val="tx1"/>
+                </a:solidFill>
+                <a:latin typeface="+mn-lt"/>
+                <a:ea typeface="+mn-ea"/>
+                <a:cs typeface="+mn-cs"/>
+              </a:defRPr>
+            </a:lvl7pPr>
+            <a:lvl8pPr marL="3429000" indent="-228600" algn="l" defTabSz="914400" rtl="0" eaLnBrk="1" latinLnBrk="0" hangingPunct="1">
+              <a:spcBef>
+                <a:spcPct val="20000"/>
+              </a:spcBef>
+              <a:buFont typeface="Arial" pitchFamily="34" charset="0"/>
+              <a:buChar char="•"/>
+              <a:defRPr sz="2000" kern="1200">
+                <a:solidFill>
+                  <a:schemeClr val="tx1"/>
+                </a:solidFill>
+                <a:latin typeface="+mn-lt"/>
+                <a:ea typeface="+mn-ea"/>
+                <a:cs typeface="+mn-cs"/>
+              </a:defRPr>
+            </a:lvl8pPr>
+            <a:lvl9pPr marL="3886200" indent="-228600" algn="l" defTabSz="914400" rtl="0" eaLnBrk="1" latinLnBrk="0" hangingPunct="1">
+              <a:spcBef>
+                <a:spcPct val="20000"/>
+              </a:spcBef>
+              <a:buFont typeface="Arial" pitchFamily="34" charset="0"/>
+              <a:buChar char="•"/>
+              <a:defRPr sz="2000" kern="1200">
+                <a:solidFill>
+                  <a:schemeClr val="tx1"/>
+                </a:solidFill>
+                <a:latin typeface="+mn-lt"/>
+                <a:ea typeface="+mn-ea"/>
+                <a:cs typeface="+mn-cs"/>
+              </a:defRPr>
+            </a:lvl9pPr>
+          </a:lstStyle>
+          <a:p>
+            <a:pPr marL="857250" lvl="1" indent="-457200" algn="just">
+              <a:lnSpc>
+                <a:spcPct val="120000"/>
+              </a:lnSpc>
+              <a:spcBef>
+                <a:spcPct val="0"/>
+              </a:spcBef>
+              <a:buFont typeface="+mj-lt"/>
+              <a:buAutoNum type="arabicPeriod" startAt="2"/>
+            </a:pPr>
+            <a:r>
+              <a:rPr lang="es-ES" sz="1800" dirty="0">
+                <a:solidFill>
+                  <a:schemeClr val="bg2">
+                    <a:lumMod val="25000"/>
+                  </a:schemeClr>
+                </a:solidFill>
+                <a:cs typeface="Arial" panose="020B0604020202020204" pitchFamily="34" charset="0"/>
+              </a:rPr>
+              <a:t>La función </a:t>
+            </a:r>
+            <a:r>
+              <a:rPr lang="es-ES" sz="1800" b="1" dirty="0" err="1">
+                <a:solidFill>
+                  <a:srgbClr val="FF0000"/>
+                </a:solidFill>
+                <a:cs typeface="Arial" panose="020B0604020202020204" pitchFamily="34" charset="0"/>
+              </a:rPr>
+              <a:t>main</a:t>
+            </a:r>
+            <a:r>
+              <a:rPr lang="es-ES" sz="1800" b="1" dirty="0">
+                <a:solidFill>
+                  <a:srgbClr val="FF0000"/>
+                </a:solidFill>
+                <a:cs typeface="Arial" panose="020B0604020202020204" pitchFamily="34" charset="0"/>
+              </a:rPr>
+              <a:t> </a:t>
+            </a:r>
+            <a:r>
+              <a:rPr lang="es-ES" sz="1800" dirty="0">
+                <a:solidFill>
+                  <a:schemeClr val="bg2">
+                    <a:lumMod val="25000"/>
+                  </a:schemeClr>
+                </a:solidFill>
+                <a:cs typeface="Arial" panose="020B0604020202020204" pitchFamily="34" charset="0"/>
+              </a:rPr>
+              <a:t>debe:</a:t>
+            </a:r>
+          </a:p>
+          <a:p>
+            <a:pPr marL="1257300" lvl="2" indent="-457200" algn="just">
+              <a:lnSpc>
+                <a:spcPct val="120000"/>
+              </a:lnSpc>
+              <a:spcBef>
+                <a:spcPct val="0"/>
+              </a:spcBef>
+            </a:pPr>
+            <a:r>
+              <a:rPr lang="es-ES" sz="1800" dirty="0">
+                <a:solidFill>
+                  <a:schemeClr val="bg2">
+                    <a:lumMod val="25000"/>
+                  </a:schemeClr>
+                </a:solidFill>
+                <a:cs typeface="Arial" panose="020B0604020202020204" pitchFamily="34" charset="0"/>
+              </a:rPr>
+              <a:t>Utilizar la función </a:t>
+            </a:r>
+            <a:r>
+              <a:rPr lang="es-ES" sz="1800" b="1" dirty="0" err="1">
+                <a:solidFill>
+                  <a:srgbClr val="FF0000"/>
+                </a:solidFill>
+                <a:cs typeface="Arial" panose="020B0604020202020204" pitchFamily="34" charset="0"/>
+              </a:rPr>
+              <a:t>comprueba_clave</a:t>
+            </a:r>
+            <a:r>
+              <a:rPr lang="es-ES" sz="1800" b="1" dirty="0">
+                <a:solidFill>
+                  <a:srgbClr val="FF0000"/>
+                </a:solidFill>
+                <a:cs typeface="Arial" panose="020B0604020202020204" pitchFamily="34" charset="0"/>
+              </a:rPr>
+              <a:t> </a:t>
+            </a:r>
+            <a:r>
+              <a:rPr lang="es-ES" sz="1800" dirty="0">
+                <a:solidFill>
+                  <a:schemeClr val="bg2">
+                    <a:lumMod val="25000"/>
+                  </a:schemeClr>
+                </a:solidFill>
+                <a:cs typeface="Arial" panose="020B0604020202020204" pitchFamily="34" charset="0"/>
+              </a:rPr>
+              <a:t>antes de ejecutar el </a:t>
+            </a:r>
+            <a:r>
+              <a:rPr lang="es-ES" sz="1800" dirty="0" err="1">
+                <a:solidFill>
+                  <a:schemeClr val="bg2">
+                    <a:lumMod val="25000"/>
+                  </a:schemeClr>
+                </a:solidFill>
+                <a:cs typeface="Arial" panose="020B0604020202020204" pitchFamily="34" charset="0"/>
+              </a:rPr>
+              <a:t>while</a:t>
+            </a:r>
+            <a:r>
+              <a:rPr lang="es-ES" sz="1800" dirty="0">
+                <a:solidFill>
+                  <a:schemeClr val="bg2">
+                    <a:lumMod val="25000"/>
+                  </a:schemeClr>
+                </a:solidFill>
+                <a:cs typeface="Arial" panose="020B0604020202020204" pitchFamily="34" charset="0"/>
+              </a:rPr>
+              <a:t>.</a:t>
+            </a:r>
+            <a:endParaRPr lang="es-MX" sz="1800" dirty="0">
+              <a:solidFill>
+                <a:schemeClr val="bg2">
+                  <a:lumMod val="25000"/>
+                </a:schemeClr>
+              </a:solidFill>
+              <a:cs typeface="Arial" panose="020B0604020202020204" pitchFamily="34" charset="0"/>
+            </a:endParaRPr>
+          </a:p>
+        </p:txBody>
+      </p:sp>
+      <p:sp>
+        <p:nvSpPr>
+          <p:cNvPr id="4" name="Rectángulo 3">
+            <a:extLst>
+              <a:ext uri="{FF2B5EF4-FFF2-40B4-BE49-F238E27FC236}">
+                <a16:creationId xmlns:a16="http://schemas.microsoft.com/office/drawing/2014/main" id="{46A05029-210E-4B5F-9B92-CBFAF670F8BF}"/>
+              </a:ext>
+            </a:extLst>
+          </p:cNvPr>
+          <p:cNvSpPr/>
+          <p:nvPr/>
+        </p:nvSpPr>
+        <p:spPr>
+          <a:xfrm>
+            <a:off x="2555776" y="4984369"/>
+            <a:ext cx="3024336" cy="288032"/>
+          </a:xfrm>
+          <a:prstGeom prst="rect">
+            <a:avLst/>
+          </a:prstGeom>
+          <a:noFill/>
+          <a:ln>
+            <a:solidFill>
+              <a:srgbClr val="FF0000"/>
+            </a:solidFill>
+          </a:ln>
+        </p:spPr>
+        <p:style>
+          <a:lnRef idx="2">
+            <a:schemeClr val="accent1">
+              <a:shade val="50000"/>
+            </a:schemeClr>
+          </a:lnRef>
+          <a:fillRef idx="1">
+            <a:schemeClr val="accent1"/>
+          </a:fillRef>
+          <a:effectRef idx="0">
+            <a:schemeClr val="accent1"/>
+          </a:effectRef>
+          <a:fontRef idx="minor">
+            <a:schemeClr val="lt1"/>
+          </a:fontRef>
+        </p:style>
+        <p:txBody>
+          <a:bodyPr rtlCol="0" anchor="ctr"/>
+          <a:lstStyle/>
+          <a:p>
+            <a:pPr algn="ctr"/>
+            <a:endParaRPr lang="es-MX"/>
           </a:p>
         </p:txBody>
       </p:sp>
     </p:spTree>
     <p:extLst>
       <p:ext uri="{BB962C8B-B14F-4D97-AF65-F5344CB8AC3E}">
-        <p14:creationId xmlns:p14="http://schemas.microsoft.com/office/powerpoint/2010/main" val="2297465856"/>
+        <p14:creationId xmlns:p14="http://schemas.microsoft.com/office/powerpoint/2010/main" val="3526004009"/>
+      </p:ext>
+    </p:extLst>
+  </p:cSld>
+  <p:clrMapOvr>
+    <a:masterClrMapping/>
+  </p:clrMapOvr>
+</p:sld>
+</file>
+
+<file path=ppt/slides/slide13.xml><?xml version="1.0" encoding="utf-8"?>
+<p:sld xmlns:a="http://schemas.openxmlformats.org/drawingml/2006/main" xmlns:r="http://schemas.openxmlformats.org/officeDocument/2006/relationships" xmlns:p="http://schemas.openxmlformats.org/presentationml/2006/main">
+  <p:cSld>
+    <p:spTree>
+      <p:nvGrpSpPr>
+        <p:cNvPr id="1" name=""/>
+        <p:cNvGrpSpPr/>
+        <p:nvPr/>
+      </p:nvGrpSpPr>
+      <p:grpSpPr>
+        <a:xfrm>
+          <a:off x="0" y="0"/>
+          <a:ext cx="0" cy="0"/>
+          <a:chOff x="0" y="0"/>
+          <a:chExt cx="0" cy="0"/>
+        </a:xfrm>
+      </p:grpSpPr>
+      <p:pic>
+        <p:nvPicPr>
+          <p:cNvPr id="7" name="Imagen 6">
+            <a:extLst>
+              <a:ext uri="{FF2B5EF4-FFF2-40B4-BE49-F238E27FC236}">
+                <a16:creationId xmlns:a16="http://schemas.microsoft.com/office/drawing/2014/main" id="{2486E100-1E06-4599-A3D1-AB589175A86A}"/>
+              </a:ext>
+            </a:extLst>
+          </p:cNvPr>
+          <p:cNvPicPr>
+            <a:picLocks noChangeAspect="1"/>
+          </p:cNvPicPr>
+          <p:nvPr/>
+        </p:nvPicPr>
+        <p:blipFill>
+          <a:blip r:embed="rId2"/>
+          <a:stretch>
+            <a:fillRect/>
+          </a:stretch>
+        </p:blipFill>
+        <p:spPr>
+          <a:xfrm>
+            <a:off x="5796136" y="4221088"/>
+            <a:ext cx="2266950" cy="1876425"/>
+          </a:xfrm>
+          <a:prstGeom prst="rect">
+            <a:avLst/>
+          </a:prstGeom>
+        </p:spPr>
+      </p:pic>
+      <p:sp>
+        <p:nvSpPr>
+          <p:cNvPr id="184324" name="Rectangle 4"/>
+          <p:cNvSpPr>
+            <a:spLocks noGrp="1" noChangeArrowheads="1"/>
+          </p:cNvSpPr>
+          <p:nvPr>
+            <p:ph type="title"/>
+          </p:nvPr>
+        </p:nvSpPr>
+        <p:spPr>
+          <a:xfrm>
+            <a:off x="457200" y="234119"/>
+            <a:ext cx="8229600" cy="1143000"/>
+          </a:xfrm>
+        </p:spPr>
+        <p:txBody>
+          <a:bodyPr>
+            <a:normAutofit fontScale="90000"/>
+          </a:bodyPr>
+          <a:lstStyle/>
+          <a:p>
+            <a:pPr eaLnBrk="1" hangingPunct="1">
+              <a:defRPr/>
+            </a:pPr>
+            <a:r>
+              <a:rPr lang="es-MX" b="1" dirty="0">
+                <a:solidFill>
+                  <a:schemeClr val="accent4">
+                    <a:lumMod val="50000"/>
+                  </a:schemeClr>
+                </a:solidFill>
+                <a:effectLst>
+                  <a:outerShdw blurRad="38100" dist="38100" dir="2700000" algn="tl">
+                    <a:srgbClr val="C0C0C0"/>
+                  </a:outerShdw>
+                </a:effectLst>
+                <a:latin typeface="Dom Casual" charset="0"/>
+              </a:rPr>
+              <a:t>Situación problema</a:t>
+            </a:r>
+            <a:br>
+              <a:rPr lang="es-MX" b="1" dirty="0">
+                <a:solidFill>
+                  <a:schemeClr val="accent4">
+                    <a:lumMod val="50000"/>
+                  </a:schemeClr>
+                </a:solidFill>
+                <a:effectLst>
+                  <a:outerShdw blurRad="38100" dist="38100" dir="2700000" algn="tl">
+                    <a:srgbClr val="C0C0C0"/>
+                  </a:outerShdw>
+                </a:effectLst>
+                <a:latin typeface="Dom Casual" charset="0"/>
+              </a:rPr>
+            </a:br>
+            <a:r>
+              <a:rPr lang="es-MX" sz="3100" dirty="0">
+                <a:solidFill>
+                  <a:schemeClr val="accent6">
+                    <a:lumMod val="75000"/>
+                  </a:schemeClr>
+                </a:solidFill>
+                <a:effectLst>
+                  <a:outerShdw blurRad="38100" dist="38100" dir="2700000" algn="tl">
+                    <a:srgbClr val="C0C0C0"/>
+                  </a:outerShdw>
+                </a:effectLst>
+                <a:latin typeface="Dom Casual" charset="0"/>
+              </a:rPr>
+              <a:t>Función comprueba clave</a:t>
+            </a:r>
+          </a:p>
+        </p:txBody>
+      </p:sp>
+      <p:sp>
+        <p:nvSpPr>
+          <p:cNvPr id="5" name="Rectangle 2">
+            <a:extLst>
+              <a:ext uri="{FF2B5EF4-FFF2-40B4-BE49-F238E27FC236}">
+                <a16:creationId xmlns:a16="http://schemas.microsoft.com/office/drawing/2014/main" id="{320E9E94-35B1-4964-BB02-8EA246862BDF}"/>
+              </a:ext>
+            </a:extLst>
+          </p:cNvPr>
+          <p:cNvSpPr txBox="1">
+            <a:spLocks noChangeArrowheads="1"/>
+          </p:cNvSpPr>
+          <p:nvPr/>
+        </p:nvSpPr>
+        <p:spPr>
+          <a:xfrm>
+            <a:off x="671911" y="1916832"/>
+            <a:ext cx="7800178" cy="3789548"/>
+          </a:xfrm>
+          <a:prstGeom prst="rect">
+            <a:avLst/>
+          </a:prstGeom>
+        </p:spPr>
+        <p:txBody>
+          <a:bodyPr vert="horz" lIns="91440" tIns="45720" rIns="91440" bIns="45720" rtlCol="0">
+            <a:noAutofit/>
+          </a:bodyPr>
+          <a:lstStyle>
+            <a:lvl1pPr marL="342900" indent="-342900" algn="l" defTabSz="914400" rtl="0" eaLnBrk="1" latinLnBrk="0" hangingPunct="1">
+              <a:spcBef>
+                <a:spcPct val="20000"/>
+              </a:spcBef>
+              <a:buFont typeface="Arial" pitchFamily="34" charset="0"/>
+              <a:buChar char="•"/>
+              <a:defRPr sz="3200" kern="1200">
+                <a:solidFill>
+                  <a:schemeClr val="tx1"/>
+                </a:solidFill>
+                <a:latin typeface="+mn-lt"/>
+                <a:ea typeface="+mn-ea"/>
+                <a:cs typeface="+mn-cs"/>
+              </a:defRPr>
+            </a:lvl1pPr>
+            <a:lvl2pPr marL="742950" indent="-285750" algn="l" defTabSz="914400" rtl="0" eaLnBrk="1" latinLnBrk="0" hangingPunct="1">
+              <a:spcBef>
+                <a:spcPct val="20000"/>
+              </a:spcBef>
+              <a:buFont typeface="Arial" pitchFamily="34" charset="0"/>
+              <a:buChar char="–"/>
+              <a:defRPr sz="2800" kern="1200">
+                <a:solidFill>
+                  <a:schemeClr val="tx1"/>
+                </a:solidFill>
+                <a:latin typeface="+mn-lt"/>
+                <a:ea typeface="+mn-ea"/>
+                <a:cs typeface="+mn-cs"/>
+              </a:defRPr>
+            </a:lvl2pPr>
+            <a:lvl3pPr marL="1143000" indent="-228600" algn="l" defTabSz="914400" rtl="0" eaLnBrk="1" latinLnBrk="0" hangingPunct="1">
+              <a:spcBef>
+                <a:spcPct val="20000"/>
+              </a:spcBef>
+              <a:buFont typeface="Arial" pitchFamily="34" charset="0"/>
+              <a:buChar char="•"/>
+              <a:defRPr sz="2400" kern="1200">
+                <a:solidFill>
+                  <a:schemeClr val="tx1"/>
+                </a:solidFill>
+                <a:latin typeface="+mn-lt"/>
+                <a:ea typeface="+mn-ea"/>
+                <a:cs typeface="+mn-cs"/>
+              </a:defRPr>
+            </a:lvl3pPr>
+            <a:lvl4pPr marL="1600200" indent="-228600" algn="l" defTabSz="914400" rtl="0" eaLnBrk="1" latinLnBrk="0" hangingPunct="1">
+              <a:spcBef>
+                <a:spcPct val="20000"/>
+              </a:spcBef>
+              <a:buFont typeface="Arial" pitchFamily="34" charset="0"/>
+              <a:buChar char="–"/>
+              <a:defRPr sz="2000" kern="1200">
+                <a:solidFill>
+                  <a:schemeClr val="tx1"/>
+                </a:solidFill>
+                <a:latin typeface="+mn-lt"/>
+                <a:ea typeface="+mn-ea"/>
+                <a:cs typeface="+mn-cs"/>
+              </a:defRPr>
+            </a:lvl4pPr>
+            <a:lvl5pPr marL="2057400" indent="-228600" algn="l" defTabSz="914400" rtl="0" eaLnBrk="1" latinLnBrk="0" hangingPunct="1">
+              <a:spcBef>
+                <a:spcPct val="20000"/>
+              </a:spcBef>
+              <a:buFont typeface="Arial" pitchFamily="34" charset="0"/>
+              <a:buChar char="»"/>
+              <a:defRPr sz="2000" kern="1200">
+                <a:solidFill>
+                  <a:schemeClr val="tx1"/>
+                </a:solidFill>
+                <a:latin typeface="+mn-lt"/>
+                <a:ea typeface="+mn-ea"/>
+                <a:cs typeface="+mn-cs"/>
+              </a:defRPr>
+            </a:lvl5pPr>
+            <a:lvl6pPr marL="2514600" indent="-228600" algn="l" defTabSz="914400" rtl="0" eaLnBrk="1" latinLnBrk="0" hangingPunct="1">
+              <a:spcBef>
+                <a:spcPct val="20000"/>
+              </a:spcBef>
+              <a:buFont typeface="Arial" pitchFamily="34" charset="0"/>
+              <a:buChar char="•"/>
+              <a:defRPr sz="2000" kern="1200">
+                <a:solidFill>
+                  <a:schemeClr val="tx1"/>
+                </a:solidFill>
+                <a:latin typeface="+mn-lt"/>
+                <a:ea typeface="+mn-ea"/>
+                <a:cs typeface="+mn-cs"/>
+              </a:defRPr>
+            </a:lvl6pPr>
+            <a:lvl7pPr marL="2971800" indent="-228600" algn="l" defTabSz="914400" rtl="0" eaLnBrk="1" latinLnBrk="0" hangingPunct="1">
+              <a:spcBef>
+                <a:spcPct val="20000"/>
+              </a:spcBef>
+              <a:buFont typeface="Arial" pitchFamily="34" charset="0"/>
+              <a:buChar char="•"/>
+              <a:defRPr sz="2000" kern="1200">
+                <a:solidFill>
+                  <a:schemeClr val="tx1"/>
+                </a:solidFill>
+                <a:latin typeface="+mn-lt"/>
+                <a:ea typeface="+mn-ea"/>
+                <a:cs typeface="+mn-cs"/>
+              </a:defRPr>
+            </a:lvl7pPr>
+            <a:lvl8pPr marL="3429000" indent="-228600" algn="l" defTabSz="914400" rtl="0" eaLnBrk="1" latinLnBrk="0" hangingPunct="1">
+              <a:spcBef>
+                <a:spcPct val="20000"/>
+              </a:spcBef>
+              <a:buFont typeface="Arial" pitchFamily="34" charset="0"/>
+              <a:buChar char="•"/>
+              <a:defRPr sz="2000" kern="1200">
+                <a:solidFill>
+                  <a:schemeClr val="tx1"/>
+                </a:solidFill>
+                <a:latin typeface="+mn-lt"/>
+                <a:ea typeface="+mn-ea"/>
+                <a:cs typeface="+mn-cs"/>
+              </a:defRPr>
+            </a:lvl8pPr>
+            <a:lvl9pPr marL="3886200" indent="-228600" algn="l" defTabSz="914400" rtl="0" eaLnBrk="1" latinLnBrk="0" hangingPunct="1">
+              <a:spcBef>
+                <a:spcPct val="20000"/>
+              </a:spcBef>
+              <a:buFont typeface="Arial" pitchFamily="34" charset="0"/>
+              <a:buChar char="•"/>
+              <a:defRPr sz="2000" kern="1200">
+                <a:solidFill>
+                  <a:schemeClr val="tx1"/>
+                </a:solidFill>
+                <a:latin typeface="+mn-lt"/>
+                <a:ea typeface="+mn-ea"/>
+                <a:cs typeface="+mn-cs"/>
+              </a:defRPr>
+            </a:lvl9pPr>
+          </a:lstStyle>
+          <a:p>
+            <a:pPr marL="0" lvl="1" indent="0" algn="just">
+              <a:lnSpc>
+                <a:spcPct val="150000"/>
+              </a:lnSpc>
+              <a:spcBef>
+                <a:spcPct val="0"/>
+              </a:spcBef>
+              <a:buNone/>
+            </a:pPr>
+            <a:r>
+              <a:rPr lang="es-MX" sz="1600" dirty="0">
+                <a:solidFill>
+                  <a:schemeClr val="bg2">
+                    <a:lumMod val="25000"/>
+                  </a:schemeClr>
+                </a:solidFill>
+                <a:latin typeface="Arial" pitchFamily="34" charset="0"/>
+                <a:cs typeface="Arial" pitchFamily="34" charset="0"/>
+              </a:rPr>
+              <a:t>Escribe la función </a:t>
+            </a:r>
+            <a:r>
+              <a:rPr lang="es-MX" sz="1600" b="1" dirty="0" err="1">
+                <a:solidFill>
+                  <a:srgbClr val="FF0000"/>
+                </a:solidFill>
+                <a:latin typeface="Arial" pitchFamily="34" charset="0"/>
+                <a:cs typeface="Arial" pitchFamily="34" charset="0"/>
+              </a:rPr>
+              <a:t>comprueba_clave</a:t>
+            </a:r>
+            <a:r>
+              <a:rPr lang="es-MX" sz="1600" b="1" dirty="0">
+                <a:solidFill>
+                  <a:srgbClr val="FF0000"/>
+                </a:solidFill>
+                <a:latin typeface="Arial" pitchFamily="34" charset="0"/>
+                <a:cs typeface="Arial" pitchFamily="34" charset="0"/>
+              </a:rPr>
+              <a:t>(</a:t>
+            </a:r>
+            <a:r>
+              <a:rPr lang="es-MX" sz="1600" b="1" dirty="0" err="1">
+                <a:solidFill>
+                  <a:srgbClr val="FF0000"/>
+                </a:solidFill>
+                <a:latin typeface="Arial" pitchFamily="34" charset="0"/>
+                <a:cs typeface="Arial" pitchFamily="34" charset="0"/>
+              </a:rPr>
+              <a:t>password</a:t>
+            </a:r>
+            <a:r>
+              <a:rPr lang="es-MX" sz="1600" b="1" dirty="0">
+                <a:solidFill>
+                  <a:srgbClr val="FF0000"/>
+                </a:solidFill>
+                <a:latin typeface="Arial" pitchFamily="34" charset="0"/>
+                <a:cs typeface="Arial" pitchFamily="34" charset="0"/>
+              </a:rPr>
+              <a:t>)</a:t>
+            </a:r>
+            <a:r>
+              <a:rPr lang="es-MX" sz="1600" dirty="0">
+                <a:solidFill>
+                  <a:schemeClr val="bg2">
+                    <a:lumMod val="25000"/>
+                  </a:schemeClr>
+                </a:solidFill>
+                <a:latin typeface="Arial" pitchFamily="34" charset="0"/>
+                <a:cs typeface="Arial" pitchFamily="34" charset="0"/>
+              </a:rPr>
+              <a:t>, que recibe el </a:t>
+            </a:r>
+            <a:r>
+              <a:rPr lang="es-MX" sz="1600" dirty="0" err="1">
+                <a:solidFill>
+                  <a:schemeClr val="bg2">
+                    <a:lumMod val="25000"/>
+                  </a:schemeClr>
+                </a:solidFill>
+                <a:latin typeface="Arial" pitchFamily="34" charset="0"/>
+                <a:cs typeface="Arial" pitchFamily="34" charset="0"/>
+              </a:rPr>
+              <a:t>password</a:t>
+            </a:r>
+            <a:r>
+              <a:rPr lang="es-MX" sz="1600" dirty="0">
+                <a:solidFill>
+                  <a:schemeClr val="bg2">
+                    <a:lumMod val="25000"/>
+                  </a:schemeClr>
+                </a:solidFill>
+                <a:latin typeface="Arial" pitchFamily="34" charset="0"/>
+                <a:cs typeface="Arial" pitchFamily="34" charset="0"/>
+              </a:rPr>
+              <a:t> permitido.</a:t>
+            </a:r>
+          </a:p>
+          <a:p>
+            <a:pPr marL="0" lvl="1" indent="0" algn="just">
+              <a:lnSpc>
+                <a:spcPct val="150000"/>
+              </a:lnSpc>
+              <a:spcBef>
+                <a:spcPct val="0"/>
+              </a:spcBef>
+              <a:buNone/>
+            </a:pPr>
+            <a:r>
+              <a:rPr lang="es-MX" sz="1600" dirty="0">
+                <a:solidFill>
+                  <a:schemeClr val="bg2">
+                    <a:lumMod val="25000"/>
+                  </a:schemeClr>
+                </a:solidFill>
+                <a:latin typeface="Arial" pitchFamily="34" charset="0"/>
+                <a:cs typeface="Arial" pitchFamily="34" charset="0"/>
+              </a:rPr>
+              <a:t>La función debe:</a:t>
+            </a:r>
+          </a:p>
+          <a:p>
+            <a:pPr marL="342900" lvl="1" indent="-342900" algn="just">
+              <a:lnSpc>
+                <a:spcPct val="150000"/>
+              </a:lnSpc>
+              <a:spcBef>
+                <a:spcPct val="0"/>
+              </a:spcBef>
+              <a:buFont typeface="+mj-lt"/>
+              <a:buAutoNum type="arabicPeriod"/>
+            </a:pPr>
+            <a:r>
+              <a:rPr lang="es-MX" sz="1600" dirty="0">
+                <a:solidFill>
+                  <a:schemeClr val="bg2">
+                    <a:lumMod val="25000"/>
+                  </a:schemeClr>
+                </a:solidFill>
+                <a:latin typeface="Arial" pitchFamily="34" charset="0"/>
+                <a:cs typeface="Arial" pitchFamily="34" charset="0"/>
+              </a:rPr>
+              <a:t>Pedir la </a:t>
+            </a:r>
+            <a:r>
+              <a:rPr lang="es-MX" sz="1600" b="1" dirty="0">
+                <a:solidFill>
+                  <a:schemeClr val="accent6">
+                    <a:lumMod val="75000"/>
+                  </a:schemeClr>
+                </a:solidFill>
+                <a:latin typeface="Arial" pitchFamily="34" charset="0"/>
+                <a:cs typeface="Arial" pitchFamily="34" charset="0"/>
+              </a:rPr>
+              <a:t>clave</a:t>
+            </a:r>
+            <a:r>
+              <a:rPr lang="es-MX" sz="1600" dirty="0">
+                <a:solidFill>
+                  <a:schemeClr val="bg2">
+                    <a:lumMod val="25000"/>
+                  </a:schemeClr>
+                </a:solidFill>
+                <a:latin typeface="Arial" pitchFamily="34" charset="0"/>
+                <a:cs typeface="Arial" pitchFamily="34" charset="0"/>
+              </a:rPr>
+              <a:t>.</a:t>
+            </a:r>
+          </a:p>
+          <a:p>
+            <a:pPr marL="342900" lvl="1" indent="-342900" algn="just">
+              <a:lnSpc>
+                <a:spcPct val="150000"/>
+              </a:lnSpc>
+              <a:spcBef>
+                <a:spcPct val="0"/>
+              </a:spcBef>
+              <a:buFont typeface="+mj-lt"/>
+              <a:buAutoNum type="arabicPeriod"/>
+            </a:pPr>
+            <a:r>
+              <a:rPr lang="es-MX" sz="1600" dirty="0">
+                <a:solidFill>
+                  <a:schemeClr val="bg2">
+                    <a:lumMod val="25000"/>
+                  </a:schemeClr>
+                </a:solidFill>
+                <a:latin typeface="Arial" pitchFamily="34" charset="0"/>
+                <a:cs typeface="Arial" pitchFamily="34" charset="0"/>
+              </a:rPr>
+              <a:t>Mediante un ciclo </a:t>
+            </a:r>
+            <a:r>
+              <a:rPr lang="es-MX" sz="1600" dirty="0" err="1">
+                <a:solidFill>
+                  <a:schemeClr val="bg2">
+                    <a:lumMod val="25000"/>
+                  </a:schemeClr>
+                </a:solidFill>
+                <a:latin typeface="Arial" pitchFamily="34" charset="0"/>
+                <a:cs typeface="Arial" pitchFamily="34" charset="0"/>
+              </a:rPr>
+              <a:t>while</a:t>
+            </a:r>
+            <a:r>
+              <a:rPr lang="es-MX" sz="1600" dirty="0">
+                <a:solidFill>
+                  <a:schemeClr val="bg2">
+                    <a:lumMod val="25000"/>
+                  </a:schemeClr>
+                </a:solidFill>
+                <a:latin typeface="Arial" pitchFamily="34" charset="0"/>
+                <a:cs typeface="Arial" pitchFamily="34" charset="0"/>
+              </a:rPr>
+              <a:t>, mientras la </a:t>
+            </a:r>
+            <a:r>
+              <a:rPr lang="es-MX" sz="1600" b="1" dirty="0">
+                <a:solidFill>
+                  <a:schemeClr val="accent6">
+                    <a:lumMod val="75000"/>
+                  </a:schemeClr>
+                </a:solidFill>
+                <a:latin typeface="Arial" pitchFamily="34" charset="0"/>
+                <a:cs typeface="Arial" pitchFamily="34" charset="0"/>
+              </a:rPr>
+              <a:t>clave </a:t>
+            </a:r>
+            <a:r>
+              <a:rPr lang="es-MX" sz="1600" dirty="0">
+                <a:solidFill>
+                  <a:schemeClr val="bg2">
+                    <a:lumMod val="25000"/>
+                  </a:schemeClr>
+                </a:solidFill>
+                <a:latin typeface="Arial" pitchFamily="34" charset="0"/>
+                <a:cs typeface="Arial" pitchFamily="34" charset="0"/>
+              </a:rPr>
+              <a:t>sea diferente al </a:t>
+            </a:r>
+            <a:r>
+              <a:rPr lang="es-MX" sz="1600" b="1" dirty="0" err="1">
+                <a:solidFill>
+                  <a:schemeClr val="accent6">
+                    <a:lumMod val="75000"/>
+                  </a:schemeClr>
+                </a:solidFill>
+                <a:latin typeface="Arial" pitchFamily="34" charset="0"/>
+                <a:cs typeface="Arial" pitchFamily="34" charset="0"/>
+              </a:rPr>
+              <a:t>password</a:t>
+            </a:r>
+            <a:r>
+              <a:rPr lang="es-MX" sz="1600" dirty="0">
+                <a:solidFill>
+                  <a:schemeClr val="bg2">
+                    <a:lumMod val="25000"/>
+                  </a:schemeClr>
+                </a:solidFill>
+                <a:latin typeface="Arial" pitchFamily="34" charset="0"/>
+                <a:cs typeface="Arial" pitchFamily="34" charset="0"/>
+              </a:rPr>
+              <a:t>: </a:t>
+            </a:r>
+          </a:p>
+          <a:p>
+            <a:pPr marL="742950" lvl="2" indent="-342900" algn="just">
+              <a:lnSpc>
+                <a:spcPct val="150000"/>
+              </a:lnSpc>
+              <a:spcBef>
+                <a:spcPct val="0"/>
+              </a:spcBef>
+            </a:pPr>
+            <a:r>
+              <a:rPr lang="es-MX" sz="1600" dirty="0">
+                <a:solidFill>
+                  <a:schemeClr val="bg2">
+                    <a:lumMod val="25000"/>
+                  </a:schemeClr>
+                </a:solidFill>
+                <a:latin typeface="Arial" pitchFamily="34" charset="0"/>
+                <a:cs typeface="Arial" pitchFamily="34" charset="0"/>
+              </a:rPr>
+              <a:t>Imprimir </a:t>
+            </a:r>
+            <a:r>
+              <a:rPr lang="es-MX" sz="1600" b="1" dirty="0">
+                <a:solidFill>
+                  <a:schemeClr val="bg2">
+                    <a:lumMod val="25000"/>
+                  </a:schemeClr>
+                </a:solidFill>
+                <a:latin typeface="Arial" pitchFamily="34" charset="0"/>
+                <a:cs typeface="Arial" pitchFamily="34" charset="0"/>
+              </a:rPr>
+              <a:t>"Intenta de nuevo, introduce tu clave de acceso".</a:t>
+            </a:r>
+          </a:p>
+          <a:p>
+            <a:pPr marL="742950" lvl="2" indent="-342900" algn="just">
+              <a:lnSpc>
+                <a:spcPct val="150000"/>
+              </a:lnSpc>
+              <a:spcBef>
+                <a:spcPct val="0"/>
+              </a:spcBef>
+            </a:pPr>
+            <a:r>
+              <a:rPr lang="es-MX" sz="1600" dirty="0">
+                <a:solidFill>
+                  <a:schemeClr val="bg2">
+                    <a:lumMod val="25000"/>
+                  </a:schemeClr>
+                </a:solidFill>
+                <a:latin typeface="Arial" pitchFamily="34" charset="0"/>
+                <a:cs typeface="Arial" pitchFamily="34" charset="0"/>
+              </a:rPr>
+              <a:t>Pedir la </a:t>
+            </a:r>
+            <a:r>
+              <a:rPr lang="es-MX" sz="1600" b="1" dirty="0">
+                <a:solidFill>
+                  <a:schemeClr val="accent6">
+                    <a:lumMod val="75000"/>
+                  </a:schemeClr>
+                </a:solidFill>
+                <a:latin typeface="Arial" pitchFamily="34" charset="0"/>
+                <a:cs typeface="Arial" pitchFamily="34" charset="0"/>
+              </a:rPr>
+              <a:t>clave</a:t>
+            </a:r>
+            <a:r>
+              <a:rPr lang="es-MX" sz="1600" dirty="0">
+                <a:solidFill>
+                  <a:schemeClr val="bg2">
+                    <a:lumMod val="25000"/>
+                  </a:schemeClr>
+                </a:solidFill>
+                <a:latin typeface="Arial" pitchFamily="34" charset="0"/>
+                <a:cs typeface="Arial" pitchFamily="34" charset="0"/>
+              </a:rPr>
+              <a:t>.</a:t>
+            </a:r>
+          </a:p>
+          <a:p>
+            <a:pPr marL="342900" lvl="1" indent="-342900" algn="just">
+              <a:lnSpc>
+                <a:spcPct val="150000"/>
+              </a:lnSpc>
+              <a:spcBef>
+                <a:spcPct val="0"/>
+              </a:spcBef>
+              <a:buFont typeface="+mj-lt"/>
+              <a:buAutoNum type="arabicPeriod"/>
+            </a:pPr>
+            <a:r>
+              <a:rPr lang="es-MX" sz="1600" dirty="0">
+                <a:solidFill>
+                  <a:schemeClr val="bg2">
+                    <a:lumMod val="25000"/>
+                  </a:schemeClr>
+                </a:solidFill>
+                <a:latin typeface="Arial" pitchFamily="34" charset="0"/>
+                <a:cs typeface="Arial" pitchFamily="34" charset="0"/>
+              </a:rPr>
+              <a:t>Al final de tu función, imprime </a:t>
+            </a:r>
+            <a:r>
+              <a:rPr lang="es-MX" sz="1600" b="1" dirty="0">
+                <a:solidFill>
+                  <a:schemeClr val="bg2">
+                    <a:lumMod val="25000"/>
+                  </a:schemeClr>
+                </a:solidFill>
+                <a:latin typeface="Arial" pitchFamily="34" charset="0"/>
+                <a:cs typeface="Arial" pitchFamily="34" charset="0"/>
+              </a:rPr>
+              <a:t>“Bienvenido”.</a:t>
+            </a:r>
+            <a:endParaRPr lang="es-MX" sz="1600" dirty="0">
+              <a:solidFill>
+                <a:schemeClr val="bg2">
+                  <a:lumMod val="25000"/>
+                </a:schemeClr>
+              </a:solidFill>
+              <a:latin typeface="Arial" pitchFamily="34" charset="0"/>
+              <a:cs typeface="Arial" pitchFamily="34" charset="0"/>
+            </a:endParaRPr>
+          </a:p>
+          <a:p>
+            <a:pPr marL="400050" lvl="1" indent="0" algn="just">
+              <a:spcBef>
+                <a:spcPct val="0"/>
+              </a:spcBef>
+              <a:buFont typeface="Arial" pitchFamily="34" charset="0"/>
+              <a:buNone/>
+            </a:pPr>
+            <a:endParaRPr lang="es-MX" sz="2400" dirty="0">
+              <a:solidFill>
+                <a:schemeClr val="bg2">
+                  <a:lumMod val="25000"/>
+                </a:schemeClr>
+              </a:solidFill>
+              <a:cs typeface="Arial" panose="020B0604020202020204" pitchFamily="34" charset="0"/>
+            </a:endParaRPr>
+          </a:p>
+        </p:txBody>
+      </p:sp>
+    </p:spTree>
+    <p:extLst>
+      <p:ext uri="{BB962C8B-B14F-4D97-AF65-F5344CB8AC3E}">
+        <p14:creationId xmlns:p14="http://schemas.microsoft.com/office/powerpoint/2010/main" val="2650679"/>
+      </p:ext>
+    </p:extLst>
+  </p:cSld>
+  <p:clrMapOvr>
+    <a:masterClrMapping/>
+  </p:clrMapOvr>
+</p:sld>
+</file>
+
+<file path=ppt/slides/slide14.xml><?xml version="1.0" encoding="utf-8"?>
+<p:sld xmlns:a="http://schemas.openxmlformats.org/drawingml/2006/main" xmlns:r="http://schemas.openxmlformats.org/officeDocument/2006/relationships" xmlns:p="http://schemas.openxmlformats.org/presentationml/2006/main">
+  <p:cSld>
+    <p:spTree>
+      <p:nvGrpSpPr>
+        <p:cNvPr id="1" name=""/>
+        <p:cNvGrpSpPr/>
+        <p:nvPr/>
+      </p:nvGrpSpPr>
+      <p:grpSpPr>
+        <a:xfrm>
+          <a:off x="0" y="0"/>
+          <a:ext cx="0" cy="0"/>
+          <a:chOff x="0" y="0"/>
+          <a:chExt cx="0" cy="0"/>
+        </a:xfrm>
+      </p:grpSpPr>
+      <p:sp>
+        <p:nvSpPr>
+          <p:cNvPr id="4098" name="Rectangle 2"/>
+          <p:cNvSpPr>
+            <a:spLocks noGrp="1" noChangeArrowheads="1"/>
+          </p:cNvSpPr>
+          <p:nvPr>
+            <p:ph type="body" idx="1"/>
+          </p:nvPr>
+        </p:nvSpPr>
+        <p:spPr>
+          <a:xfrm>
+            <a:off x="922905" y="1844824"/>
+            <a:ext cx="7704856" cy="3888432"/>
+          </a:xfrm>
+        </p:spPr>
+        <p:txBody>
+          <a:bodyPr>
+            <a:noAutofit/>
+          </a:bodyPr>
+          <a:lstStyle/>
+          <a:p>
+            <a:pPr marL="857250" lvl="1" indent="-457200" algn="just">
+              <a:lnSpc>
+                <a:spcPct val="120000"/>
+              </a:lnSpc>
+              <a:spcBef>
+                <a:spcPct val="0"/>
+              </a:spcBef>
+              <a:buFont typeface="+mj-lt"/>
+              <a:buAutoNum type="arabicPeriod" startAt="2"/>
+            </a:pPr>
+            <a:r>
+              <a:rPr lang="es-ES" sz="1800" dirty="0">
+                <a:solidFill>
+                  <a:schemeClr val="bg2">
+                    <a:lumMod val="25000"/>
+                  </a:schemeClr>
+                </a:solidFill>
+                <a:cs typeface="Arial" panose="020B0604020202020204" pitchFamily="34" charset="0"/>
+              </a:rPr>
+              <a:t>En la función </a:t>
+            </a:r>
+            <a:r>
+              <a:rPr lang="es-ES" sz="1800" b="1" dirty="0" err="1">
+                <a:solidFill>
+                  <a:srgbClr val="FF0000"/>
+                </a:solidFill>
+                <a:cs typeface="Arial" panose="020B0604020202020204" pitchFamily="34" charset="0"/>
+              </a:rPr>
+              <a:t>main</a:t>
+            </a:r>
+            <a:r>
+              <a:rPr lang="es-ES" sz="1800" dirty="0">
+                <a:solidFill>
+                  <a:schemeClr val="bg2">
+                    <a:lumMod val="25000"/>
+                  </a:schemeClr>
+                </a:solidFill>
+                <a:cs typeface="Arial" panose="020B0604020202020204" pitchFamily="34" charset="0"/>
+              </a:rPr>
+              <a:t>:</a:t>
+            </a:r>
+          </a:p>
+          <a:p>
+            <a:pPr marL="1257300" lvl="2" indent="-457200" algn="just">
+              <a:lnSpc>
+                <a:spcPct val="120000"/>
+              </a:lnSpc>
+              <a:spcBef>
+                <a:spcPct val="0"/>
+              </a:spcBef>
+            </a:pPr>
+            <a:r>
+              <a:rPr lang="es-ES" sz="1800" dirty="0">
+                <a:solidFill>
+                  <a:schemeClr val="bg2">
+                    <a:lumMod val="25000"/>
+                  </a:schemeClr>
+                </a:solidFill>
+                <a:cs typeface="Arial" panose="020B0604020202020204" pitchFamily="34" charset="0"/>
+              </a:rPr>
+              <a:t>Si la opción es 1 ejecutar la función de </a:t>
+            </a:r>
+            <a:r>
+              <a:rPr lang="es-ES" sz="1800" b="1" dirty="0" err="1">
+                <a:solidFill>
+                  <a:schemeClr val="accent6">
+                    <a:lumMod val="75000"/>
+                  </a:schemeClr>
+                </a:solidFill>
+                <a:cs typeface="Arial" panose="020B0604020202020204" pitchFamily="34" charset="0"/>
+              </a:rPr>
+              <a:t>estadistica_descriptiva</a:t>
+            </a:r>
+            <a:r>
+              <a:rPr lang="es-ES" sz="1800" dirty="0">
+                <a:solidFill>
+                  <a:schemeClr val="bg2">
+                    <a:lumMod val="25000"/>
+                  </a:schemeClr>
+                </a:solidFill>
+                <a:cs typeface="Arial" panose="020B0604020202020204" pitchFamily="34" charset="0"/>
+              </a:rPr>
+              <a:t>.</a:t>
+            </a:r>
+          </a:p>
+          <a:p>
+            <a:pPr marL="1257300" lvl="2" indent="-457200" algn="just">
+              <a:lnSpc>
+                <a:spcPct val="120000"/>
+              </a:lnSpc>
+              <a:spcBef>
+                <a:spcPct val="0"/>
+              </a:spcBef>
+            </a:pPr>
+            <a:r>
+              <a:rPr lang="es-ES" sz="1800" dirty="0">
+                <a:solidFill>
+                  <a:schemeClr val="bg2">
+                    <a:lumMod val="25000"/>
+                  </a:schemeClr>
+                </a:solidFill>
+                <a:cs typeface="Arial" panose="020B0604020202020204" pitchFamily="34" charset="0"/>
+              </a:rPr>
+              <a:t>Si la opción es 2 ejecutar la función </a:t>
+            </a:r>
+            <a:r>
+              <a:rPr lang="es-ES" sz="1800" b="1" dirty="0">
+                <a:solidFill>
+                  <a:schemeClr val="accent6">
+                    <a:lumMod val="75000"/>
+                  </a:schemeClr>
+                </a:solidFill>
+                <a:cs typeface="Arial" panose="020B0604020202020204" pitchFamily="34" charset="0"/>
+              </a:rPr>
+              <a:t>grafica1</a:t>
+            </a:r>
+            <a:r>
+              <a:rPr lang="es-ES" sz="1800" dirty="0">
+                <a:solidFill>
+                  <a:schemeClr val="bg2">
+                    <a:lumMod val="25000"/>
+                  </a:schemeClr>
+                </a:solidFill>
+                <a:cs typeface="Arial" panose="020B0604020202020204" pitchFamily="34" charset="0"/>
+              </a:rPr>
+              <a:t>.</a:t>
+            </a:r>
+          </a:p>
+          <a:p>
+            <a:pPr marL="1257300" lvl="2" indent="-457200" algn="just">
+              <a:lnSpc>
+                <a:spcPct val="120000"/>
+              </a:lnSpc>
+              <a:spcBef>
+                <a:spcPct val="0"/>
+              </a:spcBef>
+            </a:pPr>
+            <a:r>
+              <a:rPr lang="es-ES" sz="1800" dirty="0">
+                <a:solidFill>
+                  <a:schemeClr val="bg2">
+                    <a:lumMod val="25000"/>
+                  </a:schemeClr>
+                </a:solidFill>
+                <a:cs typeface="Arial" panose="020B0604020202020204" pitchFamily="34" charset="0"/>
+              </a:rPr>
+              <a:t>Si la opción es 3 ejecutar la función </a:t>
+            </a:r>
+            <a:r>
+              <a:rPr lang="es-ES" sz="1800" b="1" dirty="0">
+                <a:solidFill>
+                  <a:schemeClr val="accent6">
+                    <a:lumMod val="75000"/>
+                  </a:schemeClr>
+                </a:solidFill>
+                <a:cs typeface="Arial" panose="020B0604020202020204" pitchFamily="34" charset="0"/>
+              </a:rPr>
+              <a:t>grafica2</a:t>
+            </a:r>
+            <a:r>
+              <a:rPr lang="es-ES" sz="1800" dirty="0">
+                <a:solidFill>
+                  <a:schemeClr val="bg2">
+                    <a:lumMod val="25000"/>
+                  </a:schemeClr>
+                </a:solidFill>
+                <a:cs typeface="Arial" panose="020B0604020202020204" pitchFamily="34" charset="0"/>
+              </a:rPr>
+              <a:t>.</a:t>
+            </a:r>
+            <a:endParaRPr lang="es-MX" sz="1800" dirty="0">
+              <a:solidFill>
+                <a:schemeClr val="bg2">
+                  <a:lumMod val="25000"/>
+                </a:schemeClr>
+              </a:solidFill>
+              <a:cs typeface="Arial" panose="020B0604020202020204" pitchFamily="34" charset="0"/>
+            </a:endParaRPr>
+          </a:p>
+        </p:txBody>
+      </p:sp>
+      <p:sp>
+        <p:nvSpPr>
+          <p:cNvPr id="184324" name="Rectangle 4"/>
+          <p:cNvSpPr>
+            <a:spLocks noGrp="1" noChangeArrowheads="1"/>
+          </p:cNvSpPr>
+          <p:nvPr>
+            <p:ph type="title"/>
+          </p:nvPr>
+        </p:nvSpPr>
+        <p:spPr>
+          <a:xfrm>
+            <a:off x="516238" y="203245"/>
+            <a:ext cx="8111523" cy="1143000"/>
+          </a:xfrm>
+        </p:spPr>
+        <p:txBody>
+          <a:bodyPr>
+            <a:normAutofit fontScale="90000"/>
+          </a:bodyPr>
+          <a:lstStyle/>
+          <a:p>
+            <a:pPr eaLnBrk="1" hangingPunct="1">
+              <a:defRPr/>
+            </a:pPr>
+            <a:r>
+              <a:rPr lang="es-MX" b="1" dirty="0">
+                <a:solidFill>
+                  <a:schemeClr val="accent4">
+                    <a:lumMod val="50000"/>
+                  </a:schemeClr>
+                </a:solidFill>
+                <a:effectLst>
+                  <a:outerShdw blurRad="38100" dist="38100" dir="2700000" algn="tl">
+                    <a:srgbClr val="C0C0C0"/>
+                  </a:outerShdw>
+                </a:effectLst>
+                <a:latin typeface="Dom Casual" charset="0"/>
+              </a:rPr>
+              <a:t>Situación problema</a:t>
+            </a:r>
+            <a:br>
+              <a:rPr lang="es-MX" b="1" dirty="0">
+                <a:solidFill>
+                  <a:schemeClr val="accent4">
+                    <a:lumMod val="50000"/>
+                  </a:schemeClr>
+                </a:solidFill>
+                <a:effectLst>
+                  <a:outerShdw blurRad="38100" dist="38100" dir="2700000" algn="tl">
+                    <a:srgbClr val="C0C0C0"/>
+                  </a:outerShdw>
+                </a:effectLst>
+                <a:latin typeface="Dom Casual" charset="0"/>
+              </a:rPr>
+            </a:br>
+            <a:r>
+              <a:rPr lang="es-MX" sz="3100" dirty="0">
+                <a:solidFill>
+                  <a:schemeClr val="accent6">
+                    <a:lumMod val="75000"/>
+                  </a:schemeClr>
+                </a:solidFill>
+                <a:effectLst>
+                  <a:outerShdw blurRad="38100" dist="38100" dir="2700000" algn="tl">
+                    <a:srgbClr val="C0C0C0"/>
+                  </a:outerShdw>
+                </a:effectLst>
+                <a:latin typeface="Dom Casual" charset="0"/>
+              </a:rPr>
+              <a:t>Programa</a:t>
+            </a:r>
+          </a:p>
+        </p:txBody>
+      </p:sp>
+      <p:pic>
+        <p:nvPicPr>
+          <p:cNvPr id="5" name="Imagen 4" descr="Imagen que contiene pequeño, computadora, tabla&#10;&#10;Descripción generada automáticamente">
+            <a:extLst>
+              <a:ext uri="{FF2B5EF4-FFF2-40B4-BE49-F238E27FC236}">
+                <a16:creationId xmlns:a16="http://schemas.microsoft.com/office/drawing/2014/main" id="{B312F5C1-0B54-4279-B05E-43551BDB3426}"/>
+              </a:ext>
+            </a:extLst>
+          </p:cNvPr>
+          <p:cNvPicPr>
+            <a:picLocks noChangeAspect="1"/>
+          </p:cNvPicPr>
+          <p:nvPr/>
+        </p:nvPicPr>
+        <p:blipFill>
+          <a:blip r:embed="rId2">
+            <a:extLst>
+              <a:ext uri="{28A0092B-C50C-407E-A947-70E740481C1C}">
+                <a14:useLocalDpi xmlns:a14="http://schemas.microsoft.com/office/drawing/2010/main" val="0"/>
+              </a:ext>
+            </a:extLst>
+          </a:blip>
+          <a:stretch>
+            <a:fillRect/>
+          </a:stretch>
+        </p:blipFill>
+        <p:spPr>
+          <a:xfrm>
+            <a:off x="6012160" y="3573016"/>
+            <a:ext cx="1698650" cy="1728192"/>
+          </a:xfrm>
+          <a:prstGeom prst="rect">
+            <a:avLst/>
+          </a:prstGeom>
+        </p:spPr>
+      </p:pic>
+    </p:spTree>
+    <p:extLst>
+      <p:ext uri="{BB962C8B-B14F-4D97-AF65-F5344CB8AC3E}">
+        <p14:creationId xmlns:p14="http://schemas.microsoft.com/office/powerpoint/2010/main" val="2681880623"/>
+      </p:ext>
+    </p:extLst>
+  </p:cSld>
+  <p:clrMapOvr>
+    <a:masterClrMapping/>
+  </p:clrMapOvr>
+</p:sld>
+</file>
+
+<file path=ppt/slides/slide15.xml><?xml version="1.0" encoding="utf-8"?>
+<p:sld xmlns:a="http://schemas.openxmlformats.org/drawingml/2006/main" xmlns:r="http://schemas.openxmlformats.org/officeDocument/2006/relationships" xmlns:p="http://schemas.openxmlformats.org/presentationml/2006/main">
+  <p:cSld>
+    <p:spTree>
+      <p:nvGrpSpPr>
+        <p:cNvPr id="1" name=""/>
+        <p:cNvGrpSpPr/>
+        <p:nvPr/>
+      </p:nvGrpSpPr>
+      <p:grpSpPr>
+        <a:xfrm>
+          <a:off x="0" y="0"/>
+          <a:ext cx="0" cy="0"/>
+          <a:chOff x="0" y="0"/>
+          <a:chExt cx="0" cy="0"/>
+        </a:xfrm>
+      </p:grpSpPr>
+      <p:sp>
+        <p:nvSpPr>
+          <p:cNvPr id="184324" name="Rectangle 4"/>
+          <p:cNvSpPr>
+            <a:spLocks noGrp="1" noChangeArrowheads="1"/>
+          </p:cNvSpPr>
+          <p:nvPr>
+            <p:ph type="title"/>
+          </p:nvPr>
+        </p:nvSpPr>
+        <p:spPr>
+          <a:xfrm>
+            <a:off x="457200" y="116632"/>
+            <a:ext cx="8229600" cy="1143000"/>
+          </a:xfrm>
+        </p:spPr>
+        <p:txBody>
+          <a:bodyPr>
+            <a:normAutofit fontScale="90000"/>
+          </a:bodyPr>
+          <a:lstStyle/>
+          <a:p>
+            <a:pPr eaLnBrk="1" hangingPunct="1">
+              <a:defRPr/>
+            </a:pPr>
+            <a:r>
+              <a:rPr lang="es-MX" b="1" dirty="0">
+                <a:solidFill>
+                  <a:schemeClr val="accent4">
+                    <a:lumMod val="50000"/>
+                  </a:schemeClr>
+                </a:solidFill>
+                <a:effectLst>
+                  <a:outerShdw blurRad="38100" dist="38100" dir="2700000" algn="tl">
+                    <a:srgbClr val="C0C0C0"/>
+                  </a:outerShdw>
+                </a:effectLst>
+                <a:latin typeface="Dom Casual" charset="0"/>
+              </a:rPr>
+              <a:t>Situación problema</a:t>
+            </a:r>
+            <a:br>
+              <a:rPr lang="es-MX" b="1" dirty="0">
+                <a:solidFill>
+                  <a:schemeClr val="accent4">
+                    <a:lumMod val="50000"/>
+                  </a:schemeClr>
+                </a:solidFill>
+                <a:effectLst>
+                  <a:outerShdw blurRad="38100" dist="38100" dir="2700000" algn="tl">
+                    <a:srgbClr val="C0C0C0"/>
+                  </a:outerShdw>
+                </a:effectLst>
+                <a:latin typeface="Dom Casual" charset="0"/>
+              </a:rPr>
+            </a:br>
+            <a:r>
+              <a:rPr lang="es-MX" sz="3100" dirty="0">
+                <a:solidFill>
+                  <a:schemeClr val="accent6">
+                    <a:lumMod val="75000"/>
+                  </a:schemeClr>
+                </a:solidFill>
+                <a:effectLst>
+                  <a:outerShdw blurRad="38100" dist="38100" dir="2700000" algn="tl">
+                    <a:srgbClr val="C0C0C0"/>
+                  </a:outerShdw>
+                </a:effectLst>
+                <a:latin typeface="Dom Casual" charset="0"/>
+              </a:rPr>
+              <a:t>Individual: Función </a:t>
+            </a:r>
+            <a:r>
+              <a:rPr lang="es-MX" sz="3100" dirty="0" err="1">
+                <a:solidFill>
+                  <a:schemeClr val="accent6">
+                    <a:lumMod val="75000"/>
+                  </a:schemeClr>
+                </a:solidFill>
+                <a:effectLst>
+                  <a:outerShdw blurRad="38100" dist="38100" dir="2700000" algn="tl">
+                    <a:srgbClr val="C0C0C0"/>
+                  </a:outerShdw>
+                </a:effectLst>
+                <a:latin typeface="Dom Casual" charset="0"/>
+              </a:rPr>
+              <a:t>estadística_descriptiva</a:t>
+            </a:r>
+            <a:endParaRPr lang="es-MX" sz="3100" dirty="0">
+              <a:solidFill>
+                <a:schemeClr val="accent6">
+                  <a:lumMod val="75000"/>
+                </a:schemeClr>
+              </a:solidFill>
+              <a:effectLst>
+                <a:outerShdw blurRad="38100" dist="38100" dir="2700000" algn="tl">
+                  <a:srgbClr val="C0C0C0"/>
+                </a:outerShdw>
+              </a:effectLst>
+              <a:latin typeface="Dom Casual" charset="0"/>
+            </a:endParaRPr>
+          </a:p>
+        </p:txBody>
+      </p:sp>
+      <p:sp>
+        <p:nvSpPr>
+          <p:cNvPr id="5" name="Rectangle 2">
+            <a:extLst>
+              <a:ext uri="{FF2B5EF4-FFF2-40B4-BE49-F238E27FC236}">
+                <a16:creationId xmlns:a16="http://schemas.microsoft.com/office/drawing/2014/main" id="{320E9E94-35B1-4964-BB02-8EA246862BDF}"/>
+              </a:ext>
+            </a:extLst>
+          </p:cNvPr>
+          <p:cNvSpPr txBox="1">
+            <a:spLocks noChangeArrowheads="1"/>
+          </p:cNvSpPr>
+          <p:nvPr/>
+        </p:nvSpPr>
+        <p:spPr>
+          <a:xfrm>
+            <a:off x="1043608" y="1844824"/>
+            <a:ext cx="7056784" cy="3600400"/>
+          </a:xfrm>
+          <a:prstGeom prst="rect">
+            <a:avLst/>
+          </a:prstGeom>
+        </p:spPr>
+        <p:txBody>
+          <a:bodyPr vert="horz" lIns="91440" tIns="45720" rIns="91440" bIns="45720" rtlCol="0">
+            <a:noAutofit/>
+          </a:bodyPr>
+          <a:lstStyle>
+            <a:lvl1pPr marL="342900" indent="-342900" algn="l" defTabSz="914400" rtl="0" eaLnBrk="1" latinLnBrk="0" hangingPunct="1">
+              <a:spcBef>
+                <a:spcPct val="20000"/>
+              </a:spcBef>
+              <a:buFont typeface="Arial" pitchFamily="34" charset="0"/>
+              <a:buChar char="•"/>
+              <a:defRPr sz="3200" kern="1200">
+                <a:solidFill>
+                  <a:schemeClr val="tx1"/>
+                </a:solidFill>
+                <a:latin typeface="+mn-lt"/>
+                <a:ea typeface="+mn-ea"/>
+                <a:cs typeface="+mn-cs"/>
+              </a:defRPr>
+            </a:lvl1pPr>
+            <a:lvl2pPr marL="742950" indent="-285750" algn="l" defTabSz="914400" rtl="0" eaLnBrk="1" latinLnBrk="0" hangingPunct="1">
+              <a:spcBef>
+                <a:spcPct val="20000"/>
+              </a:spcBef>
+              <a:buFont typeface="Arial" pitchFamily="34" charset="0"/>
+              <a:buChar char="–"/>
+              <a:defRPr sz="2800" kern="1200">
+                <a:solidFill>
+                  <a:schemeClr val="tx1"/>
+                </a:solidFill>
+                <a:latin typeface="+mn-lt"/>
+                <a:ea typeface="+mn-ea"/>
+                <a:cs typeface="+mn-cs"/>
+              </a:defRPr>
+            </a:lvl2pPr>
+            <a:lvl3pPr marL="1143000" indent="-228600" algn="l" defTabSz="914400" rtl="0" eaLnBrk="1" latinLnBrk="0" hangingPunct="1">
+              <a:spcBef>
+                <a:spcPct val="20000"/>
+              </a:spcBef>
+              <a:buFont typeface="Arial" pitchFamily="34" charset="0"/>
+              <a:buChar char="•"/>
+              <a:defRPr sz="2400" kern="1200">
+                <a:solidFill>
+                  <a:schemeClr val="tx1"/>
+                </a:solidFill>
+                <a:latin typeface="+mn-lt"/>
+                <a:ea typeface="+mn-ea"/>
+                <a:cs typeface="+mn-cs"/>
+              </a:defRPr>
+            </a:lvl3pPr>
+            <a:lvl4pPr marL="1600200" indent="-228600" algn="l" defTabSz="914400" rtl="0" eaLnBrk="1" latinLnBrk="0" hangingPunct="1">
+              <a:spcBef>
+                <a:spcPct val="20000"/>
+              </a:spcBef>
+              <a:buFont typeface="Arial" pitchFamily="34" charset="0"/>
+              <a:buChar char="–"/>
+              <a:defRPr sz="2000" kern="1200">
+                <a:solidFill>
+                  <a:schemeClr val="tx1"/>
+                </a:solidFill>
+                <a:latin typeface="+mn-lt"/>
+                <a:ea typeface="+mn-ea"/>
+                <a:cs typeface="+mn-cs"/>
+              </a:defRPr>
+            </a:lvl4pPr>
+            <a:lvl5pPr marL="2057400" indent="-228600" algn="l" defTabSz="914400" rtl="0" eaLnBrk="1" latinLnBrk="0" hangingPunct="1">
+              <a:spcBef>
+                <a:spcPct val="20000"/>
+              </a:spcBef>
+              <a:buFont typeface="Arial" pitchFamily="34" charset="0"/>
+              <a:buChar char="»"/>
+              <a:defRPr sz="2000" kern="1200">
+                <a:solidFill>
+                  <a:schemeClr val="tx1"/>
+                </a:solidFill>
+                <a:latin typeface="+mn-lt"/>
+                <a:ea typeface="+mn-ea"/>
+                <a:cs typeface="+mn-cs"/>
+              </a:defRPr>
+            </a:lvl5pPr>
+            <a:lvl6pPr marL="2514600" indent="-228600" algn="l" defTabSz="914400" rtl="0" eaLnBrk="1" latinLnBrk="0" hangingPunct="1">
+              <a:spcBef>
+                <a:spcPct val="20000"/>
+              </a:spcBef>
+              <a:buFont typeface="Arial" pitchFamily="34" charset="0"/>
+              <a:buChar char="•"/>
+              <a:defRPr sz="2000" kern="1200">
+                <a:solidFill>
+                  <a:schemeClr val="tx1"/>
+                </a:solidFill>
+                <a:latin typeface="+mn-lt"/>
+                <a:ea typeface="+mn-ea"/>
+                <a:cs typeface="+mn-cs"/>
+              </a:defRPr>
+            </a:lvl6pPr>
+            <a:lvl7pPr marL="2971800" indent="-228600" algn="l" defTabSz="914400" rtl="0" eaLnBrk="1" latinLnBrk="0" hangingPunct="1">
+              <a:spcBef>
+                <a:spcPct val="20000"/>
+              </a:spcBef>
+              <a:buFont typeface="Arial" pitchFamily="34" charset="0"/>
+              <a:buChar char="•"/>
+              <a:defRPr sz="2000" kern="1200">
+                <a:solidFill>
+                  <a:schemeClr val="tx1"/>
+                </a:solidFill>
+                <a:latin typeface="+mn-lt"/>
+                <a:ea typeface="+mn-ea"/>
+                <a:cs typeface="+mn-cs"/>
+              </a:defRPr>
+            </a:lvl7pPr>
+            <a:lvl8pPr marL="3429000" indent="-228600" algn="l" defTabSz="914400" rtl="0" eaLnBrk="1" latinLnBrk="0" hangingPunct="1">
+              <a:spcBef>
+                <a:spcPct val="20000"/>
+              </a:spcBef>
+              <a:buFont typeface="Arial" pitchFamily="34" charset="0"/>
+              <a:buChar char="•"/>
+              <a:defRPr sz="2000" kern="1200">
+                <a:solidFill>
+                  <a:schemeClr val="tx1"/>
+                </a:solidFill>
+                <a:latin typeface="+mn-lt"/>
+                <a:ea typeface="+mn-ea"/>
+                <a:cs typeface="+mn-cs"/>
+              </a:defRPr>
+            </a:lvl8pPr>
+            <a:lvl9pPr marL="3886200" indent="-228600" algn="l" defTabSz="914400" rtl="0" eaLnBrk="1" latinLnBrk="0" hangingPunct="1">
+              <a:spcBef>
+                <a:spcPct val="20000"/>
+              </a:spcBef>
+              <a:buFont typeface="Arial" pitchFamily="34" charset="0"/>
+              <a:buChar char="•"/>
+              <a:defRPr sz="2000" kern="1200">
+                <a:solidFill>
+                  <a:schemeClr val="tx1"/>
+                </a:solidFill>
+                <a:latin typeface="+mn-lt"/>
+                <a:ea typeface="+mn-ea"/>
+                <a:cs typeface="+mn-cs"/>
+              </a:defRPr>
+            </a:lvl9pPr>
+          </a:lstStyle>
+          <a:p>
+            <a:pPr marL="0" lvl="1" indent="0" algn="just">
+              <a:lnSpc>
+                <a:spcPct val="150000"/>
+              </a:lnSpc>
+              <a:spcBef>
+                <a:spcPct val="0"/>
+              </a:spcBef>
+              <a:spcAft>
+                <a:spcPts val="600"/>
+              </a:spcAft>
+              <a:buNone/>
+            </a:pPr>
+            <a:r>
+              <a:rPr lang="es-MX" sz="1800" dirty="0">
+                <a:solidFill>
+                  <a:schemeClr val="bg2">
+                    <a:lumMod val="25000"/>
+                  </a:schemeClr>
+                </a:solidFill>
+                <a:latin typeface="Arial" pitchFamily="34" charset="0"/>
+                <a:cs typeface="Arial" pitchFamily="34" charset="0"/>
+              </a:rPr>
+              <a:t>Escribe la función </a:t>
+            </a:r>
+            <a:r>
+              <a:rPr lang="es-MX" sz="1800" b="1" dirty="0" err="1">
+                <a:solidFill>
+                  <a:srgbClr val="FF0000"/>
+                </a:solidFill>
+                <a:latin typeface="Arial" pitchFamily="34" charset="0"/>
+                <a:cs typeface="Arial" pitchFamily="34" charset="0"/>
+              </a:rPr>
+              <a:t>estadistica_descriptiva</a:t>
+            </a:r>
+            <a:r>
+              <a:rPr lang="es-MX" sz="1800" dirty="0">
+                <a:solidFill>
+                  <a:schemeClr val="bg2">
+                    <a:lumMod val="25000"/>
+                  </a:schemeClr>
+                </a:solidFill>
+                <a:latin typeface="Arial" pitchFamily="34" charset="0"/>
+                <a:cs typeface="Arial" pitchFamily="34" charset="0"/>
+              </a:rPr>
+              <a:t>, que recibe como parámetro de entrada el </a:t>
+            </a:r>
+            <a:r>
+              <a:rPr lang="es-MX" sz="1800" b="1" dirty="0">
+                <a:solidFill>
+                  <a:schemeClr val="bg2">
+                    <a:lumMod val="25000"/>
+                  </a:schemeClr>
+                </a:solidFill>
+                <a:latin typeface="Arial" pitchFamily="34" charset="0"/>
+                <a:cs typeface="Arial" pitchFamily="34" charset="0"/>
+              </a:rPr>
+              <a:t>tablero</a:t>
+            </a:r>
+            <a:r>
+              <a:rPr lang="es-MX" sz="1800" dirty="0">
+                <a:solidFill>
+                  <a:schemeClr val="bg2">
+                    <a:lumMod val="25000"/>
+                  </a:schemeClr>
+                </a:solidFill>
+                <a:latin typeface="Arial" pitchFamily="34" charset="0"/>
+                <a:cs typeface="Arial" pitchFamily="34" charset="0"/>
+              </a:rPr>
+              <a:t> o </a:t>
+            </a:r>
+            <a:r>
+              <a:rPr lang="es-MX" sz="1800" b="1" dirty="0" err="1">
+                <a:solidFill>
+                  <a:schemeClr val="bg2">
+                    <a:lumMod val="25000"/>
+                  </a:schemeClr>
+                </a:solidFill>
+                <a:latin typeface="Arial" pitchFamily="34" charset="0"/>
+                <a:cs typeface="Arial" pitchFamily="34" charset="0"/>
+              </a:rPr>
+              <a:t>dataframe</a:t>
+            </a:r>
+            <a:r>
+              <a:rPr lang="es-MX" sz="1800" dirty="0">
+                <a:solidFill>
+                  <a:schemeClr val="bg2">
+                    <a:lumMod val="25000"/>
+                  </a:schemeClr>
+                </a:solidFill>
+                <a:latin typeface="Arial" pitchFamily="34" charset="0"/>
+                <a:cs typeface="Arial" pitchFamily="34" charset="0"/>
+              </a:rPr>
+              <a:t>.</a:t>
+            </a:r>
+          </a:p>
+          <a:p>
+            <a:pPr marL="0" lvl="1" indent="0" algn="just">
+              <a:lnSpc>
+                <a:spcPct val="150000"/>
+              </a:lnSpc>
+              <a:spcBef>
+                <a:spcPct val="0"/>
+              </a:spcBef>
+              <a:spcAft>
+                <a:spcPts val="600"/>
+              </a:spcAft>
+              <a:buNone/>
+            </a:pPr>
+            <a:r>
+              <a:rPr lang="es-MX" sz="1800" dirty="0">
+                <a:solidFill>
+                  <a:schemeClr val="bg2">
+                    <a:lumMod val="25000"/>
+                  </a:schemeClr>
+                </a:solidFill>
+                <a:latin typeface="Arial" pitchFamily="34" charset="0"/>
+                <a:cs typeface="Arial" pitchFamily="34" charset="0"/>
+              </a:rPr>
+              <a:t>La función deberá imprimir el resultado del al menos </a:t>
+            </a:r>
+            <a:r>
+              <a:rPr lang="es-MX" sz="1800" b="1" dirty="0">
+                <a:solidFill>
+                  <a:schemeClr val="bg2">
+                    <a:lumMod val="25000"/>
+                  </a:schemeClr>
+                </a:solidFill>
+                <a:latin typeface="Arial" pitchFamily="34" charset="0"/>
+                <a:cs typeface="Arial" pitchFamily="34" charset="0"/>
+              </a:rPr>
+              <a:t>cuatro descriptores estadísticos</a:t>
+            </a:r>
+            <a:r>
+              <a:rPr lang="es-MX" sz="1800" dirty="0">
+                <a:solidFill>
+                  <a:schemeClr val="bg2">
+                    <a:lumMod val="25000"/>
+                  </a:schemeClr>
+                </a:solidFill>
+                <a:latin typeface="Arial" pitchFamily="34" charset="0"/>
+                <a:cs typeface="Arial" pitchFamily="34" charset="0"/>
+              </a:rPr>
+              <a:t> de información relacionada con su pregunta detonadora.</a:t>
+            </a:r>
+          </a:p>
+        </p:txBody>
+      </p:sp>
+      <p:pic>
+        <p:nvPicPr>
+          <p:cNvPr id="9" name="Imagen 8">
+            <a:extLst>
+              <a:ext uri="{FF2B5EF4-FFF2-40B4-BE49-F238E27FC236}">
+                <a16:creationId xmlns:a16="http://schemas.microsoft.com/office/drawing/2014/main" id="{B36F76F0-19E9-4C2D-9F64-49C287B80BCF}"/>
+              </a:ext>
+            </a:extLst>
+          </p:cNvPr>
+          <p:cNvPicPr>
+            <a:picLocks noChangeAspect="1"/>
+          </p:cNvPicPr>
+          <p:nvPr/>
+        </p:nvPicPr>
+        <p:blipFill>
+          <a:blip r:embed="rId2"/>
+          <a:stretch>
+            <a:fillRect/>
+          </a:stretch>
+        </p:blipFill>
+        <p:spPr>
+          <a:xfrm>
+            <a:off x="4716016" y="4094779"/>
+            <a:ext cx="3312368" cy="2367685"/>
+          </a:xfrm>
+          <a:prstGeom prst="rect">
+            <a:avLst/>
+          </a:prstGeom>
+          <a:effectLst>
+            <a:outerShdw blurRad="50800" dist="38100" dir="2700000" algn="tl" rotWithShape="0">
+              <a:prstClr val="black">
+                <a:alpha val="40000"/>
+              </a:prstClr>
+            </a:outerShdw>
+          </a:effectLst>
+        </p:spPr>
+      </p:pic>
+    </p:spTree>
+    <p:extLst>
+      <p:ext uri="{BB962C8B-B14F-4D97-AF65-F5344CB8AC3E}">
+        <p14:creationId xmlns:p14="http://schemas.microsoft.com/office/powerpoint/2010/main" val="3132394090"/>
+      </p:ext>
+    </p:extLst>
+  </p:cSld>
+  <p:clrMapOvr>
+    <a:masterClrMapping/>
+  </p:clrMapOvr>
+</p:sld>
+</file>
+
+<file path=ppt/slides/slide16.xml><?xml version="1.0" encoding="utf-8"?>
+<p:sld xmlns:a="http://schemas.openxmlformats.org/drawingml/2006/main" xmlns:r="http://schemas.openxmlformats.org/officeDocument/2006/relationships" xmlns:p="http://schemas.openxmlformats.org/presentationml/2006/main">
+  <p:cSld>
+    <p:spTree>
+      <p:nvGrpSpPr>
+        <p:cNvPr id="1" name=""/>
+        <p:cNvGrpSpPr/>
+        <p:nvPr/>
+      </p:nvGrpSpPr>
+      <p:grpSpPr>
+        <a:xfrm>
+          <a:off x="0" y="0"/>
+          <a:ext cx="0" cy="0"/>
+          <a:chOff x="0" y="0"/>
+          <a:chExt cx="0" cy="0"/>
+        </a:xfrm>
+      </p:grpSpPr>
+      <p:sp>
+        <p:nvSpPr>
+          <p:cNvPr id="184324" name="Rectangle 4"/>
+          <p:cNvSpPr>
+            <a:spLocks noGrp="1" noChangeArrowheads="1"/>
+          </p:cNvSpPr>
+          <p:nvPr>
+            <p:ph type="title"/>
+          </p:nvPr>
+        </p:nvSpPr>
+        <p:spPr>
+          <a:xfrm>
+            <a:off x="457200" y="116632"/>
+            <a:ext cx="8229600" cy="1143000"/>
+          </a:xfrm>
+        </p:spPr>
+        <p:txBody>
+          <a:bodyPr>
+            <a:normAutofit fontScale="90000"/>
+          </a:bodyPr>
+          <a:lstStyle/>
+          <a:p>
+            <a:pPr eaLnBrk="1" hangingPunct="1">
+              <a:defRPr/>
+            </a:pPr>
+            <a:r>
+              <a:rPr lang="es-MX" b="1" dirty="0">
+                <a:solidFill>
+                  <a:schemeClr val="accent4">
+                    <a:lumMod val="50000"/>
+                  </a:schemeClr>
+                </a:solidFill>
+                <a:effectLst>
+                  <a:outerShdw blurRad="38100" dist="38100" dir="2700000" algn="tl">
+                    <a:srgbClr val="C0C0C0"/>
+                  </a:outerShdw>
+                </a:effectLst>
+                <a:latin typeface="Dom Casual" charset="0"/>
+              </a:rPr>
+              <a:t>Situación problema</a:t>
+            </a:r>
+            <a:br>
+              <a:rPr lang="es-MX" b="1" dirty="0">
+                <a:solidFill>
+                  <a:schemeClr val="accent4">
+                    <a:lumMod val="50000"/>
+                  </a:schemeClr>
+                </a:solidFill>
+                <a:effectLst>
+                  <a:outerShdw blurRad="38100" dist="38100" dir="2700000" algn="tl">
+                    <a:srgbClr val="C0C0C0"/>
+                  </a:outerShdw>
+                </a:effectLst>
+                <a:latin typeface="Dom Casual" charset="0"/>
+              </a:rPr>
+            </a:br>
+            <a:r>
+              <a:rPr lang="es-MX" sz="3100" dirty="0">
+                <a:solidFill>
+                  <a:schemeClr val="accent6">
+                    <a:lumMod val="75000"/>
+                  </a:schemeClr>
+                </a:solidFill>
+                <a:effectLst>
+                  <a:outerShdw blurRad="38100" dist="38100" dir="2700000" algn="tl">
+                    <a:srgbClr val="C0C0C0"/>
+                  </a:outerShdw>
+                </a:effectLst>
+                <a:latin typeface="Dom Casual" charset="0"/>
+              </a:rPr>
+              <a:t>Individual : Función grafica1</a:t>
+            </a:r>
+          </a:p>
+        </p:txBody>
+      </p:sp>
+      <p:sp>
+        <p:nvSpPr>
+          <p:cNvPr id="5" name="Rectangle 2">
+            <a:extLst>
+              <a:ext uri="{FF2B5EF4-FFF2-40B4-BE49-F238E27FC236}">
+                <a16:creationId xmlns:a16="http://schemas.microsoft.com/office/drawing/2014/main" id="{320E9E94-35B1-4964-BB02-8EA246862BDF}"/>
+              </a:ext>
+            </a:extLst>
+          </p:cNvPr>
+          <p:cNvSpPr txBox="1">
+            <a:spLocks noChangeArrowheads="1"/>
+          </p:cNvSpPr>
+          <p:nvPr/>
+        </p:nvSpPr>
+        <p:spPr>
+          <a:xfrm>
+            <a:off x="1043608" y="2060848"/>
+            <a:ext cx="7056784" cy="3600400"/>
+          </a:xfrm>
+          <a:prstGeom prst="rect">
+            <a:avLst/>
+          </a:prstGeom>
+        </p:spPr>
+        <p:txBody>
+          <a:bodyPr vert="horz" lIns="91440" tIns="45720" rIns="91440" bIns="45720" rtlCol="0">
+            <a:noAutofit/>
+          </a:bodyPr>
+          <a:lstStyle>
+            <a:lvl1pPr marL="342900" indent="-342900" algn="l" defTabSz="914400" rtl="0" eaLnBrk="1" latinLnBrk="0" hangingPunct="1">
+              <a:spcBef>
+                <a:spcPct val="20000"/>
+              </a:spcBef>
+              <a:buFont typeface="Arial" pitchFamily="34" charset="0"/>
+              <a:buChar char="•"/>
+              <a:defRPr sz="3200" kern="1200">
+                <a:solidFill>
+                  <a:schemeClr val="tx1"/>
+                </a:solidFill>
+                <a:latin typeface="+mn-lt"/>
+                <a:ea typeface="+mn-ea"/>
+                <a:cs typeface="+mn-cs"/>
+              </a:defRPr>
+            </a:lvl1pPr>
+            <a:lvl2pPr marL="742950" indent="-285750" algn="l" defTabSz="914400" rtl="0" eaLnBrk="1" latinLnBrk="0" hangingPunct="1">
+              <a:spcBef>
+                <a:spcPct val="20000"/>
+              </a:spcBef>
+              <a:buFont typeface="Arial" pitchFamily="34" charset="0"/>
+              <a:buChar char="–"/>
+              <a:defRPr sz="2800" kern="1200">
+                <a:solidFill>
+                  <a:schemeClr val="tx1"/>
+                </a:solidFill>
+                <a:latin typeface="+mn-lt"/>
+                <a:ea typeface="+mn-ea"/>
+                <a:cs typeface="+mn-cs"/>
+              </a:defRPr>
+            </a:lvl2pPr>
+            <a:lvl3pPr marL="1143000" indent="-228600" algn="l" defTabSz="914400" rtl="0" eaLnBrk="1" latinLnBrk="0" hangingPunct="1">
+              <a:spcBef>
+                <a:spcPct val="20000"/>
+              </a:spcBef>
+              <a:buFont typeface="Arial" pitchFamily="34" charset="0"/>
+              <a:buChar char="•"/>
+              <a:defRPr sz="2400" kern="1200">
+                <a:solidFill>
+                  <a:schemeClr val="tx1"/>
+                </a:solidFill>
+                <a:latin typeface="+mn-lt"/>
+                <a:ea typeface="+mn-ea"/>
+                <a:cs typeface="+mn-cs"/>
+              </a:defRPr>
+            </a:lvl3pPr>
+            <a:lvl4pPr marL="1600200" indent="-228600" algn="l" defTabSz="914400" rtl="0" eaLnBrk="1" latinLnBrk="0" hangingPunct="1">
+              <a:spcBef>
+                <a:spcPct val="20000"/>
+              </a:spcBef>
+              <a:buFont typeface="Arial" pitchFamily="34" charset="0"/>
+              <a:buChar char="–"/>
+              <a:defRPr sz="2000" kern="1200">
+                <a:solidFill>
+                  <a:schemeClr val="tx1"/>
+                </a:solidFill>
+                <a:latin typeface="+mn-lt"/>
+                <a:ea typeface="+mn-ea"/>
+                <a:cs typeface="+mn-cs"/>
+              </a:defRPr>
+            </a:lvl4pPr>
+            <a:lvl5pPr marL="2057400" indent="-228600" algn="l" defTabSz="914400" rtl="0" eaLnBrk="1" latinLnBrk="0" hangingPunct="1">
+              <a:spcBef>
+                <a:spcPct val="20000"/>
+              </a:spcBef>
+              <a:buFont typeface="Arial" pitchFamily="34" charset="0"/>
+              <a:buChar char="»"/>
+              <a:defRPr sz="2000" kern="1200">
+                <a:solidFill>
+                  <a:schemeClr val="tx1"/>
+                </a:solidFill>
+                <a:latin typeface="+mn-lt"/>
+                <a:ea typeface="+mn-ea"/>
+                <a:cs typeface="+mn-cs"/>
+              </a:defRPr>
+            </a:lvl5pPr>
+            <a:lvl6pPr marL="2514600" indent="-228600" algn="l" defTabSz="914400" rtl="0" eaLnBrk="1" latinLnBrk="0" hangingPunct="1">
+              <a:spcBef>
+                <a:spcPct val="20000"/>
+              </a:spcBef>
+              <a:buFont typeface="Arial" pitchFamily="34" charset="0"/>
+              <a:buChar char="•"/>
+              <a:defRPr sz="2000" kern="1200">
+                <a:solidFill>
+                  <a:schemeClr val="tx1"/>
+                </a:solidFill>
+                <a:latin typeface="+mn-lt"/>
+                <a:ea typeface="+mn-ea"/>
+                <a:cs typeface="+mn-cs"/>
+              </a:defRPr>
+            </a:lvl6pPr>
+            <a:lvl7pPr marL="2971800" indent="-228600" algn="l" defTabSz="914400" rtl="0" eaLnBrk="1" latinLnBrk="0" hangingPunct="1">
+              <a:spcBef>
+                <a:spcPct val="20000"/>
+              </a:spcBef>
+              <a:buFont typeface="Arial" pitchFamily="34" charset="0"/>
+              <a:buChar char="•"/>
+              <a:defRPr sz="2000" kern="1200">
+                <a:solidFill>
+                  <a:schemeClr val="tx1"/>
+                </a:solidFill>
+                <a:latin typeface="+mn-lt"/>
+                <a:ea typeface="+mn-ea"/>
+                <a:cs typeface="+mn-cs"/>
+              </a:defRPr>
+            </a:lvl7pPr>
+            <a:lvl8pPr marL="3429000" indent="-228600" algn="l" defTabSz="914400" rtl="0" eaLnBrk="1" latinLnBrk="0" hangingPunct="1">
+              <a:spcBef>
+                <a:spcPct val="20000"/>
+              </a:spcBef>
+              <a:buFont typeface="Arial" pitchFamily="34" charset="0"/>
+              <a:buChar char="•"/>
+              <a:defRPr sz="2000" kern="1200">
+                <a:solidFill>
+                  <a:schemeClr val="tx1"/>
+                </a:solidFill>
+                <a:latin typeface="+mn-lt"/>
+                <a:ea typeface="+mn-ea"/>
+                <a:cs typeface="+mn-cs"/>
+              </a:defRPr>
+            </a:lvl8pPr>
+            <a:lvl9pPr marL="3886200" indent="-228600" algn="l" defTabSz="914400" rtl="0" eaLnBrk="1" latinLnBrk="0" hangingPunct="1">
+              <a:spcBef>
+                <a:spcPct val="20000"/>
+              </a:spcBef>
+              <a:buFont typeface="Arial" pitchFamily="34" charset="0"/>
+              <a:buChar char="•"/>
+              <a:defRPr sz="2000" kern="1200">
+                <a:solidFill>
+                  <a:schemeClr val="tx1"/>
+                </a:solidFill>
+                <a:latin typeface="+mn-lt"/>
+                <a:ea typeface="+mn-ea"/>
+                <a:cs typeface="+mn-cs"/>
+              </a:defRPr>
+            </a:lvl9pPr>
+          </a:lstStyle>
+          <a:p>
+            <a:pPr marL="0" lvl="1" indent="0" algn="just">
+              <a:lnSpc>
+                <a:spcPct val="150000"/>
+              </a:lnSpc>
+              <a:spcBef>
+                <a:spcPct val="0"/>
+              </a:spcBef>
+              <a:spcAft>
+                <a:spcPts val="600"/>
+              </a:spcAft>
+              <a:buNone/>
+            </a:pPr>
+            <a:r>
+              <a:rPr lang="es-MX" sz="1800" dirty="0">
+                <a:solidFill>
+                  <a:schemeClr val="bg2">
+                    <a:lumMod val="25000"/>
+                  </a:schemeClr>
+                </a:solidFill>
+                <a:latin typeface="Arial" pitchFamily="34" charset="0"/>
+                <a:cs typeface="Arial" pitchFamily="34" charset="0"/>
+              </a:rPr>
+              <a:t>Escribe la función </a:t>
+            </a:r>
+            <a:r>
+              <a:rPr lang="es-MX" sz="1800" b="1" dirty="0">
+                <a:solidFill>
+                  <a:srgbClr val="FF0000"/>
+                </a:solidFill>
+                <a:latin typeface="Arial" pitchFamily="34" charset="0"/>
+                <a:cs typeface="Arial" pitchFamily="34" charset="0"/>
+              </a:rPr>
+              <a:t>grafica1</a:t>
+            </a:r>
+            <a:r>
+              <a:rPr lang="es-MX" sz="1800" dirty="0">
+                <a:solidFill>
+                  <a:schemeClr val="bg2">
+                    <a:lumMod val="25000"/>
+                  </a:schemeClr>
+                </a:solidFill>
+                <a:latin typeface="Arial" pitchFamily="34" charset="0"/>
+                <a:cs typeface="Arial" pitchFamily="34" charset="0"/>
+              </a:rPr>
+              <a:t>, que recibe como parámetro de entrada el </a:t>
+            </a:r>
+            <a:r>
+              <a:rPr lang="es-MX" sz="1800" b="1" dirty="0">
+                <a:solidFill>
+                  <a:schemeClr val="bg2">
+                    <a:lumMod val="25000"/>
+                  </a:schemeClr>
+                </a:solidFill>
+                <a:latin typeface="Arial" pitchFamily="34" charset="0"/>
+                <a:cs typeface="Arial" pitchFamily="34" charset="0"/>
+              </a:rPr>
+              <a:t>tablero</a:t>
+            </a:r>
+            <a:r>
+              <a:rPr lang="es-MX" sz="1800" dirty="0">
+                <a:solidFill>
+                  <a:schemeClr val="bg2">
+                    <a:lumMod val="25000"/>
+                  </a:schemeClr>
+                </a:solidFill>
+                <a:latin typeface="Arial" pitchFamily="34" charset="0"/>
+                <a:cs typeface="Arial" pitchFamily="34" charset="0"/>
+              </a:rPr>
+              <a:t> o </a:t>
+            </a:r>
+            <a:r>
+              <a:rPr lang="es-MX" sz="1800" b="1" dirty="0" err="1">
+                <a:solidFill>
+                  <a:schemeClr val="bg2">
+                    <a:lumMod val="25000"/>
+                  </a:schemeClr>
+                </a:solidFill>
+                <a:latin typeface="Arial" pitchFamily="34" charset="0"/>
+                <a:cs typeface="Arial" pitchFamily="34" charset="0"/>
+              </a:rPr>
+              <a:t>dataframe</a:t>
+            </a:r>
+            <a:r>
+              <a:rPr lang="es-MX" sz="1800" dirty="0">
+                <a:solidFill>
+                  <a:schemeClr val="bg2">
+                    <a:lumMod val="25000"/>
+                  </a:schemeClr>
+                </a:solidFill>
+                <a:latin typeface="Arial" pitchFamily="34" charset="0"/>
+                <a:cs typeface="Arial" pitchFamily="34" charset="0"/>
+              </a:rPr>
+              <a:t>. </a:t>
+            </a:r>
+          </a:p>
+        </p:txBody>
+      </p:sp>
+      <p:pic>
+        <p:nvPicPr>
+          <p:cNvPr id="7" name="Imagen 6" descr="Imagen que contiene objeto&#10;&#10;Descripción generada automáticamente">
+            <a:extLst>
+              <a:ext uri="{FF2B5EF4-FFF2-40B4-BE49-F238E27FC236}">
+                <a16:creationId xmlns:a16="http://schemas.microsoft.com/office/drawing/2014/main" id="{232E20D5-8ECB-4678-A65B-8F77590CA6AB}"/>
+              </a:ext>
+            </a:extLst>
+          </p:cNvPr>
+          <p:cNvPicPr>
+            <a:picLocks noChangeAspect="1"/>
+          </p:cNvPicPr>
+          <p:nvPr/>
+        </p:nvPicPr>
+        <p:blipFill>
+          <a:blip r:embed="rId2">
+            <a:extLst>
+              <a:ext uri="{28A0092B-C50C-407E-A947-70E740481C1C}">
+                <a14:useLocalDpi xmlns:a14="http://schemas.microsoft.com/office/drawing/2010/main" val="0"/>
+              </a:ext>
+            </a:extLst>
+          </a:blip>
+          <a:stretch>
+            <a:fillRect/>
+          </a:stretch>
+        </p:blipFill>
+        <p:spPr>
+          <a:xfrm>
+            <a:off x="5796136" y="2976072"/>
+            <a:ext cx="2520280" cy="2520280"/>
+          </a:xfrm>
+          <a:prstGeom prst="rect">
+            <a:avLst/>
+          </a:prstGeom>
+        </p:spPr>
+      </p:pic>
+      <p:sp>
+        <p:nvSpPr>
+          <p:cNvPr id="9" name="Rectangle 2">
+            <a:extLst>
+              <a:ext uri="{FF2B5EF4-FFF2-40B4-BE49-F238E27FC236}">
+                <a16:creationId xmlns:a16="http://schemas.microsoft.com/office/drawing/2014/main" id="{A20B8BAE-0E56-4D13-B950-DF035C2A8FC1}"/>
+              </a:ext>
+            </a:extLst>
+          </p:cNvPr>
+          <p:cNvSpPr txBox="1">
+            <a:spLocks noChangeArrowheads="1"/>
+          </p:cNvSpPr>
+          <p:nvPr/>
+        </p:nvSpPr>
+        <p:spPr>
+          <a:xfrm>
+            <a:off x="1037033" y="3171217"/>
+            <a:ext cx="4543079" cy="2129991"/>
+          </a:xfrm>
+          <a:prstGeom prst="rect">
+            <a:avLst/>
+          </a:prstGeom>
+        </p:spPr>
+        <p:txBody>
+          <a:bodyPr vert="horz" lIns="91440" tIns="45720" rIns="91440" bIns="45720" rtlCol="0">
+            <a:noAutofit/>
+          </a:bodyPr>
+          <a:lstStyle>
+            <a:lvl1pPr marL="342900" indent="-342900" algn="l" defTabSz="914400" rtl="0" eaLnBrk="1" latinLnBrk="0" hangingPunct="1">
+              <a:spcBef>
+                <a:spcPct val="20000"/>
+              </a:spcBef>
+              <a:buFont typeface="Arial" pitchFamily="34" charset="0"/>
+              <a:buChar char="•"/>
+              <a:defRPr sz="3200" kern="1200">
+                <a:solidFill>
+                  <a:schemeClr val="tx1"/>
+                </a:solidFill>
+                <a:latin typeface="+mn-lt"/>
+                <a:ea typeface="+mn-ea"/>
+                <a:cs typeface="+mn-cs"/>
+              </a:defRPr>
+            </a:lvl1pPr>
+            <a:lvl2pPr marL="742950" indent="-285750" algn="l" defTabSz="914400" rtl="0" eaLnBrk="1" latinLnBrk="0" hangingPunct="1">
+              <a:spcBef>
+                <a:spcPct val="20000"/>
+              </a:spcBef>
+              <a:buFont typeface="Arial" pitchFamily="34" charset="0"/>
+              <a:buChar char="–"/>
+              <a:defRPr sz="2800" kern="1200">
+                <a:solidFill>
+                  <a:schemeClr val="tx1"/>
+                </a:solidFill>
+                <a:latin typeface="+mn-lt"/>
+                <a:ea typeface="+mn-ea"/>
+                <a:cs typeface="+mn-cs"/>
+              </a:defRPr>
+            </a:lvl2pPr>
+            <a:lvl3pPr marL="1143000" indent="-228600" algn="l" defTabSz="914400" rtl="0" eaLnBrk="1" latinLnBrk="0" hangingPunct="1">
+              <a:spcBef>
+                <a:spcPct val="20000"/>
+              </a:spcBef>
+              <a:buFont typeface="Arial" pitchFamily="34" charset="0"/>
+              <a:buChar char="•"/>
+              <a:defRPr sz="2400" kern="1200">
+                <a:solidFill>
+                  <a:schemeClr val="tx1"/>
+                </a:solidFill>
+                <a:latin typeface="+mn-lt"/>
+                <a:ea typeface="+mn-ea"/>
+                <a:cs typeface="+mn-cs"/>
+              </a:defRPr>
+            </a:lvl3pPr>
+            <a:lvl4pPr marL="1600200" indent="-228600" algn="l" defTabSz="914400" rtl="0" eaLnBrk="1" latinLnBrk="0" hangingPunct="1">
+              <a:spcBef>
+                <a:spcPct val="20000"/>
+              </a:spcBef>
+              <a:buFont typeface="Arial" pitchFamily="34" charset="0"/>
+              <a:buChar char="–"/>
+              <a:defRPr sz="2000" kern="1200">
+                <a:solidFill>
+                  <a:schemeClr val="tx1"/>
+                </a:solidFill>
+                <a:latin typeface="+mn-lt"/>
+                <a:ea typeface="+mn-ea"/>
+                <a:cs typeface="+mn-cs"/>
+              </a:defRPr>
+            </a:lvl4pPr>
+            <a:lvl5pPr marL="2057400" indent="-228600" algn="l" defTabSz="914400" rtl="0" eaLnBrk="1" latinLnBrk="0" hangingPunct="1">
+              <a:spcBef>
+                <a:spcPct val="20000"/>
+              </a:spcBef>
+              <a:buFont typeface="Arial" pitchFamily="34" charset="0"/>
+              <a:buChar char="»"/>
+              <a:defRPr sz="2000" kern="1200">
+                <a:solidFill>
+                  <a:schemeClr val="tx1"/>
+                </a:solidFill>
+                <a:latin typeface="+mn-lt"/>
+                <a:ea typeface="+mn-ea"/>
+                <a:cs typeface="+mn-cs"/>
+              </a:defRPr>
+            </a:lvl5pPr>
+            <a:lvl6pPr marL="2514600" indent="-228600" algn="l" defTabSz="914400" rtl="0" eaLnBrk="1" latinLnBrk="0" hangingPunct="1">
+              <a:spcBef>
+                <a:spcPct val="20000"/>
+              </a:spcBef>
+              <a:buFont typeface="Arial" pitchFamily="34" charset="0"/>
+              <a:buChar char="•"/>
+              <a:defRPr sz="2000" kern="1200">
+                <a:solidFill>
+                  <a:schemeClr val="tx1"/>
+                </a:solidFill>
+                <a:latin typeface="+mn-lt"/>
+                <a:ea typeface="+mn-ea"/>
+                <a:cs typeface="+mn-cs"/>
+              </a:defRPr>
+            </a:lvl6pPr>
+            <a:lvl7pPr marL="2971800" indent="-228600" algn="l" defTabSz="914400" rtl="0" eaLnBrk="1" latinLnBrk="0" hangingPunct="1">
+              <a:spcBef>
+                <a:spcPct val="20000"/>
+              </a:spcBef>
+              <a:buFont typeface="Arial" pitchFamily="34" charset="0"/>
+              <a:buChar char="•"/>
+              <a:defRPr sz="2000" kern="1200">
+                <a:solidFill>
+                  <a:schemeClr val="tx1"/>
+                </a:solidFill>
+                <a:latin typeface="+mn-lt"/>
+                <a:ea typeface="+mn-ea"/>
+                <a:cs typeface="+mn-cs"/>
+              </a:defRPr>
+            </a:lvl7pPr>
+            <a:lvl8pPr marL="3429000" indent="-228600" algn="l" defTabSz="914400" rtl="0" eaLnBrk="1" latinLnBrk="0" hangingPunct="1">
+              <a:spcBef>
+                <a:spcPct val="20000"/>
+              </a:spcBef>
+              <a:buFont typeface="Arial" pitchFamily="34" charset="0"/>
+              <a:buChar char="•"/>
+              <a:defRPr sz="2000" kern="1200">
+                <a:solidFill>
+                  <a:schemeClr val="tx1"/>
+                </a:solidFill>
+                <a:latin typeface="+mn-lt"/>
+                <a:ea typeface="+mn-ea"/>
+                <a:cs typeface="+mn-cs"/>
+              </a:defRPr>
+            </a:lvl8pPr>
+            <a:lvl9pPr marL="3886200" indent="-228600" algn="l" defTabSz="914400" rtl="0" eaLnBrk="1" latinLnBrk="0" hangingPunct="1">
+              <a:spcBef>
+                <a:spcPct val="20000"/>
+              </a:spcBef>
+              <a:buFont typeface="Arial" pitchFamily="34" charset="0"/>
+              <a:buChar char="•"/>
+              <a:defRPr sz="2000" kern="1200">
+                <a:solidFill>
+                  <a:schemeClr val="tx1"/>
+                </a:solidFill>
+                <a:latin typeface="+mn-lt"/>
+                <a:ea typeface="+mn-ea"/>
+                <a:cs typeface="+mn-cs"/>
+              </a:defRPr>
+            </a:lvl9pPr>
+          </a:lstStyle>
+          <a:p>
+            <a:pPr marL="0" lvl="1" indent="0" algn="just">
+              <a:lnSpc>
+                <a:spcPct val="150000"/>
+              </a:lnSpc>
+              <a:spcBef>
+                <a:spcPct val="0"/>
+              </a:spcBef>
+              <a:spcAft>
+                <a:spcPts val="600"/>
+              </a:spcAft>
+              <a:buNone/>
+            </a:pPr>
+            <a:r>
+              <a:rPr lang="es-MX" sz="1800" dirty="0">
+                <a:solidFill>
+                  <a:schemeClr val="bg2">
+                    <a:lumMod val="25000"/>
+                  </a:schemeClr>
+                </a:solidFill>
+                <a:latin typeface="Arial" pitchFamily="34" charset="0"/>
+                <a:cs typeface="Arial" pitchFamily="34" charset="0"/>
+              </a:rPr>
+              <a:t>La función deberá generar una gráfica simple de </a:t>
+            </a:r>
+            <a:r>
+              <a:rPr lang="es-MX" sz="1800" b="1" dirty="0">
+                <a:solidFill>
+                  <a:schemeClr val="bg2">
+                    <a:lumMod val="25000"/>
+                  </a:schemeClr>
+                </a:solidFill>
+                <a:latin typeface="Arial" pitchFamily="34" charset="0"/>
+                <a:cs typeface="Arial" pitchFamily="34" charset="0"/>
+              </a:rPr>
+              <a:t>barras</a:t>
+            </a:r>
+            <a:r>
+              <a:rPr lang="es-MX" sz="1800" dirty="0">
+                <a:solidFill>
+                  <a:schemeClr val="bg2">
+                    <a:lumMod val="25000"/>
+                  </a:schemeClr>
+                </a:solidFill>
+                <a:latin typeface="Arial" pitchFamily="34" charset="0"/>
+                <a:cs typeface="Arial" pitchFamily="34" charset="0"/>
+              </a:rPr>
+              <a:t> o </a:t>
+            </a:r>
+            <a:r>
+              <a:rPr lang="es-MX" sz="1800" b="1" dirty="0">
+                <a:solidFill>
+                  <a:schemeClr val="bg2">
+                    <a:lumMod val="25000"/>
+                  </a:schemeClr>
+                </a:solidFill>
+                <a:latin typeface="Arial" pitchFamily="34" charset="0"/>
+                <a:cs typeface="Arial" pitchFamily="34" charset="0"/>
+              </a:rPr>
+              <a:t>líneas</a:t>
+            </a:r>
+            <a:r>
+              <a:rPr lang="es-MX" sz="1800" dirty="0">
+                <a:solidFill>
+                  <a:schemeClr val="bg2">
+                    <a:lumMod val="25000"/>
+                  </a:schemeClr>
+                </a:solidFill>
+                <a:latin typeface="Arial" pitchFamily="34" charset="0"/>
+                <a:cs typeface="Arial" pitchFamily="34" charset="0"/>
+              </a:rPr>
+              <a:t> respecto a la información de la pregunta detonadora.</a:t>
+            </a:r>
+          </a:p>
+        </p:txBody>
+      </p:sp>
+    </p:spTree>
+    <p:extLst>
+      <p:ext uri="{BB962C8B-B14F-4D97-AF65-F5344CB8AC3E}">
+        <p14:creationId xmlns:p14="http://schemas.microsoft.com/office/powerpoint/2010/main" val="3783525750"/>
+      </p:ext>
+    </p:extLst>
+  </p:cSld>
+  <p:clrMapOvr>
+    <a:masterClrMapping/>
+  </p:clrMapOvr>
+</p:sld>
+</file>
+
+<file path=ppt/slides/slide17.xml><?xml version="1.0" encoding="utf-8"?>
+<p:sld xmlns:a="http://schemas.openxmlformats.org/drawingml/2006/main" xmlns:r="http://schemas.openxmlformats.org/officeDocument/2006/relationships" xmlns:p="http://schemas.openxmlformats.org/presentationml/2006/main">
+  <p:cSld>
+    <p:spTree>
+      <p:nvGrpSpPr>
+        <p:cNvPr id="1" name=""/>
+        <p:cNvGrpSpPr/>
+        <p:nvPr/>
+      </p:nvGrpSpPr>
+      <p:grpSpPr>
+        <a:xfrm>
+          <a:off x="0" y="0"/>
+          <a:ext cx="0" cy="0"/>
+          <a:chOff x="0" y="0"/>
+          <a:chExt cx="0" cy="0"/>
+        </a:xfrm>
+      </p:grpSpPr>
+      <p:sp>
+        <p:nvSpPr>
+          <p:cNvPr id="184324" name="Rectangle 4"/>
+          <p:cNvSpPr>
+            <a:spLocks noGrp="1" noChangeArrowheads="1"/>
+          </p:cNvSpPr>
+          <p:nvPr>
+            <p:ph type="title"/>
+          </p:nvPr>
+        </p:nvSpPr>
+        <p:spPr>
+          <a:xfrm>
+            <a:off x="457200" y="116632"/>
+            <a:ext cx="8229600" cy="1143000"/>
+          </a:xfrm>
+        </p:spPr>
+        <p:txBody>
+          <a:bodyPr>
+            <a:normAutofit fontScale="90000"/>
+          </a:bodyPr>
+          <a:lstStyle/>
+          <a:p>
+            <a:pPr eaLnBrk="1" hangingPunct="1">
+              <a:defRPr/>
+            </a:pPr>
+            <a:r>
+              <a:rPr lang="es-MX" b="1" dirty="0">
+                <a:solidFill>
+                  <a:schemeClr val="accent4">
+                    <a:lumMod val="50000"/>
+                  </a:schemeClr>
+                </a:solidFill>
+                <a:effectLst>
+                  <a:outerShdw blurRad="38100" dist="38100" dir="2700000" algn="tl">
+                    <a:srgbClr val="C0C0C0"/>
+                  </a:outerShdw>
+                </a:effectLst>
+                <a:latin typeface="Dom Casual" charset="0"/>
+              </a:rPr>
+              <a:t>Situación problema</a:t>
+            </a:r>
+            <a:br>
+              <a:rPr lang="es-MX" b="1" dirty="0">
+                <a:solidFill>
+                  <a:schemeClr val="accent4">
+                    <a:lumMod val="50000"/>
+                  </a:schemeClr>
+                </a:solidFill>
+                <a:effectLst>
+                  <a:outerShdw blurRad="38100" dist="38100" dir="2700000" algn="tl">
+                    <a:srgbClr val="C0C0C0"/>
+                  </a:outerShdw>
+                </a:effectLst>
+                <a:latin typeface="Dom Casual" charset="0"/>
+              </a:rPr>
+            </a:br>
+            <a:r>
+              <a:rPr lang="es-MX" sz="3100" dirty="0">
+                <a:solidFill>
+                  <a:schemeClr val="accent6">
+                    <a:lumMod val="75000"/>
+                  </a:schemeClr>
+                </a:solidFill>
+                <a:effectLst>
+                  <a:outerShdw blurRad="38100" dist="38100" dir="2700000" algn="tl">
+                    <a:srgbClr val="C0C0C0"/>
+                  </a:outerShdw>
+                </a:effectLst>
+                <a:latin typeface="Dom Casual" charset="0"/>
+              </a:rPr>
+              <a:t>Individual: Función grafica2</a:t>
+            </a:r>
+          </a:p>
+        </p:txBody>
+      </p:sp>
+      <p:sp>
+        <p:nvSpPr>
+          <p:cNvPr id="5" name="Rectangle 2">
+            <a:extLst>
+              <a:ext uri="{FF2B5EF4-FFF2-40B4-BE49-F238E27FC236}">
+                <a16:creationId xmlns:a16="http://schemas.microsoft.com/office/drawing/2014/main" id="{320E9E94-35B1-4964-BB02-8EA246862BDF}"/>
+              </a:ext>
+            </a:extLst>
+          </p:cNvPr>
+          <p:cNvSpPr txBox="1">
+            <a:spLocks noChangeArrowheads="1"/>
+          </p:cNvSpPr>
+          <p:nvPr/>
+        </p:nvSpPr>
+        <p:spPr>
+          <a:xfrm>
+            <a:off x="938882" y="1700808"/>
+            <a:ext cx="7521550" cy="1008112"/>
+          </a:xfrm>
+          <a:prstGeom prst="rect">
+            <a:avLst/>
+          </a:prstGeom>
+        </p:spPr>
+        <p:txBody>
+          <a:bodyPr vert="horz" lIns="91440" tIns="45720" rIns="91440" bIns="45720" rtlCol="0">
+            <a:noAutofit/>
+          </a:bodyPr>
+          <a:lstStyle>
+            <a:lvl1pPr marL="342900" indent="-342900" algn="l" defTabSz="914400" rtl="0" eaLnBrk="1" latinLnBrk="0" hangingPunct="1">
+              <a:spcBef>
+                <a:spcPct val="20000"/>
+              </a:spcBef>
+              <a:buFont typeface="Arial" pitchFamily="34" charset="0"/>
+              <a:buChar char="•"/>
+              <a:defRPr sz="3200" kern="1200">
+                <a:solidFill>
+                  <a:schemeClr val="tx1"/>
+                </a:solidFill>
+                <a:latin typeface="+mn-lt"/>
+                <a:ea typeface="+mn-ea"/>
+                <a:cs typeface="+mn-cs"/>
+              </a:defRPr>
+            </a:lvl1pPr>
+            <a:lvl2pPr marL="742950" indent="-285750" algn="l" defTabSz="914400" rtl="0" eaLnBrk="1" latinLnBrk="0" hangingPunct="1">
+              <a:spcBef>
+                <a:spcPct val="20000"/>
+              </a:spcBef>
+              <a:buFont typeface="Arial" pitchFamily="34" charset="0"/>
+              <a:buChar char="–"/>
+              <a:defRPr sz="2800" kern="1200">
+                <a:solidFill>
+                  <a:schemeClr val="tx1"/>
+                </a:solidFill>
+                <a:latin typeface="+mn-lt"/>
+                <a:ea typeface="+mn-ea"/>
+                <a:cs typeface="+mn-cs"/>
+              </a:defRPr>
+            </a:lvl2pPr>
+            <a:lvl3pPr marL="1143000" indent="-228600" algn="l" defTabSz="914400" rtl="0" eaLnBrk="1" latinLnBrk="0" hangingPunct="1">
+              <a:spcBef>
+                <a:spcPct val="20000"/>
+              </a:spcBef>
+              <a:buFont typeface="Arial" pitchFamily="34" charset="0"/>
+              <a:buChar char="•"/>
+              <a:defRPr sz="2400" kern="1200">
+                <a:solidFill>
+                  <a:schemeClr val="tx1"/>
+                </a:solidFill>
+                <a:latin typeface="+mn-lt"/>
+                <a:ea typeface="+mn-ea"/>
+                <a:cs typeface="+mn-cs"/>
+              </a:defRPr>
+            </a:lvl3pPr>
+            <a:lvl4pPr marL="1600200" indent="-228600" algn="l" defTabSz="914400" rtl="0" eaLnBrk="1" latinLnBrk="0" hangingPunct="1">
+              <a:spcBef>
+                <a:spcPct val="20000"/>
+              </a:spcBef>
+              <a:buFont typeface="Arial" pitchFamily="34" charset="0"/>
+              <a:buChar char="–"/>
+              <a:defRPr sz="2000" kern="1200">
+                <a:solidFill>
+                  <a:schemeClr val="tx1"/>
+                </a:solidFill>
+                <a:latin typeface="+mn-lt"/>
+                <a:ea typeface="+mn-ea"/>
+                <a:cs typeface="+mn-cs"/>
+              </a:defRPr>
+            </a:lvl4pPr>
+            <a:lvl5pPr marL="2057400" indent="-228600" algn="l" defTabSz="914400" rtl="0" eaLnBrk="1" latinLnBrk="0" hangingPunct="1">
+              <a:spcBef>
+                <a:spcPct val="20000"/>
+              </a:spcBef>
+              <a:buFont typeface="Arial" pitchFamily="34" charset="0"/>
+              <a:buChar char="»"/>
+              <a:defRPr sz="2000" kern="1200">
+                <a:solidFill>
+                  <a:schemeClr val="tx1"/>
+                </a:solidFill>
+                <a:latin typeface="+mn-lt"/>
+                <a:ea typeface="+mn-ea"/>
+                <a:cs typeface="+mn-cs"/>
+              </a:defRPr>
+            </a:lvl5pPr>
+            <a:lvl6pPr marL="2514600" indent="-228600" algn="l" defTabSz="914400" rtl="0" eaLnBrk="1" latinLnBrk="0" hangingPunct="1">
+              <a:spcBef>
+                <a:spcPct val="20000"/>
+              </a:spcBef>
+              <a:buFont typeface="Arial" pitchFamily="34" charset="0"/>
+              <a:buChar char="•"/>
+              <a:defRPr sz="2000" kern="1200">
+                <a:solidFill>
+                  <a:schemeClr val="tx1"/>
+                </a:solidFill>
+                <a:latin typeface="+mn-lt"/>
+                <a:ea typeface="+mn-ea"/>
+                <a:cs typeface="+mn-cs"/>
+              </a:defRPr>
+            </a:lvl6pPr>
+            <a:lvl7pPr marL="2971800" indent="-228600" algn="l" defTabSz="914400" rtl="0" eaLnBrk="1" latinLnBrk="0" hangingPunct="1">
+              <a:spcBef>
+                <a:spcPct val="20000"/>
+              </a:spcBef>
+              <a:buFont typeface="Arial" pitchFamily="34" charset="0"/>
+              <a:buChar char="•"/>
+              <a:defRPr sz="2000" kern="1200">
+                <a:solidFill>
+                  <a:schemeClr val="tx1"/>
+                </a:solidFill>
+                <a:latin typeface="+mn-lt"/>
+                <a:ea typeface="+mn-ea"/>
+                <a:cs typeface="+mn-cs"/>
+              </a:defRPr>
+            </a:lvl7pPr>
+            <a:lvl8pPr marL="3429000" indent="-228600" algn="l" defTabSz="914400" rtl="0" eaLnBrk="1" latinLnBrk="0" hangingPunct="1">
+              <a:spcBef>
+                <a:spcPct val="20000"/>
+              </a:spcBef>
+              <a:buFont typeface="Arial" pitchFamily="34" charset="0"/>
+              <a:buChar char="•"/>
+              <a:defRPr sz="2000" kern="1200">
+                <a:solidFill>
+                  <a:schemeClr val="tx1"/>
+                </a:solidFill>
+                <a:latin typeface="+mn-lt"/>
+                <a:ea typeface="+mn-ea"/>
+                <a:cs typeface="+mn-cs"/>
+              </a:defRPr>
+            </a:lvl8pPr>
+            <a:lvl9pPr marL="3886200" indent="-228600" algn="l" defTabSz="914400" rtl="0" eaLnBrk="1" latinLnBrk="0" hangingPunct="1">
+              <a:spcBef>
+                <a:spcPct val="20000"/>
+              </a:spcBef>
+              <a:buFont typeface="Arial" pitchFamily="34" charset="0"/>
+              <a:buChar char="•"/>
+              <a:defRPr sz="2000" kern="1200">
+                <a:solidFill>
+                  <a:schemeClr val="tx1"/>
+                </a:solidFill>
+                <a:latin typeface="+mn-lt"/>
+                <a:ea typeface="+mn-ea"/>
+                <a:cs typeface="+mn-cs"/>
+              </a:defRPr>
+            </a:lvl9pPr>
+          </a:lstStyle>
+          <a:p>
+            <a:pPr marL="0" lvl="1" indent="0" algn="just">
+              <a:lnSpc>
+                <a:spcPct val="150000"/>
+              </a:lnSpc>
+              <a:spcBef>
+                <a:spcPct val="0"/>
+              </a:spcBef>
+              <a:spcAft>
+                <a:spcPts val="600"/>
+              </a:spcAft>
+              <a:buNone/>
+            </a:pPr>
+            <a:r>
+              <a:rPr lang="es-MX" sz="1800" dirty="0">
+                <a:solidFill>
+                  <a:schemeClr val="bg2">
+                    <a:lumMod val="25000"/>
+                  </a:schemeClr>
+                </a:solidFill>
+                <a:latin typeface="Arial" pitchFamily="34" charset="0"/>
+                <a:cs typeface="Arial" pitchFamily="34" charset="0"/>
+              </a:rPr>
+              <a:t>Escribe la función </a:t>
+            </a:r>
+            <a:r>
+              <a:rPr lang="es-MX" sz="1800" b="1" dirty="0">
+                <a:solidFill>
+                  <a:srgbClr val="FF0000"/>
+                </a:solidFill>
+                <a:latin typeface="Arial" pitchFamily="34" charset="0"/>
+                <a:cs typeface="Arial" pitchFamily="34" charset="0"/>
+              </a:rPr>
+              <a:t>grafica2</a:t>
+            </a:r>
+            <a:r>
+              <a:rPr lang="es-MX" sz="1800" dirty="0">
+                <a:solidFill>
+                  <a:schemeClr val="bg2">
+                    <a:lumMod val="25000"/>
+                  </a:schemeClr>
+                </a:solidFill>
+                <a:latin typeface="Arial" pitchFamily="34" charset="0"/>
+                <a:cs typeface="Arial" pitchFamily="34" charset="0"/>
+              </a:rPr>
+              <a:t>, que recibe como parámetro de entrada el tablero o </a:t>
+            </a:r>
+            <a:r>
+              <a:rPr lang="es-MX" sz="1800" dirty="0" err="1">
+                <a:solidFill>
+                  <a:schemeClr val="bg2">
+                    <a:lumMod val="25000"/>
+                  </a:schemeClr>
+                </a:solidFill>
+                <a:latin typeface="Arial" pitchFamily="34" charset="0"/>
+                <a:cs typeface="Arial" pitchFamily="34" charset="0"/>
+              </a:rPr>
+              <a:t>dataframe</a:t>
+            </a:r>
+            <a:r>
+              <a:rPr lang="es-MX" sz="1800" dirty="0">
+                <a:solidFill>
+                  <a:schemeClr val="bg2">
+                    <a:lumMod val="25000"/>
+                  </a:schemeClr>
+                </a:solidFill>
+                <a:latin typeface="Arial" pitchFamily="34" charset="0"/>
+                <a:cs typeface="Arial" pitchFamily="34" charset="0"/>
+              </a:rPr>
+              <a:t>. La función deberá generar una gráfica con </a:t>
+            </a:r>
+            <a:r>
+              <a:rPr lang="es-ES" sz="1800" dirty="0">
+                <a:solidFill>
+                  <a:schemeClr val="bg2">
+                    <a:lumMod val="25000"/>
+                  </a:schemeClr>
+                </a:solidFill>
+                <a:latin typeface="Arial" pitchFamily="34" charset="0"/>
+                <a:cs typeface="Arial" pitchFamily="34" charset="0"/>
+              </a:rPr>
+              <a:t> </a:t>
+            </a:r>
+            <a:r>
+              <a:rPr lang="es-ES" sz="1800" b="1" dirty="0">
+                <a:solidFill>
+                  <a:schemeClr val="bg2">
+                    <a:lumMod val="25000"/>
+                  </a:schemeClr>
+                </a:solidFill>
+                <a:latin typeface="Arial" pitchFamily="34" charset="0"/>
+                <a:cs typeface="Arial" pitchFamily="34" charset="0"/>
+              </a:rPr>
+              <a:t>dos cuadrantes </a:t>
+            </a:r>
+            <a:r>
+              <a:rPr lang="es-ES" sz="1800" dirty="0">
+                <a:solidFill>
+                  <a:schemeClr val="bg2">
+                    <a:lumMod val="25000"/>
+                  </a:schemeClr>
+                </a:solidFill>
+                <a:latin typeface="Arial" pitchFamily="34" charset="0"/>
+                <a:cs typeface="Arial" pitchFamily="34" charset="0"/>
+              </a:rPr>
+              <a:t>(dos gráficas en un tablero)</a:t>
+            </a:r>
+          </a:p>
+          <a:p>
+            <a:pPr marL="0" lvl="1" indent="0" algn="just">
+              <a:lnSpc>
+                <a:spcPct val="150000"/>
+              </a:lnSpc>
+              <a:spcBef>
+                <a:spcPct val="0"/>
+              </a:spcBef>
+              <a:spcAft>
+                <a:spcPts val="600"/>
+              </a:spcAft>
+              <a:buNone/>
+            </a:pPr>
+            <a:endParaRPr lang="es-MX" sz="1800" dirty="0">
+              <a:solidFill>
+                <a:schemeClr val="bg2">
+                  <a:lumMod val="25000"/>
+                </a:schemeClr>
+              </a:solidFill>
+              <a:latin typeface="Arial" pitchFamily="34" charset="0"/>
+              <a:cs typeface="Arial" pitchFamily="34" charset="0"/>
+            </a:endParaRPr>
+          </a:p>
+        </p:txBody>
+      </p:sp>
+      <p:pic>
+        <p:nvPicPr>
+          <p:cNvPr id="3" name="Imagen 2">
+            <a:extLst>
+              <a:ext uri="{FF2B5EF4-FFF2-40B4-BE49-F238E27FC236}">
+                <a16:creationId xmlns:a16="http://schemas.microsoft.com/office/drawing/2014/main" id="{519DBD1B-BCB9-40FB-8153-3835981DCC17}"/>
+              </a:ext>
+            </a:extLst>
+          </p:cNvPr>
+          <p:cNvPicPr>
+            <a:picLocks noChangeAspect="1"/>
+          </p:cNvPicPr>
+          <p:nvPr/>
+        </p:nvPicPr>
+        <p:blipFill>
+          <a:blip r:embed="rId2"/>
+          <a:stretch>
+            <a:fillRect/>
+          </a:stretch>
+        </p:blipFill>
+        <p:spPr>
+          <a:xfrm>
+            <a:off x="1285264" y="3284984"/>
+            <a:ext cx="6573472" cy="2946426"/>
+          </a:xfrm>
+          <a:prstGeom prst="rect">
+            <a:avLst/>
+          </a:prstGeom>
+        </p:spPr>
+      </p:pic>
+    </p:spTree>
+    <p:extLst>
+      <p:ext uri="{BB962C8B-B14F-4D97-AF65-F5344CB8AC3E}">
+        <p14:creationId xmlns:p14="http://schemas.microsoft.com/office/powerpoint/2010/main" val="3672429509"/>
+      </p:ext>
+    </p:extLst>
+  </p:cSld>
+  <p:clrMapOvr>
+    <a:masterClrMapping/>
+  </p:clrMapOvr>
+</p:sld>
+</file>
+
+<file path=ppt/slides/slide18.xml><?xml version="1.0" encoding="utf-8"?>
+<p:sld xmlns:a="http://schemas.openxmlformats.org/drawingml/2006/main" xmlns:r="http://schemas.openxmlformats.org/officeDocument/2006/relationships" xmlns:p="http://schemas.openxmlformats.org/presentationml/2006/main">
+  <p:cSld>
+    <p:spTree>
+      <p:nvGrpSpPr>
+        <p:cNvPr id="1" name=""/>
+        <p:cNvGrpSpPr/>
+        <p:nvPr/>
+      </p:nvGrpSpPr>
+      <p:grpSpPr>
+        <a:xfrm>
+          <a:off x="0" y="0"/>
+          <a:ext cx="0" cy="0"/>
+          <a:chOff x="0" y="0"/>
+          <a:chExt cx="0" cy="0"/>
+        </a:xfrm>
+      </p:grpSpPr>
+      <p:sp>
+        <p:nvSpPr>
+          <p:cNvPr id="184324" name="Rectangle 4"/>
+          <p:cNvSpPr>
+            <a:spLocks noGrp="1" noChangeArrowheads="1"/>
+          </p:cNvSpPr>
+          <p:nvPr>
+            <p:ph type="title"/>
+          </p:nvPr>
+        </p:nvSpPr>
+        <p:spPr>
+          <a:xfrm>
+            <a:off x="457200" y="251588"/>
+            <a:ext cx="8229600" cy="1143000"/>
+          </a:xfrm>
+        </p:spPr>
+        <p:txBody>
+          <a:bodyPr>
+            <a:normAutofit fontScale="90000"/>
+          </a:bodyPr>
+          <a:lstStyle/>
+          <a:p>
+            <a:pPr eaLnBrk="1" hangingPunct="1">
+              <a:defRPr/>
+            </a:pPr>
+            <a:r>
+              <a:rPr lang="es-MX" b="1" dirty="0">
+                <a:solidFill>
+                  <a:schemeClr val="accent4">
+                    <a:lumMod val="50000"/>
+                  </a:schemeClr>
+                </a:solidFill>
+                <a:effectLst>
+                  <a:outerShdw blurRad="38100" dist="38100" dir="2700000" algn="tl">
+                    <a:srgbClr val="C0C0C0"/>
+                  </a:outerShdw>
+                </a:effectLst>
+                <a:latin typeface="Dom Casual" charset="0"/>
+              </a:rPr>
+              <a:t>Situación problema</a:t>
+            </a:r>
+            <a:br>
+              <a:rPr lang="es-MX" b="1" dirty="0">
+                <a:solidFill>
+                  <a:schemeClr val="accent4">
+                    <a:lumMod val="50000"/>
+                  </a:schemeClr>
+                </a:solidFill>
+                <a:effectLst>
+                  <a:outerShdw blurRad="38100" dist="38100" dir="2700000" algn="tl">
+                    <a:srgbClr val="C0C0C0"/>
+                  </a:outerShdw>
+                </a:effectLst>
+                <a:latin typeface="Dom Casual" charset="0"/>
+              </a:rPr>
+            </a:br>
+            <a:r>
+              <a:rPr lang="es-MX" sz="3100" dirty="0">
+                <a:solidFill>
+                  <a:schemeClr val="accent6">
+                    <a:lumMod val="75000"/>
+                  </a:schemeClr>
+                </a:solidFill>
+                <a:effectLst>
+                  <a:outerShdw blurRad="38100" dist="38100" dir="2700000" algn="tl">
+                    <a:srgbClr val="C0C0C0"/>
+                  </a:outerShdw>
+                </a:effectLst>
+                <a:latin typeface="Dom Casual" charset="0"/>
+              </a:rPr>
+              <a:t>Individual: Función grafica2</a:t>
+            </a:r>
+          </a:p>
+        </p:txBody>
+      </p:sp>
+      <p:sp>
+        <p:nvSpPr>
+          <p:cNvPr id="9" name="Rectangle 2">
+            <a:extLst>
+              <a:ext uri="{FF2B5EF4-FFF2-40B4-BE49-F238E27FC236}">
+                <a16:creationId xmlns:a16="http://schemas.microsoft.com/office/drawing/2014/main" id="{A20B8BAE-0E56-4D13-B950-DF035C2A8FC1}"/>
+              </a:ext>
+            </a:extLst>
+          </p:cNvPr>
+          <p:cNvSpPr txBox="1">
+            <a:spLocks noChangeArrowheads="1"/>
+          </p:cNvSpPr>
+          <p:nvPr/>
+        </p:nvSpPr>
+        <p:spPr>
+          <a:xfrm>
+            <a:off x="827584" y="2204864"/>
+            <a:ext cx="2913037" cy="2952328"/>
+          </a:xfrm>
+          <a:prstGeom prst="rect">
+            <a:avLst/>
+          </a:prstGeom>
+        </p:spPr>
+        <p:txBody>
+          <a:bodyPr vert="horz" lIns="91440" tIns="45720" rIns="91440" bIns="45720" rtlCol="0">
+            <a:noAutofit/>
+          </a:bodyPr>
+          <a:lstStyle>
+            <a:lvl1pPr marL="342900" indent="-342900" algn="l" defTabSz="914400" rtl="0" eaLnBrk="1" latinLnBrk="0" hangingPunct="1">
+              <a:spcBef>
+                <a:spcPct val="20000"/>
+              </a:spcBef>
+              <a:buFont typeface="Arial" pitchFamily="34" charset="0"/>
+              <a:buChar char="•"/>
+              <a:defRPr sz="3200" kern="1200">
+                <a:solidFill>
+                  <a:schemeClr val="tx1"/>
+                </a:solidFill>
+                <a:latin typeface="+mn-lt"/>
+                <a:ea typeface="+mn-ea"/>
+                <a:cs typeface="+mn-cs"/>
+              </a:defRPr>
+            </a:lvl1pPr>
+            <a:lvl2pPr marL="742950" indent="-285750" algn="l" defTabSz="914400" rtl="0" eaLnBrk="1" latinLnBrk="0" hangingPunct="1">
+              <a:spcBef>
+                <a:spcPct val="20000"/>
+              </a:spcBef>
+              <a:buFont typeface="Arial" pitchFamily="34" charset="0"/>
+              <a:buChar char="–"/>
+              <a:defRPr sz="2800" kern="1200">
+                <a:solidFill>
+                  <a:schemeClr val="tx1"/>
+                </a:solidFill>
+                <a:latin typeface="+mn-lt"/>
+                <a:ea typeface="+mn-ea"/>
+                <a:cs typeface="+mn-cs"/>
+              </a:defRPr>
+            </a:lvl2pPr>
+            <a:lvl3pPr marL="1143000" indent="-228600" algn="l" defTabSz="914400" rtl="0" eaLnBrk="1" latinLnBrk="0" hangingPunct="1">
+              <a:spcBef>
+                <a:spcPct val="20000"/>
+              </a:spcBef>
+              <a:buFont typeface="Arial" pitchFamily="34" charset="0"/>
+              <a:buChar char="•"/>
+              <a:defRPr sz="2400" kern="1200">
+                <a:solidFill>
+                  <a:schemeClr val="tx1"/>
+                </a:solidFill>
+                <a:latin typeface="+mn-lt"/>
+                <a:ea typeface="+mn-ea"/>
+                <a:cs typeface="+mn-cs"/>
+              </a:defRPr>
+            </a:lvl3pPr>
+            <a:lvl4pPr marL="1600200" indent="-228600" algn="l" defTabSz="914400" rtl="0" eaLnBrk="1" latinLnBrk="0" hangingPunct="1">
+              <a:spcBef>
+                <a:spcPct val="20000"/>
+              </a:spcBef>
+              <a:buFont typeface="Arial" pitchFamily="34" charset="0"/>
+              <a:buChar char="–"/>
+              <a:defRPr sz="2000" kern="1200">
+                <a:solidFill>
+                  <a:schemeClr val="tx1"/>
+                </a:solidFill>
+                <a:latin typeface="+mn-lt"/>
+                <a:ea typeface="+mn-ea"/>
+                <a:cs typeface="+mn-cs"/>
+              </a:defRPr>
+            </a:lvl4pPr>
+            <a:lvl5pPr marL="2057400" indent="-228600" algn="l" defTabSz="914400" rtl="0" eaLnBrk="1" latinLnBrk="0" hangingPunct="1">
+              <a:spcBef>
+                <a:spcPct val="20000"/>
+              </a:spcBef>
+              <a:buFont typeface="Arial" pitchFamily="34" charset="0"/>
+              <a:buChar char="»"/>
+              <a:defRPr sz="2000" kern="1200">
+                <a:solidFill>
+                  <a:schemeClr val="tx1"/>
+                </a:solidFill>
+                <a:latin typeface="+mn-lt"/>
+                <a:ea typeface="+mn-ea"/>
+                <a:cs typeface="+mn-cs"/>
+              </a:defRPr>
+            </a:lvl5pPr>
+            <a:lvl6pPr marL="2514600" indent="-228600" algn="l" defTabSz="914400" rtl="0" eaLnBrk="1" latinLnBrk="0" hangingPunct="1">
+              <a:spcBef>
+                <a:spcPct val="20000"/>
+              </a:spcBef>
+              <a:buFont typeface="Arial" pitchFamily="34" charset="0"/>
+              <a:buChar char="•"/>
+              <a:defRPr sz="2000" kern="1200">
+                <a:solidFill>
+                  <a:schemeClr val="tx1"/>
+                </a:solidFill>
+                <a:latin typeface="+mn-lt"/>
+                <a:ea typeface="+mn-ea"/>
+                <a:cs typeface="+mn-cs"/>
+              </a:defRPr>
+            </a:lvl6pPr>
+            <a:lvl7pPr marL="2971800" indent="-228600" algn="l" defTabSz="914400" rtl="0" eaLnBrk="1" latinLnBrk="0" hangingPunct="1">
+              <a:spcBef>
+                <a:spcPct val="20000"/>
+              </a:spcBef>
+              <a:buFont typeface="Arial" pitchFamily="34" charset="0"/>
+              <a:buChar char="•"/>
+              <a:defRPr sz="2000" kern="1200">
+                <a:solidFill>
+                  <a:schemeClr val="tx1"/>
+                </a:solidFill>
+                <a:latin typeface="+mn-lt"/>
+                <a:ea typeface="+mn-ea"/>
+                <a:cs typeface="+mn-cs"/>
+              </a:defRPr>
+            </a:lvl7pPr>
+            <a:lvl8pPr marL="3429000" indent="-228600" algn="l" defTabSz="914400" rtl="0" eaLnBrk="1" latinLnBrk="0" hangingPunct="1">
+              <a:spcBef>
+                <a:spcPct val="20000"/>
+              </a:spcBef>
+              <a:buFont typeface="Arial" pitchFamily="34" charset="0"/>
+              <a:buChar char="•"/>
+              <a:defRPr sz="2000" kern="1200">
+                <a:solidFill>
+                  <a:schemeClr val="tx1"/>
+                </a:solidFill>
+                <a:latin typeface="+mn-lt"/>
+                <a:ea typeface="+mn-ea"/>
+                <a:cs typeface="+mn-cs"/>
+              </a:defRPr>
+            </a:lvl8pPr>
+            <a:lvl9pPr marL="3886200" indent="-228600" algn="l" defTabSz="914400" rtl="0" eaLnBrk="1" latinLnBrk="0" hangingPunct="1">
+              <a:spcBef>
+                <a:spcPct val="20000"/>
+              </a:spcBef>
+              <a:buFont typeface="Arial" pitchFamily="34" charset="0"/>
+              <a:buChar char="•"/>
+              <a:defRPr sz="2000" kern="1200">
+                <a:solidFill>
+                  <a:schemeClr val="tx1"/>
+                </a:solidFill>
+                <a:latin typeface="+mn-lt"/>
+                <a:ea typeface="+mn-ea"/>
+                <a:cs typeface="+mn-cs"/>
+              </a:defRPr>
+            </a:lvl9pPr>
+          </a:lstStyle>
+          <a:p>
+            <a:pPr marL="0" lvl="1" indent="0" algn="just">
+              <a:lnSpc>
+                <a:spcPct val="150000"/>
+              </a:lnSpc>
+              <a:spcBef>
+                <a:spcPct val="0"/>
+              </a:spcBef>
+              <a:spcAft>
+                <a:spcPts val="600"/>
+              </a:spcAft>
+              <a:buNone/>
+            </a:pPr>
+            <a:r>
+              <a:rPr lang="es-MX" sz="1800" dirty="0">
+                <a:solidFill>
+                  <a:schemeClr val="bg2">
+                    <a:lumMod val="25000"/>
+                  </a:schemeClr>
+                </a:solidFill>
+                <a:latin typeface="Arial" pitchFamily="34" charset="0"/>
+                <a:cs typeface="Arial" pitchFamily="34" charset="0"/>
+              </a:rPr>
+              <a:t>Una gráfica con </a:t>
+            </a:r>
+            <a:r>
+              <a:rPr lang="es-ES" sz="1800" dirty="0">
+                <a:solidFill>
+                  <a:schemeClr val="bg2">
+                    <a:lumMod val="25000"/>
+                  </a:schemeClr>
+                </a:solidFill>
+                <a:latin typeface="Arial" pitchFamily="34" charset="0"/>
+                <a:cs typeface="Arial" pitchFamily="34" charset="0"/>
+              </a:rPr>
+              <a:t>con un elemento en el eje de las </a:t>
+            </a:r>
+            <a:r>
+              <a:rPr lang="es-ES" sz="1800" dirty="0" err="1">
+                <a:solidFill>
+                  <a:schemeClr val="bg2">
+                    <a:lumMod val="25000"/>
+                  </a:schemeClr>
+                </a:solidFill>
+                <a:latin typeface="Arial" pitchFamily="34" charset="0"/>
+                <a:cs typeface="Arial" pitchFamily="34" charset="0"/>
+              </a:rPr>
+              <a:t>x's</a:t>
+            </a:r>
+            <a:r>
+              <a:rPr lang="es-ES" sz="1800" dirty="0">
+                <a:solidFill>
+                  <a:schemeClr val="bg2">
+                    <a:lumMod val="25000"/>
+                  </a:schemeClr>
+                </a:solidFill>
+                <a:latin typeface="Arial" pitchFamily="34" charset="0"/>
+                <a:cs typeface="Arial" pitchFamily="34" charset="0"/>
+              </a:rPr>
+              <a:t> y dos elementos en el eje de las </a:t>
+            </a:r>
+            <a:r>
+              <a:rPr lang="es-ES" sz="1800" dirty="0" err="1">
+                <a:solidFill>
+                  <a:schemeClr val="bg2">
+                    <a:lumMod val="25000"/>
+                  </a:schemeClr>
+                </a:solidFill>
+                <a:latin typeface="Arial" pitchFamily="34" charset="0"/>
+                <a:cs typeface="Arial" pitchFamily="34" charset="0"/>
+              </a:rPr>
+              <a:t>y's</a:t>
+            </a:r>
+            <a:r>
+              <a:rPr lang="es-ES" sz="1800" dirty="0">
+                <a:solidFill>
+                  <a:schemeClr val="bg2">
+                    <a:lumMod val="25000"/>
+                  </a:schemeClr>
+                </a:solidFill>
+                <a:latin typeface="Arial" pitchFamily="34" charset="0"/>
+                <a:cs typeface="Arial" pitchFamily="34" charset="0"/>
+              </a:rPr>
+              <a:t> o una gráfica de subtablas usando el método </a:t>
+            </a:r>
+            <a:r>
+              <a:rPr lang="es-ES" sz="1800" b="1" dirty="0" err="1">
+                <a:solidFill>
+                  <a:schemeClr val="bg2">
+                    <a:lumMod val="25000"/>
+                  </a:schemeClr>
+                </a:solidFill>
+                <a:latin typeface="Arial" pitchFamily="34" charset="0"/>
+                <a:cs typeface="Arial" pitchFamily="34" charset="0"/>
+              </a:rPr>
+              <a:t>groupby</a:t>
+            </a:r>
+            <a:r>
+              <a:rPr lang="es-ES" sz="1800" dirty="0">
+                <a:solidFill>
+                  <a:schemeClr val="bg2">
+                    <a:lumMod val="25000"/>
+                  </a:schemeClr>
+                </a:solidFill>
+                <a:latin typeface="Arial" pitchFamily="34" charset="0"/>
+                <a:cs typeface="Arial" pitchFamily="34" charset="0"/>
+              </a:rPr>
+              <a:t> (12%). </a:t>
+            </a:r>
+          </a:p>
+          <a:p>
+            <a:pPr marL="0" lvl="1" indent="0" algn="just">
+              <a:lnSpc>
+                <a:spcPct val="150000"/>
+              </a:lnSpc>
+              <a:spcBef>
+                <a:spcPct val="0"/>
+              </a:spcBef>
+              <a:spcAft>
+                <a:spcPts val="600"/>
+              </a:spcAft>
+              <a:buNone/>
+            </a:pPr>
+            <a:endParaRPr lang="es-MX" sz="1800" dirty="0">
+              <a:solidFill>
+                <a:schemeClr val="bg2">
+                  <a:lumMod val="25000"/>
+                </a:schemeClr>
+              </a:solidFill>
+              <a:latin typeface="Arial" pitchFamily="34" charset="0"/>
+              <a:cs typeface="Arial" pitchFamily="34" charset="0"/>
+            </a:endParaRPr>
+          </a:p>
+        </p:txBody>
+      </p:sp>
+      <p:pic>
+        <p:nvPicPr>
+          <p:cNvPr id="3" name="Imagen 2">
+            <a:extLst>
+              <a:ext uri="{FF2B5EF4-FFF2-40B4-BE49-F238E27FC236}">
+                <a16:creationId xmlns:a16="http://schemas.microsoft.com/office/drawing/2014/main" id="{26796D06-515B-4DA9-A299-B764032D20BB}"/>
+              </a:ext>
+            </a:extLst>
+          </p:cNvPr>
+          <p:cNvPicPr>
+            <a:picLocks noChangeAspect="1"/>
+          </p:cNvPicPr>
+          <p:nvPr/>
+        </p:nvPicPr>
+        <p:blipFill>
+          <a:blip r:embed="rId2"/>
+          <a:stretch>
+            <a:fillRect/>
+          </a:stretch>
+        </p:blipFill>
+        <p:spPr>
+          <a:xfrm>
+            <a:off x="4083661" y="2132856"/>
+            <a:ext cx="4226670" cy="3330556"/>
+          </a:xfrm>
+          <a:prstGeom prst="rect">
+            <a:avLst/>
+          </a:prstGeom>
+        </p:spPr>
+      </p:pic>
+    </p:spTree>
+    <p:extLst>
+      <p:ext uri="{BB962C8B-B14F-4D97-AF65-F5344CB8AC3E}">
+        <p14:creationId xmlns:p14="http://schemas.microsoft.com/office/powerpoint/2010/main" val="831269208"/>
       </p:ext>
     </p:extLst>
   </p:cSld>
@@ -4419,19 +7597,19 @@
         </p:nvSpPr>
         <p:spPr>
           <a:xfrm>
-            <a:off x="215516" y="1628800"/>
-            <a:ext cx="8712968" cy="4617640"/>
+            <a:off x="791580" y="1916832"/>
+            <a:ext cx="7560840" cy="2448272"/>
           </a:xfrm>
         </p:spPr>
         <p:txBody>
           <a:bodyPr>
-            <a:normAutofit fontScale="25000" lnSpcReduction="20000"/>
+            <a:normAutofit/>
           </a:bodyPr>
           <a:lstStyle/>
           <a:p>
             <a:pPr marL="0" indent="0" algn="just">
               <a:lnSpc>
-                <a:spcPct val="120000"/>
+                <a:spcPct val="150000"/>
               </a:lnSpc>
               <a:spcBef>
                 <a:spcPct val="0"/>
@@ -4439,313 +7617,18 @@
               <a:buNone/>
             </a:pPr>
             <a:r>
-              <a:rPr lang="es-MX" sz="5600" dirty="0">
-                <a:solidFill>
-                  <a:schemeClr val="bg2">
-                    <a:lumMod val="25000"/>
-                  </a:schemeClr>
-                </a:solidFill>
-                <a:latin typeface="Arial" pitchFamily="34" charset="0"/>
-                <a:cs typeface="Arial" pitchFamily="34" charset="0"/>
-              </a:rPr>
-              <a:t>Es muy importante para la empresa ABC reconocer a sus empleados por su lealtad y esfuerzo al alcanzar los porcentajes de ventas fijados en su planeación estratégica. Al finalizar el año fiscal, entrega un bono de 1000 dólares a los empleados que hayan alcanzado los objetivos de ventas, este bono se entrega en una tarjeta de prepago y puede ser utilizada únicamente en un desarrollo vacacional en alimentos. El empleado puede abonar dinero a su tarjeta si así lo desea.</a:t>
-            </a:r>
-          </a:p>
-          <a:p>
-            <a:pPr marL="0" indent="0" algn="just">
-              <a:lnSpc>
-                <a:spcPct val="120000"/>
-              </a:lnSpc>
-              <a:spcBef>
-                <a:spcPct val="0"/>
-              </a:spcBef>
-              <a:buNone/>
-            </a:pPr>
-            <a:endParaRPr lang="es-MX" sz="5600" dirty="0">
-              <a:solidFill>
-                <a:schemeClr val="bg2">
-                  <a:lumMod val="25000"/>
-                </a:schemeClr>
-              </a:solidFill>
-              <a:latin typeface="Arial" pitchFamily="34" charset="0"/>
-              <a:cs typeface="Arial" pitchFamily="34" charset="0"/>
-            </a:endParaRPr>
-          </a:p>
-          <a:p>
-            <a:pPr marL="0" indent="0" algn="just">
-              <a:lnSpc>
-                <a:spcPct val="120000"/>
-              </a:lnSpc>
-              <a:spcBef>
-                <a:spcPct val="0"/>
-              </a:spcBef>
-              <a:buNone/>
-            </a:pPr>
-            <a:r>
-              <a:rPr lang="es-MX" sz="5600" dirty="0">
-                <a:solidFill>
-                  <a:schemeClr val="bg2">
-                    <a:lumMod val="25000"/>
-                  </a:schemeClr>
-                </a:solidFill>
-                <a:latin typeface="Arial" pitchFamily="34" charset="0"/>
-                <a:cs typeface="Arial" pitchFamily="34" charset="0"/>
-              </a:rPr>
-              <a:t>La empresa ABC te contrata como consultor para que desarrolles un sistema que le permita administrar los saldos de las tarjetas de prepago de sus empleados.</a:t>
-            </a:r>
-          </a:p>
-          <a:p>
-            <a:pPr marL="0" indent="0" algn="just">
-              <a:lnSpc>
-                <a:spcPct val="120000"/>
-              </a:lnSpc>
-              <a:spcBef>
-                <a:spcPct val="0"/>
-              </a:spcBef>
-              <a:buNone/>
-            </a:pPr>
-            <a:endParaRPr lang="es-MX" sz="5600" dirty="0">
-              <a:solidFill>
-                <a:schemeClr val="bg2">
-                  <a:lumMod val="25000"/>
-                </a:schemeClr>
-              </a:solidFill>
-              <a:latin typeface="Arial" pitchFamily="34" charset="0"/>
-              <a:cs typeface="Arial" pitchFamily="34" charset="0"/>
-            </a:endParaRPr>
-          </a:p>
-          <a:p>
-            <a:pPr marL="0" indent="0" algn="just">
-              <a:lnSpc>
-                <a:spcPct val="120000"/>
-              </a:lnSpc>
-              <a:spcBef>
-                <a:spcPct val="0"/>
-              </a:spcBef>
-              <a:buNone/>
-            </a:pPr>
-            <a:r>
-              <a:rPr lang="es-MX" sz="5600" dirty="0">
-                <a:solidFill>
-                  <a:schemeClr val="bg2">
-                    <a:lumMod val="25000"/>
-                  </a:schemeClr>
-                </a:solidFill>
-                <a:latin typeface="Arial" pitchFamily="34" charset="0"/>
-                <a:cs typeface="Arial" pitchFamily="34" charset="0"/>
-              </a:rPr>
-              <a:t>El programa debe de iniciar con una clave de acceso. El MENU principal puede tener las siguientes opciones:</a:t>
-            </a:r>
-          </a:p>
-          <a:p>
-            <a:pPr marL="0" indent="0" algn="just">
-              <a:lnSpc>
-                <a:spcPct val="120000"/>
-              </a:lnSpc>
-              <a:spcBef>
-                <a:spcPct val="0"/>
-              </a:spcBef>
-              <a:buNone/>
-            </a:pPr>
-            <a:endParaRPr lang="es-MX" sz="5600" dirty="0">
-              <a:solidFill>
-                <a:schemeClr val="bg2">
-                  <a:lumMod val="25000"/>
-                </a:schemeClr>
-              </a:solidFill>
-              <a:latin typeface="Arial" pitchFamily="34" charset="0"/>
-              <a:cs typeface="Arial" pitchFamily="34" charset="0"/>
-            </a:endParaRPr>
-          </a:p>
-          <a:p>
-            <a:pPr marL="0" indent="0" algn="just">
-              <a:lnSpc>
-                <a:spcPct val="120000"/>
-              </a:lnSpc>
-              <a:spcBef>
-                <a:spcPct val="0"/>
-              </a:spcBef>
-              <a:buNone/>
-            </a:pPr>
-            <a:r>
-              <a:rPr lang="es-MX" sz="5600" b="1" dirty="0">
-                <a:solidFill>
-                  <a:schemeClr val="bg2">
-                    <a:lumMod val="25000"/>
-                  </a:schemeClr>
-                </a:solidFill>
-                <a:latin typeface="Arial" pitchFamily="34" charset="0"/>
-                <a:cs typeface="Arial" pitchFamily="34" charset="0"/>
-              </a:rPr>
-              <a:t>1. Menú adulto (se debe definir 3 platillos con sus precios correspondientes y agregarlos al menú)</a:t>
-            </a:r>
-          </a:p>
-          <a:p>
-            <a:pPr marL="0" indent="0" algn="just">
-              <a:lnSpc>
-                <a:spcPct val="120000"/>
-              </a:lnSpc>
-              <a:spcBef>
-                <a:spcPct val="0"/>
-              </a:spcBef>
-              <a:buNone/>
-            </a:pPr>
-            <a:r>
-              <a:rPr lang="es-MX" sz="5600" b="1" dirty="0">
-                <a:solidFill>
-                  <a:schemeClr val="bg2">
-                    <a:lumMod val="25000"/>
-                  </a:schemeClr>
-                </a:solidFill>
-                <a:latin typeface="Arial" pitchFamily="34" charset="0"/>
-                <a:cs typeface="Arial" pitchFamily="34" charset="0"/>
-              </a:rPr>
-              <a:t>2. Menú niño (se debe definir 3 platillos con sus precios correspondientes y agregarlos al menú)</a:t>
-            </a:r>
-          </a:p>
-          <a:p>
-            <a:pPr marL="0" indent="0" algn="just">
-              <a:lnSpc>
-                <a:spcPct val="120000"/>
-              </a:lnSpc>
-              <a:spcBef>
-                <a:spcPct val="0"/>
-              </a:spcBef>
-              <a:buNone/>
-            </a:pPr>
-            <a:r>
-              <a:rPr lang="es-MX" sz="5600" b="1" dirty="0">
-                <a:solidFill>
-                  <a:schemeClr val="bg2">
-                    <a:lumMod val="25000"/>
-                  </a:schemeClr>
-                </a:solidFill>
-                <a:latin typeface="Arial" pitchFamily="34" charset="0"/>
-                <a:cs typeface="Arial" pitchFamily="34" charset="0"/>
-              </a:rPr>
-              <a:t>3. Realizar pago.</a:t>
-            </a:r>
-          </a:p>
-          <a:p>
-            <a:pPr marL="0" indent="0" algn="just">
-              <a:lnSpc>
-                <a:spcPct val="120000"/>
-              </a:lnSpc>
-              <a:spcBef>
-                <a:spcPct val="0"/>
-              </a:spcBef>
-              <a:buNone/>
-            </a:pPr>
-            <a:r>
-              <a:rPr lang="es-MX" sz="5600" b="1" dirty="0">
-                <a:solidFill>
-                  <a:schemeClr val="bg2">
-                    <a:lumMod val="25000"/>
-                  </a:schemeClr>
-                </a:solidFill>
-                <a:latin typeface="Arial" pitchFamily="34" charset="0"/>
-                <a:cs typeface="Arial" pitchFamily="34" charset="0"/>
-              </a:rPr>
-              <a:t>4. Recarga de tarjeta.</a:t>
-            </a:r>
-          </a:p>
-          <a:p>
-            <a:pPr marL="0" indent="0" algn="just">
-              <a:lnSpc>
-                <a:spcPct val="120000"/>
-              </a:lnSpc>
-              <a:spcBef>
-                <a:spcPct val="0"/>
-              </a:spcBef>
-              <a:buNone/>
-            </a:pPr>
-            <a:endParaRPr lang="es-MX" sz="5600" dirty="0">
-              <a:solidFill>
-                <a:schemeClr val="bg2">
-                  <a:lumMod val="25000"/>
-                </a:schemeClr>
-              </a:solidFill>
-              <a:latin typeface="Arial" pitchFamily="34" charset="0"/>
-              <a:cs typeface="Arial" pitchFamily="34" charset="0"/>
-            </a:endParaRPr>
-          </a:p>
-          <a:p>
-            <a:pPr marL="0" indent="0" algn="just">
-              <a:lnSpc>
-                <a:spcPct val="120000"/>
-              </a:lnSpc>
-              <a:spcBef>
-                <a:spcPct val="0"/>
-              </a:spcBef>
-              <a:buNone/>
-            </a:pPr>
-            <a:r>
-              <a:rPr lang="es-MX" sz="5600" dirty="0">
-                <a:solidFill>
-                  <a:schemeClr val="bg2">
-                    <a:lumMod val="25000"/>
-                  </a:schemeClr>
-                </a:solidFill>
-                <a:latin typeface="Arial" pitchFamily="34" charset="0"/>
-                <a:cs typeface="Arial" pitchFamily="34" charset="0"/>
-              </a:rPr>
-              <a:t>Todo aquello que vaya pidiendo el usuario deberás irlo acumulando.</a:t>
-            </a:r>
-          </a:p>
-          <a:p>
-            <a:pPr marL="0" indent="0" algn="just">
-              <a:lnSpc>
-                <a:spcPct val="120000"/>
-              </a:lnSpc>
-              <a:spcBef>
-                <a:spcPct val="0"/>
-              </a:spcBef>
-              <a:buNone/>
-            </a:pPr>
-            <a:endParaRPr lang="es-MX" sz="5600" dirty="0">
-              <a:solidFill>
-                <a:schemeClr val="bg2">
-                  <a:lumMod val="25000"/>
-                </a:schemeClr>
-              </a:solidFill>
-              <a:latin typeface="Arial" pitchFamily="34" charset="0"/>
-              <a:cs typeface="Arial" pitchFamily="34" charset="0"/>
-            </a:endParaRPr>
-          </a:p>
-          <a:p>
-            <a:pPr marL="0" indent="0" algn="just">
-              <a:lnSpc>
-                <a:spcPct val="120000"/>
-              </a:lnSpc>
-              <a:spcBef>
-                <a:spcPct val="0"/>
-              </a:spcBef>
-              <a:buNone/>
-            </a:pPr>
-            <a:r>
-              <a:rPr lang="es-MX" sz="5600" dirty="0">
-                <a:solidFill>
-                  <a:schemeClr val="bg2">
-                    <a:lumMod val="25000"/>
-                  </a:schemeClr>
-                </a:solidFill>
-                <a:latin typeface="Arial" pitchFamily="34" charset="0"/>
-                <a:cs typeface="Arial" pitchFamily="34" charset="0"/>
-              </a:rPr>
-              <a:t>Deberás separar el total de comidas de adultos y el total de comida de niños.</a:t>
-            </a:r>
-          </a:p>
-          <a:p>
-            <a:pPr marL="0" indent="0" algn="just">
-              <a:lnSpc>
-                <a:spcPct val="120000"/>
-              </a:lnSpc>
-              <a:spcBef>
-                <a:spcPct val="0"/>
-              </a:spcBef>
-              <a:buNone/>
-            </a:pPr>
-            <a:endParaRPr lang="es-MX" sz="4800" dirty="0">
+              <a:rPr lang="es-ES" sz="2000" dirty="0">
+                <a:solidFill>
+                  <a:schemeClr val="bg2">
+                    <a:lumMod val="25000"/>
+                  </a:schemeClr>
+                </a:solidFill>
+                <a:latin typeface="Arial" pitchFamily="34" charset="0"/>
+                <a:cs typeface="Arial" pitchFamily="34" charset="0"/>
+              </a:rPr>
+              <a:t>El objetivo que se persigue en esta Situación Problema, es que el alumno aplique los conceptos, herramientas de búsqueda y análisis de datos para resolver una problemática de una empresa planteada por el mismo estudiante, a través de la programación con Python.</a:t>
+            </a:r>
+            <a:endParaRPr lang="es-MX" sz="2000" dirty="0">
               <a:solidFill>
                 <a:schemeClr val="bg2">
                   <a:lumMod val="25000"/>
@@ -4769,7 +7652,7 @@
         </p:nvSpPr>
         <p:spPr>
           <a:xfrm>
-            <a:off x="457200" y="116632"/>
+            <a:off x="457200" y="332656"/>
             <a:ext cx="8229600" cy="1143000"/>
           </a:xfrm>
         </p:spPr>
@@ -4796,7 +7679,7 @@
                 </a:effectLst>
                 <a:latin typeface="Dom Casual" charset="0"/>
               </a:rPr>
-              <a:t>Situación problema 1</a:t>
+              <a:t>Situación problema</a:t>
             </a:r>
             <a:br>
               <a:rPr lang="es-MX" b="1" dirty="0">
@@ -4827,15 +7710,51 @@
                 </a:effectLst>
                 <a:latin typeface="Dom Casual" charset="0"/>
               </a:rPr>
-              <a:t>Vacaciones con tarjeta de prepago</a:t>
+              <a:t>Objetivo</a:t>
             </a:r>
           </a:p>
         </p:txBody>
       </p:sp>
+      <p:pic>
+        <p:nvPicPr>
+          <p:cNvPr id="7" name="Imagen 6" descr="Dibujo de video juego&#10;&#10;Descripción generada automáticamente con confianza baja">
+            <a:extLst>
+              <a:ext uri="{FF2B5EF4-FFF2-40B4-BE49-F238E27FC236}">
+                <a16:creationId xmlns:a16="http://schemas.microsoft.com/office/drawing/2014/main" id="{0B516085-C92C-44CD-BA89-3858E1779712}"/>
+              </a:ext>
+            </a:extLst>
+          </p:cNvPr>
+          <p:cNvPicPr>
+            <a:picLocks noChangeAspect="1"/>
+          </p:cNvPicPr>
+          <p:nvPr/>
+        </p:nvPicPr>
+        <p:blipFill>
+          <a:blip r:embed="rId2">
+            <a:extLst>
+              <a:ext uri="{28A0092B-C50C-407E-A947-70E740481C1C}">
+                <a14:useLocalDpi xmlns:a14="http://schemas.microsoft.com/office/drawing/2010/main" val="0"/>
+              </a:ext>
+            </a:extLst>
+          </a:blip>
+          <a:stretch>
+            <a:fillRect/>
+          </a:stretch>
+        </p:blipFill>
+        <p:spPr>
+          <a:xfrm>
+            <a:off x="5868144" y="4149080"/>
+            <a:ext cx="2181225" cy="2095500"/>
+          </a:xfrm>
+          <a:prstGeom prst="rect">
+            <a:avLst/>
+          </a:prstGeom>
+        </p:spPr>
+      </p:pic>
     </p:spTree>
     <p:extLst>
       <p:ext uri="{BB962C8B-B14F-4D97-AF65-F5344CB8AC3E}">
-        <p14:creationId xmlns:p14="http://schemas.microsoft.com/office/powerpoint/2010/main" val="3785121578"/>
+        <p14:creationId xmlns:p14="http://schemas.microsoft.com/office/powerpoint/2010/main" val="1316496051"/>
       </p:ext>
     </p:extLst>
   </p:cSld>
@@ -4862,6 +7781,42 @@
           <a:chExt cx="0" cy="0"/>
         </a:xfrm>
       </p:grpSpPr>
+      <p:pic>
+        <p:nvPicPr>
+          <p:cNvPr id="3" name="Imagen 2" descr="Dibujo en blanco y negro&#10;&#10;Descripción generada automáticamente con confianza baja">
+            <a:extLst>
+              <a:ext uri="{FF2B5EF4-FFF2-40B4-BE49-F238E27FC236}">
+                <a16:creationId xmlns:a16="http://schemas.microsoft.com/office/drawing/2014/main" id="{2938B0E1-255D-45FE-ACCE-D373FD2B6923}"/>
+              </a:ext>
+            </a:extLst>
+          </p:cNvPr>
+          <p:cNvPicPr>
+            <a:picLocks noChangeAspect="1"/>
+          </p:cNvPicPr>
+          <p:nvPr/>
+        </p:nvPicPr>
+        <p:blipFill>
+          <a:blip r:embed="rId2">
+            <a:extLst>
+              <a:ext uri="{28A0092B-C50C-407E-A947-70E740481C1C}">
+                <a14:useLocalDpi xmlns:a14="http://schemas.microsoft.com/office/drawing/2010/main" val="0"/>
+              </a:ext>
+            </a:extLst>
+          </a:blip>
+          <a:stretch>
+            <a:fillRect/>
+          </a:stretch>
+        </p:blipFill>
+        <p:spPr>
+          <a:xfrm>
+            <a:off x="6516216" y="4822356"/>
+            <a:ext cx="2419350" cy="1885950"/>
+          </a:xfrm>
+          <a:prstGeom prst="rect">
+            <a:avLst/>
+          </a:prstGeom>
+        </p:spPr>
+      </p:pic>
       <p:sp>
         <p:nvSpPr>
           <p:cNvPr id="4098" name="Rectangle 2"/>
@@ -4874,8 +7829,8 @@
         </p:nvSpPr>
         <p:spPr>
           <a:xfrm>
-            <a:off x="683568" y="1412776"/>
-            <a:ext cx="7992075" cy="5009499"/>
+            <a:off x="539552" y="1448780"/>
+            <a:ext cx="7992888" cy="3564396"/>
           </a:xfrm>
         </p:spPr>
         <p:txBody>
@@ -4884,16 +7839,165 @@
           </a:bodyPr>
           <a:lstStyle/>
           <a:p>
-            <a:pPr marL="0" indent="0" algn="just">
+            <a:pPr indent="-285750" algn="just">
               <a:lnSpc>
-                <a:spcPct val="120000"/>
+                <a:spcPct val="170000"/>
               </a:lnSpc>
               <a:spcBef>
-                <a:spcPct val="0"/>
-              </a:spcBef>
-              <a:buNone/>
+                <a:spcPts val="0"/>
+              </a:spcBef>
+              <a:buFont typeface="+mj-lt"/>
+              <a:buAutoNum type="arabicPeriod"/>
             </a:pPr>
-            <a:endParaRPr lang="es-MX" sz="1400" dirty="0">
+            <a:r>
+              <a:rPr lang="es-ES" sz="1600" dirty="0">
+                <a:solidFill>
+                  <a:schemeClr val="bg2">
+                    <a:lumMod val="25000"/>
+                  </a:schemeClr>
+                </a:solidFill>
+                <a:latin typeface="Arial" pitchFamily="34" charset="0"/>
+                <a:cs typeface="Arial" pitchFamily="34" charset="0"/>
+              </a:rPr>
+              <a:t>Investigar y solicitar a una empresa en la que te autoricen a utilizar sus datos. Deberás enfocarte en una problemática en general (puede ser una empresa familiar o una investigación de bases de datos reales).</a:t>
+            </a:r>
+          </a:p>
+          <a:p>
+            <a:pPr indent="-285750" algn="just">
+              <a:lnSpc>
+                <a:spcPct val="170000"/>
+              </a:lnSpc>
+              <a:spcBef>
+                <a:spcPts val="0"/>
+              </a:spcBef>
+              <a:buFont typeface="+mj-lt"/>
+              <a:buAutoNum type="arabicPeriod"/>
+            </a:pPr>
+            <a:r>
+              <a:rPr lang="es-ES" sz="1600" dirty="0">
+                <a:solidFill>
+                  <a:schemeClr val="bg2">
+                    <a:lumMod val="25000"/>
+                  </a:schemeClr>
+                </a:solidFill>
+                <a:latin typeface="Arial" pitchFamily="34" charset="0"/>
+                <a:cs typeface="Arial" pitchFamily="34" charset="0"/>
+              </a:rPr>
+              <a:t>Generar una tabla con los datos necesarios en Excel para extraer la información relevante de la problemática.</a:t>
+            </a:r>
+          </a:p>
+          <a:p>
+            <a:pPr lvl="1" algn="just">
+              <a:lnSpc>
+                <a:spcPct val="170000"/>
+              </a:lnSpc>
+              <a:spcBef>
+                <a:spcPts val="0"/>
+              </a:spcBef>
+            </a:pPr>
+            <a:r>
+              <a:rPr lang="es-ES" sz="1600" dirty="0">
+                <a:solidFill>
+                  <a:schemeClr val="bg2">
+                    <a:lumMod val="25000"/>
+                  </a:schemeClr>
+                </a:solidFill>
+                <a:latin typeface="Arial" pitchFamily="34" charset="0"/>
+                <a:cs typeface="Arial" pitchFamily="34" charset="0"/>
+              </a:rPr>
+              <a:t>La tabla deberá constituirse con:</a:t>
+            </a:r>
+          </a:p>
+          <a:p>
+            <a:pPr lvl="2" algn="just">
+              <a:lnSpc>
+                <a:spcPct val="170000"/>
+              </a:lnSpc>
+              <a:spcBef>
+                <a:spcPts val="0"/>
+              </a:spcBef>
+            </a:pPr>
+            <a:r>
+              <a:rPr lang="es-ES" sz="1600" b="1" dirty="0">
+                <a:solidFill>
+                  <a:schemeClr val="bg2">
+                    <a:lumMod val="25000"/>
+                  </a:schemeClr>
+                </a:solidFill>
+                <a:latin typeface="Arial" pitchFamily="34" charset="0"/>
+                <a:cs typeface="Arial" pitchFamily="34" charset="0"/>
+              </a:rPr>
+              <a:t>Registros</a:t>
+            </a:r>
+            <a:r>
+              <a:rPr lang="es-ES" sz="1600" dirty="0">
+                <a:solidFill>
+                  <a:schemeClr val="bg2">
+                    <a:lumMod val="25000"/>
+                  </a:schemeClr>
+                </a:solidFill>
+                <a:latin typeface="Arial" pitchFamily="34" charset="0"/>
+                <a:cs typeface="Arial" pitchFamily="34" charset="0"/>
+              </a:rPr>
+              <a:t> (renglones), al menos 30 y máximo 50.</a:t>
+            </a:r>
+          </a:p>
+          <a:p>
+            <a:pPr lvl="2" algn="just">
+              <a:lnSpc>
+                <a:spcPct val="170000"/>
+              </a:lnSpc>
+              <a:spcBef>
+                <a:spcPts val="0"/>
+              </a:spcBef>
+            </a:pPr>
+            <a:r>
+              <a:rPr lang="es-ES" sz="1600" b="1" dirty="0">
+                <a:solidFill>
+                  <a:schemeClr val="bg2">
+                    <a:lumMod val="25000"/>
+                  </a:schemeClr>
+                </a:solidFill>
+                <a:latin typeface="Arial" pitchFamily="34" charset="0"/>
+                <a:cs typeface="Arial" pitchFamily="34" charset="0"/>
+              </a:rPr>
+              <a:t>Columnas</a:t>
+            </a:r>
+            <a:r>
+              <a:rPr lang="es-ES" sz="1600" dirty="0">
+                <a:solidFill>
+                  <a:schemeClr val="bg2">
+                    <a:lumMod val="25000"/>
+                  </a:schemeClr>
+                </a:solidFill>
+                <a:latin typeface="Arial" pitchFamily="34" charset="0"/>
+                <a:cs typeface="Arial" pitchFamily="34" charset="0"/>
+              </a:rPr>
+              <a:t>, 10 máximo, 5 cualitativas (texto) y 5 cuantitativas (numéricas).</a:t>
+            </a:r>
+          </a:p>
+          <a:p>
+            <a:pPr lvl="1" algn="just">
+              <a:lnSpc>
+                <a:spcPct val="170000"/>
+              </a:lnSpc>
+              <a:spcBef>
+                <a:spcPts val="0"/>
+              </a:spcBef>
+            </a:pPr>
+            <a:r>
+              <a:rPr lang="es-ES" sz="1600" dirty="0">
+                <a:solidFill>
+                  <a:schemeClr val="bg2">
+                    <a:lumMod val="25000"/>
+                  </a:schemeClr>
+                </a:solidFill>
+                <a:latin typeface="Arial" pitchFamily="34" charset="0"/>
+                <a:cs typeface="Arial" pitchFamily="34" charset="0"/>
+              </a:rPr>
+              <a:t>La tabla deberá venir de una fuente confiable y actualizada.</a:t>
+            </a:r>
+            <a:endParaRPr lang="es-MX" sz="1600" dirty="0">
               <a:solidFill>
                 <a:schemeClr val="bg2">
                   <a:lumMod val="25000"/>
@@ -4902,230 +8006,6 @@
               <a:latin typeface="Arial" pitchFamily="34" charset="0"/>
               <a:cs typeface="Arial" pitchFamily="34" charset="0"/>
             </a:endParaRPr>
-          </a:p>
-          <a:p>
-            <a:pPr marL="0" indent="0" algn="just">
-              <a:lnSpc>
-                <a:spcPct val="120000"/>
-              </a:lnSpc>
-              <a:spcBef>
-                <a:spcPct val="0"/>
-              </a:spcBef>
-              <a:buNone/>
-            </a:pPr>
-            <a:r>
-              <a:rPr lang="es-MX" sz="1400" dirty="0">
-                <a:solidFill>
-                  <a:schemeClr val="bg2">
-                    <a:lumMod val="25000"/>
-                  </a:schemeClr>
-                </a:solidFill>
-                <a:latin typeface="Arial" pitchFamily="34" charset="0"/>
-                <a:cs typeface="Arial" pitchFamily="34" charset="0"/>
-              </a:rPr>
-              <a:t>Al elegir, Realizar Pago, deberá desplegar el total de comida de adultos, el total de comida de niños, así como el total general. El programa debe preguntar al usuario el porcentaje que desea agregar de propina. Al presentar el Total general, se debe desglosar la propina. El uso de la tarjeta debe solicitar un </a:t>
-            </a:r>
-            <a:r>
-              <a:rPr lang="es-MX" sz="1400" dirty="0" err="1">
-                <a:solidFill>
-                  <a:schemeClr val="bg2">
-                    <a:lumMod val="25000"/>
-                  </a:schemeClr>
-                </a:solidFill>
-                <a:latin typeface="Arial" pitchFamily="34" charset="0"/>
-                <a:cs typeface="Arial" pitchFamily="34" charset="0"/>
-              </a:rPr>
-              <a:t>password</a:t>
-            </a:r>
-            <a:r>
-              <a:rPr lang="es-MX" sz="1400" dirty="0">
-                <a:solidFill>
-                  <a:schemeClr val="bg2">
-                    <a:lumMod val="25000"/>
-                  </a:schemeClr>
-                </a:solidFill>
-                <a:latin typeface="Arial" pitchFamily="34" charset="0"/>
-                <a:cs typeface="Arial" pitchFamily="34" charset="0"/>
-              </a:rPr>
-              <a:t>, este debe coincidir con la clave con la que se ingresó al sistema.</a:t>
-            </a:r>
-          </a:p>
-          <a:p>
-            <a:pPr marL="0" indent="0" algn="just">
-              <a:lnSpc>
-                <a:spcPct val="120000"/>
-              </a:lnSpc>
-              <a:spcBef>
-                <a:spcPct val="0"/>
-              </a:spcBef>
-              <a:buNone/>
-            </a:pPr>
-            <a:endParaRPr lang="es-MX" sz="1400" dirty="0">
-              <a:solidFill>
-                <a:schemeClr val="bg2">
-                  <a:lumMod val="25000"/>
-                </a:schemeClr>
-              </a:solidFill>
-              <a:latin typeface="Arial" pitchFamily="34" charset="0"/>
-              <a:cs typeface="Arial" pitchFamily="34" charset="0"/>
-            </a:endParaRPr>
-          </a:p>
-          <a:p>
-            <a:pPr marL="0" indent="0" algn="just">
-              <a:lnSpc>
-                <a:spcPct val="120000"/>
-              </a:lnSpc>
-              <a:spcBef>
-                <a:spcPct val="0"/>
-              </a:spcBef>
-              <a:buNone/>
-            </a:pPr>
-            <a:r>
-              <a:rPr lang="es-MX" sz="1400" dirty="0">
-                <a:solidFill>
-                  <a:schemeClr val="bg2">
-                    <a:lumMod val="25000"/>
-                  </a:schemeClr>
-                </a:solidFill>
-                <a:latin typeface="Arial" pitchFamily="34" charset="0"/>
-                <a:cs typeface="Arial" pitchFamily="34" charset="0"/>
-              </a:rPr>
-              <a:t>Una vez descontado el total en la tarjeta de prepago, se manda un mensaje en pantalla de: Gracias por su compra. Si el usuario completa una compra de más de 500 pesos y pagó una propina mayor al 10%, se le debe mandar un mensaje en pantalla indicando que puede gozar de internet gratis por cortesía de la casa.</a:t>
-            </a:r>
-          </a:p>
-          <a:p>
-            <a:pPr marL="0" indent="0" algn="just">
-              <a:lnSpc>
-                <a:spcPct val="120000"/>
-              </a:lnSpc>
-              <a:spcBef>
-                <a:spcPct val="0"/>
-              </a:spcBef>
-              <a:buNone/>
-            </a:pPr>
-            <a:endParaRPr lang="es-MX" sz="1400" dirty="0">
-              <a:solidFill>
-                <a:schemeClr val="bg2">
-                  <a:lumMod val="25000"/>
-                </a:schemeClr>
-              </a:solidFill>
-              <a:latin typeface="Arial" pitchFamily="34" charset="0"/>
-              <a:cs typeface="Arial" pitchFamily="34" charset="0"/>
-            </a:endParaRPr>
-          </a:p>
-          <a:p>
-            <a:pPr marL="0" indent="0" algn="just">
-              <a:lnSpc>
-                <a:spcPct val="120000"/>
-              </a:lnSpc>
-              <a:spcBef>
-                <a:spcPct val="0"/>
-              </a:spcBef>
-              <a:buNone/>
-            </a:pPr>
-            <a:r>
-              <a:rPr lang="es-MX" sz="1400" dirty="0">
-                <a:solidFill>
-                  <a:schemeClr val="bg2">
-                    <a:lumMod val="25000"/>
-                  </a:schemeClr>
-                </a:solidFill>
-                <a:latin typeface="Arial" pitchFamily="34" charset="0"/>
-                <a:cs typeface="Arial" pitchFamily="34" charset="0"/>
-              </a:rPr>
-              <a:t>Si el usuario no tuviera dinero suficiente para pagar con su tarjeta de </a:t>
-            </a:r>
-            <a:r>
-              <a:rPr lang="es-MX" sz="1400" dirty="0" err="1">
-                <a:solidFill>
-                  <a:schemeClr val="bg2">
-                    <a:lumMod val="25000"/>
-                  </a:schemeClr>
-                </a:solidFill>
-                <a:latin typeface="Arial" pitchFamily="34" charset="0"/>
-                <a:cs typeface="Arial" pitchFamily="34" charset="0"/>
-              </a:rPr>
-              <a:t>pre-pago</a:t>
-            </a:r>
-            <a:r>
-              <a:rPr lang="es-MX" sz="1400" dirty="0">
-                <a:solidFill>
-                  <a:schemeClr val="bg2">
-                    <a:lumMod val="25000"/>
-                  </a:schemeClr>
-                </a:solidFill>
-                <a:latin typeface="Arial" pitchFamily="34" charset="0"/>
-                <a:cs typeface="Arial" pitchFamily="34" charset="0"/>
-              </a:rPr>
-              <a:t>, no se descuenta NADA y se regresa al menú principal, sugiriéndole que entre a la opción de Recarga Tarjeta de </a:t>
-            </a:r>
-            <a:r>
-              <a:rPr lang="es-MX" sz="1400" dirty="0" err="1">
-                <a:solidFill>
-                  <a:schemeClr val="bg2">
-                    <a:lumMod val="25000"/>
-                  </a:schemeClr>
-                </a:solidFill>
-                <a:latin typeface="Arial" pitchFamily="34" charset="0"/>
-                <a:cs typeface="Arial" pitchFamily="34" charset="0"/>
-              </a:rPr>
-              <a:t>PrePago</a:t>
-            </a:r>
-            <a:r>
-              <a:rPr lang="es-MX" sz="1400" dirty="0">
-                <a:solidFill>
-                  <a:schemeClr val="bg2">
-                    <a:lumMod val="25000"/>
-                  </a:schemeClr>
-                </a:solidFill>
-                <a:latin typeface="Arial" pitchFamily="34" charset="0"/>
-                <a:cs typeface="Arial" pitchFamily="34" charset="0"/>
-              </a:rPr>
-              <a:t>.</a:t>
-            </a:r>
-          </a:p>
-          <a:p>
-            <a:pPr marL="0" indent="0" algn="just">
-              <a:lnSpc>
-                <a:spcPct val="120000"/>
-              </a:lnSpc>
-              <a:spcBef>
-                <a:spcPct val="0"/>
-              </a:spcBef>
-              <a:buNone/>
-            </a:pPr>
-            <a:endParaRPr lang="es-MX" sz="1400" dirty="0">
-              <a:solidFill>
-                <a:schemeClr val="bg2">
-                  <a:lumMod val="25000"/>
-                </a:schemeClr>
-              </a:solidFill>
-              <a:latin typeface="Arial" pitchFamily="34" charset="0"/>
-              <a:cs typeface="Arial" pitchFamily="34" charset="0"/>
-            </a:endParaRPr>
-          </a:p>
-          <a:p>
-            <a:pPr marL="0" indent="0" algn="just">
-              <a:lnSpc>
-                <a:spcPct val="120000"/>
-              </a:lnSpc>
-              <a:spcBef>
-                <a:spcPct val="0"/>
-              </a:spcBef>
-              <a:buNone/>
-            </a:pPr>
-            <a:r>
-              <a:rPr lang="es-MX" sz="1400" dirty="0">
-                <a:solidFill>
-                  <a:schemeClr val="bg2">
-                    <a:lumMod val="25000"/>
-                  </a:schemeClr>
-                </a:solidFill>
-                <a:latin typeface="Arial" pitchFamily="34" charset="0"/>
-                <a:cs typeface="Arial" pitchFamily="34" charset="0"/>
-              </a:rPr>
-              <a:t>Las recargas son en números cerrados. $100.00, $250.00 y $500.00 pesos únicamente. SI el usuario recarga 3 veces $500 pesos se hará acreedor a $100 pesos que deberán ser sumados al saldo de su tarjeta de prepago.</a:t>
-            </a:r>
           </a:p>
         </p:txBody>
       </p:sp>
@@ -5141,7 +8021,7 @@
         </p:nvSpPr>
         <p:spPr>
           <a:xfrm>
-            <a:off x="302027" y="0"/>
+            <a:off x="457200" y="116632"/>
             <a:ext cx="8229600" cy="1143000"/>
           </a:xfrm>
         </p:spPr>
@@ -5168,7 +8048,7 @@
                 </a:effectLst>
                 <a:latin typeface="Dom Casual" charset="0"/>
               </a:rPr>
-              <a:t>Situación problema 1</a:t>
+              <a:t>Situación problema</a:t>
             </a:r>
             <a:br>
               <a:rPr lang="es-MX" b="1" dirty="0">
@@ -5199,7 +8079,7 @@
                 </a:effectLst>
                 <a:latin typeface="Dom Casual" charset="0"/>
               </a:rPr>
-              <a:t>Vacaciones con tarjeta de prepago</a:t>
+              <a:t>Primera entrega</a:t>
             </a:r>
           </a:p>
         </p:txBody>
@@ -5207,7 +8087,7 @@
     </p:spTree>
     <p:extLst>
       <p:ext uri="{BB962C8B-B14F-4D97-AF65-F5344CB8AC3E}">
-        <p14:creationId xmlns:p14="http://schemas.microsoft.com/office/powerpoint/2010/main" val="1339405024"/>
+        <p14:creationId xmlns:p14="http://schemas.microsoft.com/office/powerpoint/2010/main" val="3550217860"/>
       </p:ext>
     </p:extLst>
   </p:cSld>
@@ -5246,8 +8126,8 @@
         </p:nvSpPr>
         <p:spPr>
           <a:xfrm>
-            <a:off x="323528" y="2060848"/>
-            <a:ext cx="8111523" cy="3789548"/>
+            <a:off x="539552" y="1448780"/>
+            <a:ext cx="7992888" cy="4932548"/>
           </a:xfrm>
         </p:spPr>
         <p:txBody>
@@ -5256,162 +8136,252 @@
           </a:bodyPr>
           <a:lstStyle/>
           <a:p>
-            <a:pPr marL="400050" lvl="1" indent="0" algn="just">
+            <a:pPr marL="354013" indent="-296863" algn="just">
               <a:lnSpc>
-                <a:spcPct val="120000"/>
+                <a:spcPct val="170000"/>
               </a:lnSpc>
               <a:spcBef>
-                <a:spcPct val="0"/>
-              </a:spcBef>
-              <a:buNone/>
+                <a:spcPts val="0"/>
+              </a:spcBef>
+              <a:buFont typeface="+mj-lt"/>
+              <a:buAutoNum type="arabicPeriod" startAt="3"/>
             </a:pPr>
             <a:r>
-              <a:rPr lang="es-MX" sz="2400" dirty="0">
-                <a:solidFill>
-                  <a:schemeClr val="bg2">
-                    <a:lumMod val="25000"/>
-                  </a:schemeClr>
-                </a:solidFill>
-                <a:cs typeface="Arial" panose="020B0604020202020204" pitchFamily="34" charset="0"/>
-              </a:rPr>
-              <a:t>Escribe la función </a:t>
-            </a:r>
-            <a:r>
-              <a:rPr lang="es-MX" sz="2400" b="1" dirty="0" err="1">
-                <a:solidFill>
-                  <a:schemeClr val="bg2">
-                    <a:lumMod val="25000"/>
-                  </a:schemeClr>
-                </a:solidFill>
-                <a:cs typeface="Arial" panose="020B0604020202020204" pitchFamily="34" charset="0"/>
-              </a:rPr>
-              <a:t>compruebaClave</a:t>
-            </a:r>
-            <a:r>
-              <a:rPr lang="es-MX" sz="2400" b="1" dirty="0">
-                <a:solidFill>
-                  <a:schemeClr val="bg2">
-                    <a:lumMod val="25000"/>
-                  </a:schemeClr>
-                </a:solidFill>
-                <a:cs typeface="Arial" panose="020B0604020202020204" pitchFamily="34" charset="0"/>
-              </a:rPr>
-              <a:t>(</a:t>
-            </a:r>
-            <a:r>
-              <a:rPr lang="es-MX" sz="2400" b="1" dirty="0" err="1">
-                <a:solidFill>
-                  <a:schemeClr val="bg2">
-                    <a:lumMod val="25000"/>
-                  </a:schemeClr>
-                </a:solidFill>
-                <a:cs typeface="Arial" panose="020B0604020202020204" pitchFamily="34" charset="0"/>
-              </a:rPr>
-              <a:t>listaClaves</a:t>
-            </a:r>
-            <a:r>
-              <a:rPr lang="es-MX" sz="2400" b="1" dirty="0">
-                <a:solidFill>
-                  <a:schemeClr val="bg2">
-                    <a:lumMod val="25000"/>
-                  </a:schemeClr>
-                </a:solidFill>
-                <a:cs typeface="Arial" panose="020B0604020202020204" pitchFamily="34" charset="0"/>
-              </a:rPr>
-              <a:t>)</a:t>
-            </a:r>
-            <a:r>
-              <a:rPr lang="es-MX" sz="2400" dirty="0">
-                <a:solidFill>
-                  <a:schemeClr val="bg2">
-                    <a:lumMod val="25000"/>
-                  </a:schemeClr>
-                </a:solidFill>
-                <a:cs typeface="Arial" panose="020B0604020202020204" pitchFamily="34" charset="0"/>
-              </a:rPr>
-              <a:t>, que recibe la lista de claves permitidas (</a:t>
-            </a:r>
-            <a:r>
-              <a:rPr lang="es-MX" sz="2400" dirty="0" err="1">
-                <a:solidFill>
-                  <a:schemeClr val="bg2">
-                    <a:lumMod val="25000"/>
-                  </a:schemeClr>
-                </a:solidFill>
-                <a:cs typeface="Arial" panose="020B0604020202020204" pitchFamily="34" charset="0"/>
-              </a:rPr>
-              <a:t>listaClaves</a:t>
-            </a:r>
-            <a:r>
-              <a:rPr lang="es-MX" sz="2400" dirty="0">
-                <a:solidFill>
-                  <a:schemeClr val="bg2">
-                    <a:lumMod val="25000"/>
-                  </a:schemeClr>
-                </a:solidFill>
-                <a:cs typeface="Arial" panose="020B0604020202020204" pitchFamily="34" charset="0"/>
-              </a:rPr>
-              <a:t>). La función debe pedirle al usuario su clave y mediante un ciclo </a:t>
-            </a:r>
-            <a:r>
-              <a:rPr lang="es-MX" sz="2400" dirty="0" err="1">
-                <a:solidFill>
-                  <a:schemeClr val="bg2">
-                    <a:lumMod val="25000"/>
-                  </a:schemeClr>
-                </a:solidFill>
-                <a:cs typeface="Arial" panose="020B0604020202020204" pitchFamily="34" charset="0"/>
-              </a:rPr>
-              <a:t>while</a:t>
-            </a:r>
-            <a:r>
-              <a:rPr lang="es-MX" sz="2400" dirty="0">
-                <a:solidFill>
-                  <a:schemeClr val="bg2">
-                    <a:lumMod val="25000"/>
-                  </a:schemeClr>
-                </a:solidFill>
-                <a:cs typeface="Arial" panose="020B0604020202020204" pitchFamily="34" charset="0"/>
-              </a:rPr>
-              <a:t> debe comprobar que la clave esté dentro de la lista de claves permitidas, de lo contrario, imprimir </a:t>
-            </a:r>
-            <a:r>
-              <a:rPr lang="es-MX" sz="2400" b="1" dirty="0">
-                <a:solidFill>
-                  <a:schemeClr val="bg2">
-                    <a:lumMod val="25000"/>
-                  </a:schemeClr>
-                </a:solidFill>
-                <a:cs typeface="Arial" panose="020B0604020202020204" pitchFamily="34" charset="0"/>
-              </a:rPr>
-              <a:t>"Intenta de nuevo, introduce tu clave de acceso"</a:t>
-            </a:r>
-            <a:r>
-              <a:rPr lang="es-MX" sz="2400" dirty="0">
-                <a:solidFill>
-                  <a:schemeClr val="bg2">
-                    <a:lumMod val="25000"/>
-                  </a:schemeClr>
-                </a:solidFill>
-                <a:cs typeface="Arial" panose="020B0604020202020204" pitchFamily="34" charset="0"/>
-              </a:rPr>
-              <a:t>, hasta que introduzca una clave válida. Al final de tu función, imprime Bienvenido cuando la clave sea correcta.</a:t>
-            </a:r>
-          </a:p>
-          <a:p>
-            <a:pPr marL="400050" lvl="1" indent="0" algn="just">
-              <a:spcBef>
-                <a:spcPct val="0"/>
-              </a:spcBef>
-              <a:buNone/>
+              <a:rPr lang="es-ES" sz="1600" dirty="0">
+                <a:solidFill>
+                  <a:schemeClr val="bg2">
+                    <a:lumMod val="25000"/>
+                  </a:schemeClr>
+                </a:solidFill>
+                <a:latin typeface="Arial" pitchFamily="34" charset="0"/>
+                <a:cs typeface="Arial" pitchFamily="34" charset="0"/>
+              </a:rPr>
+              <a:t>Importar tu archivo de Excel a Python para iniciar a trabajar.</a:t>
+            </a:r>
+          </a:p>
+          <a:p>
+            <a:pPr indent="-285750" algn="just">
+              <a:lnSpc>
+                <a:spcPct val="170000"/>
+              </a:lnSpc>
+              <a:spcBef>
+                <a:spcPts val="0"/>
+              </a:spcBef>
+              <a:buFont typeface="+mj-lt"/>
+              <a:buAutoNum type="arabicPeriod" startAt="3"/>
             </a:pPr>
-            <a:endParaRPr lang="es-MX" sz="2400" dirty="0">
+            <a:r>
+              <a:rPr lang="es-ES" sz="1600" dirty="0">
+                <a:solidFill>
+                  <a:schemeClr val="bg2">
+                    <a:lumMod val="25000"/>
+                  </a:schemeClr>
+                </a:solidFill>
+                <a:latin typeface="Arial" pitchFamily="34" charset="0"/>
+                <a:cs typeface="Arial" pitchFamily="34" charset="0"/>
+              </a:rPr>
+              <a:t>Deberás generar al menos </a:t>
+            </a:r>
+            <a:r>
+              <a:rPr lang="es-ES" sz="1600" b="1" dirty="0">
+                <a:solidFill>
+                  <a:schemeClr val="bg2">
+                    <a:lumMod val="25000"/>
+                  </a:schemeClr>
+                </a:solidFill>
+                <a:latin typeface="Arial" pitchFamily="34" charset="0"/>
+                <a:cs typeface="Arial" pitchFamily="34" charset="0"/>
+              </a:rPr>
+              <a:t>4 preguntas </a:t>
+            </a:r>
+            <a:r>
+              <a:rPr lang="es-ES" sz="1600" dirty="0">
+                <a:solidFill>
+                  <a:schemeClr val="bg2">
+                    <a:lumMod val="25000"/>
+                  </a:schemeClr>
+                </a:solidFill>
+                <a:latin typeface="Arial" pitchFamily="34" charset="0"/>
+                <a:cs typeface="Arial" pitchFamily="34" charset="0"/>
+              </a:rPr>
+              <a:t>que detonen tu análisis, recuerda que cada integrante debe generar al menos una pregunta.</a:t>
+            </a:r>
+          </a:p>
+          <a:p>
+            <a:pPr indent="-285750" algn="just">
+              <a:lnSpc>
+                <a:spcPct val="170000"/>
+              </a:lnSpc>
+              <a:spcBef>
+                <a:spcPts val="0"/>
+              </a:spcBef>
+              <a:buFont typeface="+mj-lt"/>
+              <a:buAutoNum type="arabicPeriod" startAt="3"/>
+            </a:pPr>
+            <a:r>
+              <a:rPr lang="es-ES" sz="1600" dirty="0">
+                <a:solidFill>
+                  <a:schemeClr val="bg2">
+                    <a:lumMod val="25000"/>
+                  </a:schemeClr>
+                </a:solidFill>
+                <a:latin typeface="Arial" pitchFamily="34" charset="0"/>
+                <a:cs typeface="Arial" pitchFamily="34" charset="0"/>
+              </a:rPr>
+              <a:t>Por ejemplo, si tus datos son de ventas y tienes esta información, podrían ser:</a:t>
+            </a:r>
+          </a:p>
+          <a:p>
+            <a:pPr lvl="1" algn="just">
+              <a:lnSpc>
+                <a:spcPct val="170000"/>
+              </a:lnSpc>
+              <a:spcBef>
+                <a:spcPts val="0"/>
+              </a:spcBef>
+              <a:buFont typeface="+mj-lt"/>
+              <a:buAutoNum type="arabicPeriod" startAt="3"/>
+            </a:pPr>
+            <a:r>
+              <a:rPr lang="es-ES" sz="1200" dirty="0">
+                <a:solidFill>
+                  <a:schemeClr val="bg2">
+                    <a:lumMod val="25000"/>
+                  </a:schemeClr>
+                </a:solidFill>
+                <a:latin typeface="Arial" pitchFamily="34" charset="0"/>
+                <a:cs typeface="Arial" pitchFamily="34" charset="0"/>
+              </a:rPr>
+              <a:t>¿Cuáles son las sucursales que más venden?</a:t>
+            </a:r>
+          </a:p>
+          <a:p>
+            <a:pPr lvl="1" algn="just">
+              <a:lnSpc>
+                <a:spcPct val="170000"/>
+              </a:lnSpc>
+              <a:spcBef>
+                <a:spcPts val="0"/>
+              </a:spcBef>
+              <a:buFont typeface="+mj-lt"/>
+              <a:buAutoNum type="arabicPeriod" startAt="3"/>
+            </a:pPr>
+            <a:r>
+              <a:rPr lang="es-ES" sz="1200" dirty="0">
+                <a:solidFill>
+                  <a:schemeClr val="bg2">
+                    <a:lumMod val="25000"/>
+                  </a:schemeClr>
+                </a:solidFill>
+                <a:latin typeface="Arial" pitchFamily="34" charset="0"/>
+                <a:cs typeface="Arial" pitchFamily="34" charset="0"/>
+              </a:rPr>
+              <a:t>¿Cuáles son los productos más vendidos?</a:t>
+            </a:r>
+          </a:p>
+          <a:p>
+            <a:pPr lvl="1" algn="just">
+              <a:lnSpc>
+                <a:spcPct val="170000"/>
+              </a:lnSpc>
+              <a:spcBef>
+                <a:spcPts val="0"/>
+              </a:spcBef>
+              <a:buFont typeface="+mj-lt"/>
+              <a:buAutoNum type="arabicPeriod" startAt="3"/>
+            </a:pPr>
+            <a:r>
+              <a:rPr lang="es-ES" sz="1200" dirty="0">
+                <a:solidFill>
+                  <a:schemeClr val="bg2">
+                    <a:lumMod val="25000"/>
+                  </a:schemeClr>
+                </a:solidFill>
+                <a:latin typeface="Arial" pitchFamily="34" charset="0"/>
+                <a:cs typeface="Arial" pitchFamily="34" charset="0"/>
+              </a:rPr>
+              <a:t>¿Quiénes son mis mejores clientes?</a:t>
+            </a:r>
+          </a:p>
+          <a:p>
+            <a:pPr lvl="1" algn="just">
+              <a:lnSpc>
+                <a:spcPct val="170000"/>
+              </a:lnSpc>
+              <a:spcBef>
+                <a:spcPts val="0"/>
+              </a:spcBef>
+              <a:buFont typeface="+mj-lt"/>
+              <a:buAutoNum type="arabicPeriod" startAt="3"/>
+            </a:pPr>
+            <a:r>
+              <a:rPr lang="es-ES" sz="1200" dirty="0">
+                <a:solidFill>
+                  <a:schemeClr val="bg2">
+                    <a:lumMod val="25000"/>
+                  </a:schemeClr>
+                </a:solidFill>
+                <a:latin typeface="Arial" pitchFamily="34" charset="0"/>
+                <a:cs typeface="Arial" pitchFamily="34" charset="0"/>
+              </a:rPr>
+              <a:t>¿Cuál de mis proveedores tiene el mejor precio?</a:t>
+            </a:r>
+          </a:p>
+          <a:p>
+            <a:pPr indent="-285750" algn="just">
+              <a:lnSpc>
+                <a:spcPct val="170000"/>
+              </a:lnSpc>
+              <a:spcBef>
+                <a:spcPts val="0"/>
+              </a:spcBef>
+              <a:buFont typeface="+mj-lt"/>
+              <a:buAutoNum type="arabicPeriod" startAt="3"/>
+            </a:pPr>
+            <a:r>
+              <a:rPr lang="es-ES" sz="1600" dirty="0">
+                <a:solidFill>
+                  <a:schemeClr val="bg2">
+                    <a:lumMod val="25000"/>
+                  </a:schemeClr>
+                </a:solidFill>
+                <a:latin typeface="Arial" pitchFamily="34" charset="0"/>
+                <a:cs typeface="Arial" pitchFamily="34" charset="0"/>
+              </a:rPr>
+              <a:t>Con base a las preguntas que generaste, extraer la información suficiente y necesaria para dar respuesta a tus preguntas.</a:t>
+            </a:r>
+          </a:p>
+          <a:p>
+            <a:pPr indent="-285750" algn="just">
+              <a:lnSpc>
+                <a:spcPct val="170000"/>
+              </a:lnSpc>
+              <a:spcBef>
+                <a:spcPts val="0"/>
+              </a:spcBef>
+              <a:buFont typeface="+mj-lt"/>
+              <a:buAutoNum type="arabicPeriod" startAt="3"/>
+            </a:pPr>
+            <a:r>
+              <a:rPr lang="es-ES" sz="1600" dirty="0">
+                <a:solidFill>
+                  <a:schemeClr val="bg2">
+                    <a:lumMod val="25000"/>
+                  </a:schemeClr>
+                </a:solidFill>
+                <a:latin typeface="Arial" pitchFamily="34" charset="0"/>
+                <a:cs typeface="Arial" pitchFamily="34" charset="0"/>
+              </a:rPr>
+              <a:t>Aplicar la estadística descriptiva utilizando las herramientas de Python, para “ver la información” que no puedes ver a simple vista.</a:t>
+            </a:r>
+            <a:endParaRPr lang="es-MX" sz="1600" dirty="0">
               <a:solidFill>
                 <a:schemeClr val="bg2">
                   <a:lumMod val="25000"/>
                 </a:schemeClr>
               </a:solidFill>
-              <a:cs typeface="Arial" panose="020B0604020202020204" pitchFamily="34" charset="0"/>
+              <a:latin typeface="Arial" pitchFamily="34" charset="0"/>
+              <a:cs typeface="Arial" pitchFamily="34" charset="0"/>
             </a:endParaRPr>
           </a:p>
         </p:txBody>
@@ -5428,7 +8398,7 @@
         </p:nvSpPr>
         <p:spPr>
           <a:xfrm>
-            <a:off x="486733" y="404664"/>
+            <a:off x="457200" y="116632"/>
             <a:ext cx="8229600" cy="1143000"/>
           </a:xfrm>
         </p:spPr>
@@ -5455,7 +8425,7 @@
                 </a:effectLst>
                 <a:latin typeface="Dom Casual" charset="0"/>
               </a:rPr>
-              <a:t>Situación problema 1</a:t>
+              <a:t>Situación problema</a:t>
             </a:r>
             <a:br>
               <a:rPr lang="es-MX" b="1" dirty="0">
@@ -5486,7 +8456,7 @@
                 </a:effectLst>
                 <a:latin typeface="Dom Casual" charset="0"/>
               </a:rPr>
-              <a:t>Función: Comprueba clave de acceso</a:t>
+              <a:t>Segunda entrega</a:t>
             </a:r>
           </a:p>
         </p:txBody>
@@ -5494,7 +8464,7 @@
     </p:spTree>
     <p:extLst>
       <p:ext uri="{BB962C8B-B14F-4D97-AF65-F5344CB8AC3E}">
-        <p14:creationId xmlns:p14="http://schemas.microsoft.com/office/powerpoint/2010/main" val="85213697"/>
+        <p14:creationId xmlns:p14="http://schemas.microsoft.com/office/powerpoint/2010/main" val="2680330102"/>
       </p:ext>
     </p:extLst>
   </p:cSld>
@@ -5533,8 +8503,8 @@
         </p:nvSpPr>
         <p:spPr>
           <a:xfrm>
-            <a:off x="251520" y="1628800"/>
-            <a:ext cx="8892480" cy="4752528"/>
+            <a:off x="457200" y="1484784"/>
+            <a:ext cx="8147248" cy="5076564"/>
           </a:xfrm>
         </p:spPr>
         <p:txBody>
@@ -5543,313 +8513,295 @@
           </a:bodyPr>
           <a:lstStyle/>
           <a:p>
-            <a:pPr lvl="1" indent="-342900" algn="just">
+            <a:pPr marL="354013" indent="-296863" algn="just">
               <a:lnSpc>
-                <a:spcPct val="120000"/>
+                <a:spcPct val="170000"/>
               </a:lnSpc>
               <a:spcBef>
-                <a:spcPct val="0"/>
-              </a:spcBef>
-              <a:buFont typeface="Arial" panose="020B0604020202020204" pitchFamily="34" charset="0"/>
-              <a:buChar char="•"/>
+                <a:spcPts val="0"/>
+              </a:spcBef>
+              <a:buFont typeface="+mj-lt"/>
+              <a:buAutoNum type="arabicPeriod" startAt="8"/>
             </a:pPr>
             <a:r>
-              <a:rPr lang="es-MX" sz="2400" dirty="0">
-                <a:solidFill>
-                  <a:schemeClr val="bg2">
-                    <a:lumMod val="25000"/>
-                  </a:schemeClr>
-                </a:solidFill>
-                <a:cs typeface="Arial" panose="020B0604020202020204" pitchFamily="34" charset="0"/>
-              </a:rPr>
-              <a:t>En la función de </a:t>
-            </a:r>
-            <a:r>
-              <a:rPr lang="es-MX" sz="2400" b="1" dirty="0" err="1">
-                <a:solidFill>
-                  <a:schemeClr val="bg2">
-                    <a:lumMod val="25000"/>
-                  </a:schemeClr>
-                </a:solidFill>
-                <a:cs typeface="Arial" panose="020B0604020202020204" pitchFamily="34" charset="0"/>
-              </a:rPr>
-              <a:t>menuPrincipal</a:t>
-            </a:r>
-            <a:r>
-              <a:rPr lang="es-MX" sz="2400" b="1" dirty="0">
-                <a:solidFill>
-                  <a:schemeClr val="bg2">
-                    <a:lumMod val="25000"/>
-                  </a:schemeClr>
-                </a:solidFill>
-                <a:cs typeface="Arial" panose="020B0604020202020204" pitchFamily="34" charset="0"/>
-              </a:rPr>
-              <a:t>()</a:t>
-            </a:r>
-            <a:r>
-              <a:rPr lang="es-MX" sz="2400" dirty="0">
-                <a:solidFill>
-                  <a:schemeClr val="bg2">
-                    <a:lumMod val="25000"/>
-                  </a:schemeClr>
-                </a:solidFill>
-                <a:cs typeface="Arial" panose="020B0604020202020204" pitchFamily="34" charset="0"/>
-              </a:rPr>
-              <a:t>, agregar la opción 5 de salir:</a:t>
-            </a:r>
-          </a:p>
-          <a:p>
-            <a:pPr marL="800100" lvl="2" indent="0" algn="just">
+              <a:rPr lang="es-ES" sz="1600" dirty="0">
+                <a:solidFill>
+                  <a:schemeClr val="bg2">
+                    <a:lumMod val="25000"/>
+                  </a:schemeClr>
+                </a:solidFill>
+                <a:latin typeface="Arial" pitchFamily="34" charset="0"/>
+                <a:cs typeface="Arial" pitchFamily="34" charset="0"/>
+              </a:rPr>
+              <a:t>Representa la solución de tus preguntas detonadoras a través de gráficos. Sé creativo y muestra al menos 4 indicadores relevantes de los datos analizados.</a:t>
+            </a:r>
+          </a:p>
+          <a:p>
+            <a:pPr indent="-285750" algn="just">
               <a:lnSpc>
-                <a:spcPct val="120000"/>
+                <a:spcPct val="170000"/>
               </a:lnSpc>
               <a:spcBef>
-                <a:spcPct val="0"/>
-              </a:spcBef>
-              <a:buNone/>
+                <a:spcPts val="0"/>
+              </a:spcBef>
+              <a:buFont typeface="+mj-lt"/>
+              <a:buAutoNum type="arabicPeriod" startAt="8"/>
             </a:pPr>
             <a:r>
-              <a:rPr lang="es-MX" dirty="0">
-                <a:solidFill>
-                  <a:schemeClr val="bg2">
-                    <a:lumMod val="25000"/>
-                  </a:schemeClr>
-                </a:solidFill>
-                <a:cs typeface="Arial" panose="020B0604020202020204" pitchFamily="34" charset="0"/>
-              </a:rPr>
-              <a:t>1. Menú de adulto</a:t>
-            </a:r>
-          </a:p>
-          <a:p>
-            <a:pPr marL="800100" lvl="2" indent="0" algn="just">
+              <a:rPr lang="es-ES" sz="1600" dirty="0">
+                <a:solidFill>
+                  <a:schemeClr val="bg2">
+                    <a:lumMod val="25000"/>
+                  </a:schemeClr>
+                </a:solidFill>
+                <a:latin typeface="Arial" pitchFamily="34" charset="0"/>
+                <a:cs typeface="Arial" pitchFamily="34" charset="0"/>
+              </a:rPr>
+              <a:t>Genera tu propuesta de acciones que aporten valor a las estrategias que deberá tomar el negocio, esto de acuerdo a la problemática planteada.</a:t>
+            </a:r>
+          </a:p>
+          <a:p>
+            <a:pPr indent="-285750" algn="just">
               <a:lnSpc>
-                <a:spcPct val="120000"/>
+                <a:spcPct val="170000"/>
               </a:lnSpc>
               <a:spcBef>
-                <a:spcPct val="0"/>
-              </a:spcBef>
-              <a:buNone/>
+                <a:spcPts val="0"/>
+              </a:spcBef>
+              <a:buFont typeface="+mj-lt"/>
+              <a:buAutoNum type="arabicPeriod" startAt="8"/>
             </a:pPr>
             <a:r>
-              <a:rPr lang="es-MX" dirty="0">
-                <a:solidFill>
-                  <a:schemeClr val="bg2">
-                    <a:lumMod val="25000"/>
-                  </a:schemeClr>
-                </a:solidFill>
-                <a:cs typeface="Arial" panose="020B0604020202020204" pitchFamily="34" charset="0"/>
-              </a:rPr>
-              <a:t>2. Menú de niño</a:t>
-            </a:r>
-          </a:p>
-          <a:p>
-            <a:pPr marL="800100" lvl="2" indent="0" algn="just">
+              <a:rPr lang="es-ES" sz="1600" dirty="0">
+                <a:solidFill>
+                  <a:schemeClr val="bg2">
+                    <a:lumMod val="25000"/>
+                  </a:schemeClr>
+                </a:solidFill>
+                <a:latin typeface="Arial" pitchFamily="34" charset="0"/>
+                <a:cs typeface="Arial" pitchFamily="34" charset="0"/>
+              </a:rPr>
+              <a:t>Deberás especificar las acciones del código de Ética que aplicarás en la solución planteada.</a:t>
+            </a:r>
+          </a:p>
+          <a:p>
+            <a:pPr lvl="1" algn="just">
               <a:lnSpc>
-                <a:spcPct val="120000"/>
+                <a:spcPct val="170000"/>
               </a:lnSpc>
               <a:spcBef>
-                <a:spcPct val="0"/>
-              </a:spcBef>
-              <a:buNone/>
+                <a:spcPts val="0"/>
+              </a:spcBef>
             </a:pPr>
             <a:r>
-              <a:rPr lang="es-MX" dirty="0">
-                <a:solidFill>
-                  <a:schemeClr val="bg2">
-                    <a:lumMod val="25000"/>
-                  </a:schemeClr>
-                </a:solidFill>
-                <a:cs typeface="Arial" panose="020B0604020202020204" pitchFamily="34" charset="0"/>
-              </a:rPr>
-              <a:t>3. Realizar pago</a:t>
-            </a:r>
-          </a:p>
-          <a:p>
-            <a:pPr marL="800100" lvl="2" indent="0" algn="just">
-              <a:lnSpc>
-                <a:spcPct val="120000"/>
-              </a:lnSpc>
-              <a:spcBef>
-                <a:spcPct val="0"/>
-              </a:spcBef>
-              <a:buNone/>
-            </a:pPr>
-            <a:r>
-              <a:rPr lang="es-MX" dirty="0">
-                <a:solidFill>
-                  <a:schemeClr val="bg2">
-                    <a:lumMod val="25000"/>
-                  </a:schemeClr>
-                </a:solidFill>
-                <a:cs typeface="Arial" panose="020B0604020202020204" pitchFamily="34" charset="0"/>
-              </a:rPr>
-              <a:t>4. Recarga de tarjeta</a:t>
-            </a:r>
-          </a:p>
-          <a:p>
-            <a:pPr marL="800100" lvl="2" indent="0" algn="just">
-              <a:lnSpc>
-                <a:spcPct val="120000"/>
-              </a:lnSpc>
-              <a:spcBef>
-                <a:spcPct val="0"/>
-              </a:spcBef>
-              <a:buNone/>
-            </a:pPr>
-            <a:r>
-              <a:rPr lang="es-MX" b="1" dirty="0">
-                <a:solidFill>
-                  <a:srgbClr val="FF0000"/>
-                </a:solidFill>
-                <a:cs typeface="Arial" panose="020B0604020202020204" pitchFamily="34" charset="0"/>
-              </a:rPr>
-              <a:t>5. Salir</a:t>
-            </a:r>
-          </a:p>
-          <a:p>
-            <a:pPr lvl="1" indent="-342900" algn="just">
-              <a:lnSpc>
-                <a:spcPct val="120000"/>
-              </a:lnSpc>
-              <a:spcBef>
-                <a:spcPct val="0"/>
-              </a:spcBef>
-              <a:buFont typeface="Arial" panose="020B0604020202020204" pitchFamily="34" charset="0"/>
-              <a:buChar char="•"/>
-            </a:pPr>
-            <a:r>
-              <a:rPr lang="es-MX" sz="2400" dirty="0">
-                <a:solidFill>
-                  <a:schemeClr val="bg2">
-                    <a:lumMod val="25000"/>
-                  </a:schemeClr>
-                </a:solidFill>
-                <a:cs typeface="Arial" panose="020B0604020202020204" pitchFamily="34" charset="0"/>
-              </a:rPr>
-              <a:t>Pedir al usuario que seleccione una opción.</a:t>
-            </a:r>
-          </a:p>
-          <a:p>
-            <a:pPr lvl="1" indent="-342900" algn="just">
-              <a:lnSpc>
-                <a:spcPct val="120000"/>
-              </a:lnSpc>
-              <a:spcBef>
-                <a:spcPct val="0"/>
-              </a:spcBef>
-              <a:buFont typeface="Arial" panose="020B0604020202020204" pitchFamily="34" charset="0"/>
-              <a:buChar char="•"/>
-            </a:pPr>
-            <a:r>
-              <a:rPr lang="es-MX" sz="2400" b="1" u="sng" dirty="0">
-                <a:solidFill>
-                  <a:schemeClr val="bg2">
-                    <a:lumMod val="25000"/>
-                  </a:schemeClr>
-                </a:solidFill>
-                <a:cs typeface="Arial" panose="020B0604020202020204" pitchFamily="34" charset="0"/>
-              </a:rPr>
-              <a:t>Regresar la opción </a:t>
-            </a:r>
-            <a:r>
-              <a:rPr lang="es-MX" sz="2400" dirty="0">
-                <a:solidFill>
-                  <a:schemeClr val="bg2">
-                    <a:lumMod val="25000"/>
-                  </a:schemeClr>
-                </a:solidFill>
-                <a:cs typeface="Arial" panose="020B0604020202020204" pitchFamily="34" charset="0"/>
-              </a:rPr>
-              <a:t>seleccionada por el usuario.</a:t>
-            </a:r>
-          </a:p>
-          <a:p>
-            <a:pPr lvl="1" indent="-342900" algn="just">
-              <a:lnSpc>
-                <a:spcPct val="120000"/>
-              </a:lnSpc>
-              <a:spcBef>
-                <a:spcPct val="0"/>
-              </a:spcBef>
-              <a:buFont typeface="Arial" panose="020B0604020202020204" pitchFamily="34" charset="0"/>
-              <a:buChar char="•"/>
-            </a:pPr>
-            <a:endParaRPr lang="es-MX" sz="2400" dirty="0">
+              <a:rPr lang="es-ES" sz="1600" dirty="0">
+                <a:solidFill>
+                  <a:schemeClr val="bg2">
+                    <a:lumMod val="25000"/>
+                  </a:schemeClr>
+                </a:solidFill>
+                <a:latin typeface="Arial" pitchFamily="34" charset="0"/>
+                <a:cs typeface="Arial" pitchFamily="34" charset="0"/>
+              </a:rPr>
+              <a:t>Código de ética CACEI: </a:t>
+            </a:r>
+            <a:r>
+              <a:rPr lang="es-ES" sz="1600" dirty="0">
+                <a:solidFill>
+                  <a:schemeClr val="bg2">
+                    <a:lumMod val="25000"/>
+                  </a:schemeClr>
+                </a:solidFill>
+                <a:latin typeface="Arial" pitchFamily="34" charset="0"/>
+                <a:cs typeface="Arial" pitchFamily="34" charset="0"/>
+                <a:hlinkClick r:id="rId2"/>
+              </a:rPr>
+              <a:t>http://www.cacei.org/docs/codigo_etica.pdf</a:t>
+            </a:r>
+            <a:endParaRPr lang="es-ES" sz="1600" dirty="0">
               <a:solidFill>
                 <a:schemeClr val="bg2">
                   <a:lumMod val="25000"/>
                 </a:schemeClr>
               </a:solidFill>
-              <a:cs typeface="Arial" panose="020B0604020202020204" pitchFamily="34" charset="0"/>
+              <a:latin typeface="Arial" pitchFamily="34" charset="0"/>
+              <a:cs typeface="Arial" pitchFamily="34" charset="0"/>
             </a:endParaRPr>
           </a:p>
           <a:p>
-            <a:pPr marL="400050" lvl="1" indent="0" algn="just">
+            <a:pPr lvl="1" algn="just">
               <a:lnSpc>
-                <a:spcPct val="120000"/>
+                <a:spcPct val="170000"/>
               </a:lnSpc>
               <a:spcBef>
-                <a:spcPct val="0"/>
-              </a:spcBef>
-              <a:buNone/>
+                <a:spcPts val="0"/>
+              </a:spcBef>
             </a:pPr>
             <a:r>
-              <a:rPr lang="es-MX" sz="2400" dirty="0">
-                <a:solidFill>
-                  <a:schemeClr val="bg2">
-                    <a:lumMod val="25000"/>
-                  </a:schemeClr>
-                </a:solidFill>
-                <a:cs typeface="Arial" panose="020B0604020202020204" pitchFamily="34" charset="0"/>
-              </a:rPr>
-              <a:t>Guardar archivo como </a:t>
-            </a:r>
-            <a:r>
-              <a:rPr lang="es-MX" sz="2400" b="1" dirty="0">
-                <a:solidFill>
-                  <a:schemeClr val="accent6">
-                    <a:lumMod val="75000"/>
-                  </a:schemeClr>
-                </a:solidFill>
-                <a:cs typeface="Arial" panose="020B0604020202020204" pitchFamily="34" charset="0"/>
-              </a:rPr>
-              <a:t>situacion1_matricula.py</a:t>
-            </a:r>
-          </a:p>
-          <a:p>
-            <a:pPr lvl="1" indent="-342900" algn="just">
-              <a:lnSpc>
-                <a:spcPct val="120000"/>
-              </a:lnSpc>
-              <a:spcBef>
-                <a:spcPct val="0"/>
-              </a:spcBef>
-              <a:buFont typeface="Arial" panose="020B0604020202020204" pitchFamily="34" charset="0"/>
-              <a:buChar char="•"/>
-            </a:pPr>
-            <a:endParaRPr lang="es-MX" sz="2400" dirty="0">
+              <a:rPr lang="es-ES" sz="1600" dirty="0" err="1">
+                <a:solidFill>
+                  <a:schemeClr val="bg2">
+                    <a:lumMod val="25000"/>
+                  </a:schemeClr>
+                </a:solidFill>
+                <a:latin typeface="Arial" pitchFamily="34" charset="0"/>
+                <a:cs typeface="Arial" pitchFamily="34" charset="0"/>
+              </a:rPr>
+              <a:t>The</a:t>
+            </a:r>
+            <a:r>
+              <a:rPr lang="es-ES" sz="1600" dirty="0">
+                <a:solidFill>
+                  <a:schemeClr val="bg2">
+                    <a:lumMod val="25000"/>
+                  </a:schemeClr>
+                </a:solidFill>
+                <a:latin typeface="Arial" pitchFamily="34" charset="0"/>
+                <a:cs typeface="Arial" pitchFamily="34" charset="0"/>
+              </a:rPr>
+              <a:t> Software </a:t>
+            </a:r>
+            <a:r>
+              <a:rPr lang="es-ES" sz="1600" dirty="0" err="1">
+                <a:solidFill>
+                  <a:schemeClr val="bg2">
+                    <a:lumMod val="25000"/>
+                  </a:schemeClr>
+                </a:solidFill>
+                <a:latin typeface="Arial" pitchFamily="34" charset="0"/>
+                <a:cs typeface="Arial" pitchFamily="34" charset="0"/>
+              </a:rPr>
+              <a:t>Engineering</a:t>
+            </a:r>
+            <a:r>
+              <a:rPr lang="es-ES" sz="1600" dirty="0">
+                <a:solidFill>
+                  <a:schemeClr val="bg2">
+                    <a:lumMod val="25000"/>
+                  </a:schemeClr>
+                </a:solidFill>
+                <a:latin typeface="Arial" pitchFamily="34" charset="0"/>
+                <a:cs typeface="Arial" pitchFamily="34" charset="0"/>
+              </a:rPr>
+              <a:t> </a:t>
+            </a:r>
+            <a:r>
+              <a:rPr lang="es-ES" sz="1600" dirty="0" err="1">
+                <a:solidFill>
+                  <a:schemeClr val="bg2">
+                    <a:lumMod val="25000"/>
+                  </a:schemeClr>
+                </a:solidFill>
+                <a:latin typeface="Arial" pitchFamily="34" charset="0"/>
+                <a:cs typeface="Arial" pitchFamily="34" charset="0"/>
+              </a:rPr>
+              <a:t>Code</a:t>
+            </a:r>
+            <a:r>
+              <a:rPr lang="es-ES" sz="1600" dirty="0">
+                <a:solidFill>
+                  <a:schemeClr val="bg2">
+                    <a:lumMod val="25000"/>
+                  </a:schemeClr>
+                </a:solidFill>
+                <a:latin typeface="Arial" pitchFamily="34" charset="0"/>
+                <a:cs typeface="Arial" pitchFamily="34" charset="0"/>
+              </a:rPr>
+              <a:t> </a:t>
+            </a:r>
+            <a:r>
+              <a:rPr lang="es-ES" sz="1600" dirty="0" err="1">
+                <a:solidFill>
+                  <a:schemeClr val="bg2">
+                    <a:lumMod val="25000"/>
+                  </a:schemeClr>
+                </a:solidFill>
+                <a:latin typeface="Arial" pitchFamily="34" charset="0"/>
+                <a:cs typeface="Arial" pitchFamily="34" charset="0"/>
+              </a:rPr>
+              <a:t>of</a:t>
+            </a:r>
+            <a:r>
+              <a:rPr lang="es-ES" sz="1600" dirty="0">
+                <a:solidFill>
+                  <a:schemeClr val="bg2">
+                    <a:lumMod val="25000"/>
+                  </a:schemeClr>
+                </a:solidFill>
+                <a:latin typeface="Arial" pitchFamily="34" charset="0"/>
+                <a:cs typeface="Arial" pitchFamily="34" charset="0"/>
+              </a:rPr>
+              <a:t> </a:t>
+            </a:r>
+            <a:r>
+              <a:rPr lang="es-ES" sz="1600" dirty="0" err="1">
+                <a:solidFill>
+                  <a:schemeClr val="bg2">
+                    <a:lumMod val="25000"/>
+                  </a:schemeClr>
+                </a:solidFill>
+                <a:latin typeface="Arial" pitchFamily="34" charset="0"/>
+                <a:cs typeface="Arial" pitchFamily="34" charset="0"/>
+              </a:rPr>
+              <a:t>Ethics</a:t>
+            </a:r>
+            <a:r>
+              <a:rPr lang="es-ES" sz="1600" dirty="0">
+                <a:solidFill>
+                  <a:schemeClr val="bg2">
+                    <a:lumMod val="25000"/>
+                  </a:schemeClr>
+                </a:solidFill>
+                <a:latin typeface="Arial" pitchFamily="34" charset="0"/>
+                <a:cs typeface="Arial" pitchFamily="34" charset="0"/>
+              </a:rPr>
+              <a:t> and Professional </a:t>
+            </a:r>
+            <a:r>
+              <a:rPr lang="es-ES" sz="1600" dirty="0" err="1">
+                <a:solidFill>
+                  <a:schemeClr val="bg2">
+                    <a:lumMod val="25000"/>
+                  </a:schemeClr>
+                </a:solidFill>
+                <a:latin typeface="Arial" pitchFamily="34" charset="0"/>
+                <a:cs typeface="Arial" pitchFamily="34" charset="0"/>
+              </a:rPr>
+              <a:t>Practice</a:t>
+            </a:r>
+            <a:r>
+              <a:rPr lang="es-ES" sz="1600" dirty="0">
+                <a:solidFill>
+                  <a:schemeClr val="bg2">
+                    <a:lumMod val="25000"/>
+                  </a:schemeClr>
+                </a:solidFill>
+                <a:latin typeface="Arial" pitchFamily="34" charset="0"/>
+                <a:cs typeface="Arial" pitchFamily="34" charset="0"/>
+              </a:rPr>
+              <a:t> - ACM/IEEE-CS:  </a:t>
+            </a:r>
+            <a:r>
+              <a:rPr lang="es-ES" sz="1600" dirty="0">
+                <a:solidFill>
+                  <a:schemeClr val="bg2">
+                    <a:lumMod val="25000"/>
+                  </a:schemeClr>
+                </a:solidFill>
+                <a:latin typeface="Arial" pitchFamily="34" charset="0"/>
+                <a:cs typeface="Arial" pitchFamily="34" charset="0"/>
+                <a:hlinkClick r:id="rId3"/>
+              </a:rPr>
+              <a:t>https://ethics.acm.org/code-of-ethics/software-engineering-code/</a:t>
+            </a:r>
+            <a:endParaRPr lang="es-MX" sz="1600" dirty="0">
               <a:solidFill>
                 <a:schemeClr val="bg2">
                   <a:lumMod val="25000"/>
                 </a:schemeClr>
               </a:solidFill>
-              <a:cs typeface="Arial" panose="020B0604020202020204" pitchFamily="34" charset="0"/>
-            </a:endParaRPr>
-          </a:p>
-          <a:p>
-            <a:pPr marL="400050" lvl="1" indent="0" algn="just">
-              <a:spcBef>
-                <a:spcPct val="0"/>
-              </a:spcBef>
-              <a:buNone/>
-            </a:pPr>
-            <a:endParaRPr lang="es-MX" sz="2400" dirty="0">
-              <a:solidFill>
-                <a:schemeClr val="bg2">
-                  <a:lumMod val="25000"/>
-                </a:schemeClr>
-              </a:solidFill>
-              <a:cs typeface="Arial" panose="020B0604020202020204" pitchFamily="34" charset="0"/>
+              <a:latin typeface="Arial" pitchFamily="34" charset="0"/>
+              <a:cs typeface="Arial" pitchFamily="34" charset="0"/>
             </a:endParaRPr>
           </a:p>
         </p:txBody>
@@ -5866,7 +8818,7 @@
         </p:nvSpPr>
         <p:spPr>
           <a:xfrm>
-            <a:off x="457200" y="188640"/>
+            <a:off x="457200" y="116632"/>
             <a:ext cx="8229600" cy="1143000"/>
           </a:xfrm>
         </p:spPr>
@@ -5893,7 +8845,7 @@
                 </a:effectLst>
                 <a:latin typeface="Dom Casual" charset="0"/>
               </a:rPr>
-              <a:t>Situación problema 1</a:t>
+              <a:t>Situación problema</a:t>
             </a:r>
             <a:br>
               <a:rPr lang="es-MX" b="1" dirty="0">
@@ -5924,7 +8876,7 @@
                 </a:effectLst>
                 <a:latin typeface="Dom Casual" charset="0"/>
               </a:rPr>
-              <a:t>Función: Menú principal</a:t>
+              <a:t>Segunda entrega</a:t>
             </a:r>
           </a:p>
         </p:txBody>
@@ -5932,7 +8884,7 @@
     </p:spTree>
     <p:extLst>
       <p:ext uri="{BB962C8B-B14F-4D97-AF65-F5344CB8AC3E}">
-        <p14:creationId xmlns:p14="http://schemas.microsoft.com/office/powerpoint/2010/main" val="2079552703"/>
+        <p14:creationId xmlns:p14="http://schemas.microsoft.com/office/powerpoint/2010/main" val="3734763544"/>
       </p:ext>
     </p:extLst>
   </p:cSld>
@@ -5961,431 +8913,6 @@
       </p:grpSpPr>
       <p:sp>
         <p:nvSpPr>
-          <p:cNvPr id="4098" name="Rectangle 2"/>
-          <p:cNvSpPr>
-            <a:spLocks noGrp="1" noChangeArrowheads="1"/>
-          </p:cNvSpPr>
-          <p:nvPr>
-            <p:ph type="body" idx="1"/>
-          </p:nvPr>
-        </p:nvSpPr>
-        <p:spPr>
-          <a:xfrm>
-            <a:off x="168355" y="1772816"/>
-            <a:ext cx="8496944" cy="4104456"/>
-          </a:xfrm>
-        </p:spPr>
-        <p:txBody>
-          <a:bodyPr>
-            <a:noAutofit/>
-          </a:bodyPr>
-          <a:lstStyle/>
-          <a:p>
-            <a:pPr marL="685800" lvl="1" algn="just">
-              <a:lnSpc>
-                <a:spcPct val="120000"/>
-              </a:lnSpc>
-              <a:spcBef>
-                <a:spcPts val="600"/>
-              </a:spcBef>
-              <a:buFont typeface="Arial" panose="020B0604020202020204" pitchFamily="34" charset="0"/>
-              <a:buChar char="•"/>
-            </a:pPr>
-            <a:r>
-              <a:rPr lang="es-MX" sz="2200" dirty="0">
-                <a:solidFill>
-                  <a:schemeClr val="bg2">
-                    <a:lumMod val="25000"/>
-                  </a:schemeClr>
-                </a:solidFill>
-                <a:cs typeface="Arial" panose="020B0604020202020204" pitchFamily="34" charset="0"/>
-              </a:rPr>
-              <a:t>En la función </a:t>
-            </a:r>
-            <a:r>
-              <a:rPr lang="es-MX" sz="2200" b="1" dirty="0" err="1">
-                <a:solidFill>
-                  <a:schemeClr val="bg2">
-                    <a:lumMod val="25000"/>
-                  </a:schemeClr>
-                </a:solidFill>
-                <a:cs typeface="Arial" panose="020B0604020202020204" pitchFamily="34" charset="0"/>
-              </a:rPr>
-              <a:t>realizarPago</a:t>
-            </a:r>
-            <a:r>
-              <a:rPr lang="es-MX" sz="2200" b="1" dirty="0">
-                <a:solidFill>
-                  <a:schemeClr val="bg2">
-                    <a:lumMod val="25000"/>
-                  </a:schemeClr>
-                </a:solidFill>
-                <a:cs typeface="Arial" panose="020B0604020202020204" pitchFamily="34" charset="0"/>
-              </a:rPr>
-              <a:t>(</a:t>
-            </a:r>
-            <a:r>
-              <a:rPr lang="es-MX" sz="2200" b="1" dirty="0" err="1">
-                <a:solidFill>
-                  <a:schemeClr val="bg2">
-                    <a:lumMod val="25000"/>
-                  </a:schemeClr>
-                </a:solidFill>
-                <a:cs typeface="Arial" panose="020B0604020202020204" pitchFamily="34" charset="0"/>
-              </a:rPr>
-              <a:t>totalComAdulto</a:t>
-            </a:r>
-            <a:r>
-              <a:rPr lang="es-MX" sz="2200" b="1" dirty="0">
-                <a:solidFill>
-                  <a:schemeClr val="bg2">
-                    <a:lumMod val="25000"/>
-                  </a:schemeClr>
-                </a:solidFill>
-                <a:cs typeface="Arial" panose="020B0604020202020204" pitchFamily="34" charset="0"/>
-              </a:rPr>
-              <a:t>, </a:t>
-            </a:r>
-            <a:r>
-              <a:rPr lang="es-MX" sz="2200" b="1" dirty="0" err="1">
-                <a:solidFill>
-                  <a:schemeClr val="bg2">
-                    <a:lumMod val="25000"/>
-                  </a:schemeClr>
-                </a:solidFill>
-                <a:cs typeface="Arial" panose="020B0604020202020204" pitchFamily="34" charset="0"/>
-              </a:rPr>
-              <a:t>totalComNino</a:t>
-            </a:r>
-            <a:r>
-              <a:rPr lang="es-MX" sz="2200" b="1" dirty="0">
-                <a:solidFill>
-                  <a:schemeClr val="bg2">
-                    <a:lumMod val="25000"/>
-                  </a:schemeClr>
-                </a:solidFill>
-                <a:cs typeface="Arial" panose="020B0604020202020204" pitchFamily="34" charset="0"/>
-              </a:rPr>
-              <a:t>, </a:t>
-            </a:r>
-            <a:r>
-              <a:rPr lang="es-MX" sz="2200" b="1" dirty="0" err="1">
-                <a:solidFill>
-                  <a:schemeClr val="bg2">
-                    <a:lumMod val="25000"/>
-                  </a:schemeClr>
-                </a:solidFill>
-                <a:cs typeface="Arial" panose="020B0604020202020204" pitchFamily="34" charset="0"/>
-              </a:rPr>
-              <a:t>saldoTarjeta</a:t>
-            </a:r>
-            <a:r>
-              <a:rPr lang="es-MX" sz="2200" b="1" dirty="0">
-                <a:solidFill>
-                  <a:schemeClr val="bg2">
-                    <a:lumMod val="25000"/>
-                  </a:schemeClr>
-                </a:solidFill>
-                <a:cs typeface="Arial" panose="020B0604020202020204" pitchFamily="34" charset="0"/>
-              </a:rPr>
-              <a:t>, </a:t>
-            </a:r>
-            <a:r>
-              <a:rPr lang="es-MX" sz="2200" b="1" dirty="0" err="1">
-                <a:solidFill>
-                  <a:srgbClr val="FF0000"/>
-                </a:solidFill>
-                <a:cs typeface="Arial" panose="020B0604020202020204" pitchFamily="34" charset="0"/>
-              </a:rPr>
-              <a:t>listaClaves</a:t>
-            </a:r>
-            <a:r>
-              <a:rPr lang="es-MX" sz="2200" b="1" dirty="0">
-                <a:solidFill>
-                  <a:schemeClr val="bg2">
-                    <a:lumMod val="25000"/>
-                  </a:schemeClr>
-                </a:solidFill>
-                <a:cs typeface="Arial" panose="020B0604020202020204" pitchFamily="34" charset="0"/>
-              </a:rPr>
-              <a:t>)</a:t>
-            </a:r>
-            <a:r>
-              <a:rPr lang="es-MX" sz="2200" dirty="0">
-                <a:solidFill>
-                  <a:schemeClr val="bg2">
-                    <a:lumMod val="25000"/>
-                  </a:schemeClr>
-                </a:solidFill>
-                <a:cs typeface="Arial" panose="020B0604020202020204" pitchFamily="34" charset="0"/>
-              </a:rPr>
-              <a:t>, agrega en los parámetros de entrada la lista de claves válidas (</a:t>
-            </a:r>
-            <a:r>
-              <a:rPr lang="es-MX" sz="2200" dirty="0" err="1">
-                <a:solidFill>
-                  <a:schemeClr val="bg2">
-                    <a:lumMod val="25000"/>
-                  </a:schemeClr>
-                </a:solidFill>
-                <a:cs typeface="Arial" panose="020B0604020202020204" pitchFamily="34" charset="0"/>
-              </a:rPr>
-              <a:t>listaClaves</a:t>
-            </a:r>
-            <a:r>
-              <a:rPr lang="es-MX" sz="2200" dirty="0">
-                <a:solidFill>
-                  <a:schemeClr val="bg2">
-                    <a:lumMod val="25000"/>
-                  </a:schemeClr>
-                </a:solidFill>
-                <a:cs typeface="Arial" panose="020B0604020202020204" pitchFamily="34" charset="0"/>
-              </a:rPr>
-              <a:t>).</a:t>
-            </a:r>
-          </a:p>
-          <a:p>
-            <a:pPr marL="685800" lvl="1" algn="just">
-              <a:lnSpc>
-                <a:spcPct val="120000"/>
-              </a:lnSpc>
-              <a:spcBef>
-                <a:spcPts val="600"/>
-              </a:spcBef>
-              <a:buFont typeface="Arial" panose="020B0604020202020204" pitchFamily="34" charset="0"/>
-              <a:buChar char="•"/>
-            </a:pPr>
-            <a:r>
-              <a:rPr lang="es-MX" sz="2200" dirty="0">
-                <a:solidFill>
-                  <a:schemeClr val="bg2">
-                    <a:lumMod val="25000"/>
-                  </a:schemeClr>
-                </a:solidFill>
-                <a:cs typeface="Arial" panose="020B0604020202020204" pitchFamily="34" charset="0"/>
-              </a:rPr>
-              <a:t>Si el usuario tiene saldo suficiente para pagar el </a:t>
-            </a:r>
-            <a:r>
-              <a:rPr lang="es-MX" sz="2200" dirty="0" err="1">
-                <a:solidFill>
-                  <a:schemeClr val="bg2">
-                    <a:lumMod val="25000"/>
-                  </a:schemeClr>
-                </a:solidFill>
-                <a:cs typeface="Arial" panose="020B0604020202020204" pitchFamily="34" charset="0"/>
-              </a:rPr>
-              <a:t>totalGeneral</a:t>
-            </a:r>
-            <a:r>
-              <a:rPr lang="es-MX" sz="2200" dirty="0">
-                <a:solidFill>
-                  <a:schemeClr val="bg2">
-                    <a:lumMod val="25000"/>
-                  </a:schemeClr>
-                </a:solidFill>
-                <a:cs typeface="Arial" panose="020B0604020202020204" pitchFamily="34" charset="0"/>
-              </a:rPr>
-              <a:t>, mandar llamar la función </a:t>
-            </a:r>
-            <a:r>
-              <a:rPr lang="es-MX" sz="2200" b="1" dirty="0" err="1">
-                <a:solidFill>
-                  <a:schemeClr val="bg2">
-                    <a:lumMod val="25000"/>
-                  </a:schemeClr>
-                </a:solidFill>
-                <a:cs typeface="Arial" panose="020B0604020202020204" pitchFamily="34" charset="0"/>
-              </a:rPr>
-              <a:t>compruebaClave</a:t>
-            </a:r>
-            <a:r>
-              <a:rPr lang="es-MX" sz="2200" b="1" dirty="0">
-                <a:solidFill>
-                  <a:schemeClr val="bg2">
-                    <a:lumMod val="25000"/>
-                  </a:schemeClr>
-                </a:solidFill>
-                <a:cs typeface="Arial" panose="020B0604020202020204" pitchFamily="34" charset="0"/>
-              </a:rPr>
-              <a:t>(</a:t>
-            </a:r>
-            <a:r>
-              <a:rPr lang="es-MX" sz="2200" b="1" dirty="0" err="1">
-                <a:solidFill>
-                  <a:schemeClr val="bg2">
-                    <a:lumMod val="25000"/>
-                  </a:schemeClr>
-                </a:solidFill>
-                <a:cs typeface="Arial" panose="020B0604020202020204" pitchFamily="34" charset="0"/>
-              </a:rPr>
-              <a:t>listaClaves</a:t>
-            </a:r>
-            <a:r>
-              <a:rPr lang="es-MX" sz="2200" b="1" dirty="0">
-                <a:solidFill>
-                  <a:schemeClr val="bg2">
-                    <a:lumMod val="25000"/>
-                  </a:schemeClr>
-                </a:solidFill>
-                <a:cs typeface="Arial" panose="020B0604020202020204" pitchFamily="34" charset="0"/>
-              </a:rPr>
-              <a:t>)</a:t>
-            </a:r>
-            <a:r>
-              <a:rPr lang="es-MX" sz="2200" dirty="0">
-                <a:solidFill>
-                  <a:schemeClr val="bg2">
-                    <a:lumMod val="25000"/>
-                  </a:schemeClr>
-                </a:solidFill>
-                <a:cs typeface="Arial" panose="020B0604020202020204" pitchFamily="34" charset="0"/>
-              </a:rPr>
-              <a:t>, que recibe la lista de claves válidas (</a:t>
-            </a:r>
-            <a:r>
-              <a:rPr lang="es-MX" sz="2200" dirty="0" err="1">
-                <a:solidFill>
-                  <a:schemeClr val="bg2">
-                    <a:lumMod val="25000"/>
-                  </a:schemeClr>
-                </a:solidFill>
-                <a:cs typeface="Arial" panose="020B0604020202020204" pitchFamily="34" charset="0"/>
-              </a:rPr>
-              <a:t>listaClaves</a:t>
-            </a:r>
-            <a:r>
-              <a:rPr lang="es-MX" sz="2200" dirty="0">
-                <a:solidFill>
-                  <a:schemeClr val="bg2">
-                    <a:lumMod val="25000"/>
-                  </a:schemeClr>
-                </a:solidFill>
-                <a:cs typeface="Arial" panose="020B0604020202020204" pitchFamily="34" charset="0"/>
-              </a:rPr>
-              <a:t>) y después de que verifique que la clave es correcta se descuente al saldo de la Tarjeta (</a:t>
-            </a:r>
-            <a:r>
-              <a:rPr lang="es-MX" sz="2200" dirty="0" err="1">
-                <a:solidFill>
-                  <a:schemeClr val="bg2">
-                    <a:lumMod val="25000"/>
-                  </a:schemeClr>
-                </a:solidFill>
-                <a:cs typeface="Arial" panose="020B0604020202020204" pitchFamily="34" charset="0"/>
-              </a:rPr>
-              <a:t>saldoTarjeta</a:t>
-            </a:r>
-            <a:r>
-              <a:rPr lang="es-MX" sz="2200" dirty="0">
-                <a:solidFill>
-                  <a:schemeClr val="bg2">
-                    <a:lumMod val="25000"/>
-                  </a:schemeClr>
-                </a:solidFill>
-                <a:cs typeface="Arial" panose="020B0604020202020204" pitchFamily="34" charset="0"/>
-              </a:rPr>
-              <a:t>) el </a:t>
-            </a:r>
-            <a:r>
-              <a:rPr lang="es-MX" sz="2200" dirty="0" err="1">
-                <a:solidFill>
-                  <a:schemeClr val="bg2">
-                    <a:lumMod val="25000"/>
-                  </a:schemeClr>
-                </a:solidFill>
-                <a:cs typeface="Arial" panose="020B0604020202020204" pitchFamily="34" charset="0"/>
-              </a:rPr>
-              <a:t>totalGeneral</a:t>
-            </a:r>
-            <a:r>
-              <a:rPr lang="es-MX" sz="2200" dirty="0">
-                <a:solidFill>
-                  <a:schemeClr val="bg2">
-                    <a:lumMod val="25000"/>
-                  </a:schemeClr>
-                </a:solidFill>
-                <a:cs typeface="Arial" panose="020B0604020202020204" pitchFamily="34" charset="0"/>
-              </a:rPr>
-              <a:t>. Y todo lo demás cómo lo habían definido.</a:t>
-            </a:r>
-          </a:p>
-          <a:p>
-            <a:pPr marL="400050" lvl="1" indent="0" algn="just">
-              <a:lnSpc>
-                <a:spcPct val="120000"/>
-              </a:lnSpc>
-              <a:spcBef>
-                <a:spcPct val="0"/>
-              </a:spcBef>
-              <a:buNone/>
-            </a:pPr>
-            <a:endParaRPr lang="es-MX" sz="2200" dirty="0">
-              <a:solidFill>
-                <a:schemeClr val="bg2">
-                  <a:lumMod val="25000"/>
-                </a:schemeClr>
-              </a:solidFill>
-              <a:cs typeface="Arial" panose="020B0604020202020204" pitchFamily="34" charset="0"/>
-            </a:endParaRPr>
-          </a:p>
-          <a:p>
-            <a:pPr marL="400050" lvl="1" indent="0" algn="just">
-              <a:lnSpc>
-                <a:spcPct val="120000"/>
-              </a:lnSpc>
-              <a:spcBef>
-                <a:spcPct val="0"/>
-              </a:spcBef>
-              <a:buNone/>
-            </a:pPr>
-            <a:r>
-              <a:rPr lang="es-MX" sz="2200" dirty="0">
-                <a:solidFill>
-                  <a:schemeClr val="bg2">
-                    <a:lumMod val="25000"/>
-                  </a:schemeClr>
-                </a:solidFill>
-                <a:cs typeface="Arial" panose="020B0604020202020204" pitchFamily="34" charset="0"/>
-              </a:rPr>
-              <a:t>Guardar archivo como </a:t>
-            </a:r>
-            <a:r>
-              <a:rPr lang="es-MX" sz="2200" b="1" dirty="0">
-                <a:solidFill>
-                  <a:schemeClr val="accent6">
-                    <a:lumMod val="75000"/>
-                  </a:schemeClr>
-                </a:solidFill>
-                <a:cs typeface="Arial" panose="020B0604020202020204" pitchFamily="34" charset="0"/>
-              </a:rPr>
-              <a:t>situacion1_matricula.py</a:t>
-            </a:r>
-          </a:p>
-          <a:p>
-            <a:pPr marL="685800" lvl="1" algn="just">
-              <a:lnSpc>
-                <a:spcPct val="120000"/>
-              </a:lnSpc>
-              <a:spcBef>
-                <a:spcPct val="0"/>
-              </a:spcBef>
-              <a:buFont typeface="Arial" panose="020B0604020202020204" pitchFamily="34" charset="0"/>
-              <a:buChar char="•"/>
-            </a:pPr>
-            <a:endParaRPr lang="es-MX" sz="2000" dirty="0">
-              <a:solidFill>
-                <a:schemeClr val="bg2">
-                  <a:lumMod val="25000"/>
-                </a:schemeClr>
-              </a:solidFill>
-              <a:cs typeface="Arial" panose="020B0604020202020204" pitchFamily="34" charset="0"/>
-            </a:endParaRPr>
-          </a:p>
-        </p:txBody>
-      </p:sp>
-      <p:sp>
-        <p:nvSpPr>
           <p:cNvPr id="184324" name="Rectangle 4"/>
           <p:cNvSpPr>
             <a:spLocks noGrp="1" noChangeArrowheads="1"/>
@@ -6396,7 +8923,7 @@
         </p:nvSpPr>
         <p:spPr>
           <a:xfrm>
-            <a:off x="302027" y="324036"/>
+            <a:off x="457200" y="116632"/>
             <a:ext cx="8229600" cy="1143000"/>
           </a:xfrm>
         </p:spPr>
@@ -6423,7 +8950,7 @@
                 </a:effectLst>
                 <a:latin typeface="Dom Casual" charset="0"/>
               </a:rPr>
-              <a:t>Situación problema 1</a:t>
+              <a:t>Situación problema</a:t>
             </a:r>
             <a:br>
               <a:rPr lang="es-MX" b="1" dirty="0">
@@ -6454,15 +8981,586 @@
                 </a:effectLst>
                 <a:latin typeface="Dom Casual" charset="0"/>
               </a:rPr>
-              <a:t>Función: Realizar pago</a:t>
-            </a:r>
+              <a:t>Segunda entrega</a:t>
+            </a:r>
+          </a:p>
+        </p:txBody>
+      </p:sp>
+      <p:sp>
+        <p:nvSpPr>
+          <p:cNvPr id="9" name="Rectangle 2">
+            <a:extLst>
+              <a:ext uri="{FF2B5EF4-FFF2-40B4-BE49-F238E27FC236}">
+                <a16:creationId xmlns:a16="http://schemas.microsoft.com/office/drawing/2014/main" id="{0A7E3DB6-2EEA-41A3-A742-AB314E48E123}"/>
+              </a:ext>
+            </a:extLst>
+          </p:cNvPr>
+          <p:cNvSpPr txBox="1">
+            <a:spLocks noChangeArrowheads="1"/>
+          </p:cNvSpPr>
+          <p:nvPr/>
+        </p:nvSpPr>
+        <p:spPr>
+          <a:xfrm>
+            <a:off x="251520" y="1340768"/>
+            <a:ext cx="8147248" cy="5265712"/>
+          </a:xfrm>
+          <a:prstGeom prst="rect">
+            <a:avLst/>
+          </a:prstGeom>
+        </p:spPr>
+        <p:txBody>
+          <a:bodyPr vert="horz" lIns="91440" tIns="45720" rIns="91440" bIns="45720" rtlCol="0">
+            <a:noAutofit/>
+          </a:bodyPr>
+          <a:lstStyle>
+            <a:lvl1pPr marL="342900" indent="-342900" algn="l" defTabSz="914400" rtl="0" eaLnBrk="1" latinLnBrk="0" hangingPunct="1">
+              <a:spcBef>
+                <a:spcPct val="20000"/>
+              </a:spcBef>
+              <a:buFont typeface="Arial" pitchFamily="34" charset="0"/>
+              <a:buChar char="•"/>
+              <a:defRPr sz="3200" kern="1200">
+                <a:solidFill>
+                  <a:schemeClr val="tx1"/>
+                </a:solidFill>
+                <a:latin typeface="+mn-lt"/>
+                <a:ea typeface="+mn-ea"/>
+                <a:cs typeface="+mn-cs"/>
+              </a:defRPr>
+            </a:lvl1pPr>
+            <a:lvl2pPr marL="742950" indent="-285750" algn="l" defTabSz="914400" rtl="0" eaLnBrk="1" latinLnBrk="0" hangingPunct="1">
+              <a:spcBef>
+                <a:spcPct val="20000"/>
+              </a:spcBef>
+              <a:buFont typeface="Arial" pitchFamily="34" charset="0"/>
+              <a:buChar char="–"/>
+              <a:defRPr sz="2800" kern="1200">
+                <a:solidFill>
+                  <a:schemeClr val="tx1"/>
+                </a:solidFill>
+                <a:latin typeface="+mn-lt"/>
+                <a:ea typeface="+mn-ea"/>
+                <a:cs typeface="+mn-cs"/>
+              </a:defRPr>
+            </a:lvl2pPr>
+            <a:lvl3pPr marL="1143000" indent="-228600" algn="l" defTabSz="914400" rtl="0" eaLnBrk="1" latinLnBrk="0" hangingPunct="1">
+              <a:spcBef>
+                <a:spcPct val="20000"/>
+              </a:spcBef>
+              <a:buFont typeface="Arial" pitchFamily="34" charset="0"/>
+              <a:buChar char="•"/>
+              <a:defRPr sz="2400" kern="1200">
+                <a:solidFill>
+                  <a:schemeClr val="tx1"/>
+                </a:solidFill>
+                <a:latin typeface="+mn-lt"/>
+                <a:ea typeface="+mn-ea"/>
+                <a:cs typeface="+mn-cs"/>
+              </a:defRPr>
+            </a:lvl3pPr>
+            <a:lvl4pPr marL="1600200" indent="-228600" algn="l" defTabSz="914400" rtl="0" eaLnBrk="1" latinLnBrk="0" hangingPunct="1">
+              <a:spcBef>
+                <a:spcPct val="20000"/>
+              </a:spcBef>
+              <a:buFont typeface="Arial" pitchFamily="34" charset="0"/>
+              <a:buChar char="–"/>
+              <a:defRPr sz="2000" kern="1200">
+                <a:solidFill>
+                  <a:schemeClr val="tx1"/>
+                </a:solidFill>
+                <a:latin typeface="+mn-lt"/>
+                <a:ea typeface="+mn-ea"/>
+                <a:cs typeface="+mn-cs"/>
+              </a:defRPr>
+            </a:lvl4pPr>
+            <a:lvl5pPr marL="2057400" indent="-228600" algn="l" defTabSz="914400" rtl="0" eaLnBrk="1" latinLnBrk="0" hangingPunct="1">
+              <a:spcBef>
+                <a:spcPct val="20000"/>
+              </a:spcBef>
+              <a:buFont typeface="Arial" pitchFamily="34" charset="0"/>
+              <a:buChar char="»"/>
+              <a:defRPr sz="2000" kern="1200">
+                <a:solidFill>
+                  <a:schemeClr val="tx1"/>
+                </a:solidFill>
+                <a:latin typeface="+mn-lt"/>
+                <a:ea typeface="+mn-ea"/>
+                <a:cs typeface="+mn-cs"/>
+              </a:defRPr>
+            </a:lvl5pPr>
+            <a:lvl6pPr marL="2514600" indent="-228600" algn="l" defTabSz="914400" rtl="0" eaLnBrk="1" latinLnBrk="0" hangingPunct="1">
+              <a:spcBef>
+                <a:spcPct val="20000"/>
+              </a:spcBef>
+              <a:buFont typeface="Arial" pitchFamily="34" charset="0"/>
+              <a:buChar char="•"/>
+              <a:defRPr sz="2000" kern="1200">
+                <a:solidFill>
+                  <a:schemeClr val="tx1"/>
+                </a:solidFill>
+                <a:latin typeface="+mn-lt"/>
+                <a:ea typeface="+mn-ea"/>
+                <a:cs typeface="+mn-cs"/>
+              </a:defRPr>
+            </a:lvl6pPr>
+            <a:lvl7pPr marL="2971800" indent="-228600" algn="l" defTabSz="914400" rtl="0" eaLnBrk="1" latinLnBrk="0" hangingPunct="1">
+              <a:spcBef>
+                <a:spcPct val="20000"/>
+              </a:spcBef>
+              <a:buFont typeface="Arial" pitchFamily="34" charset="0"/>
+              <a:buChar char="•"/>
+              <a:defRPr sz="2000" kern="1200">
+                <a:solidFill>
+                  <a:schemeClr val="tx1"/>
+                </a:solidFill>
+                <a:latin typeface="+mn-lt"/>
+                <a:ea typeface="+mn-ea"/>
+                <a:cs typeface="+mn-cs"/>
+              </a:defRPr>
+            </a:lvl7pPr>
+            <a:lvl8pPr marL="3429000" indent="-228600" algn="l" defTabSz="914400" rtl="0" eaLnBrk="1" latinLnBrk="0" hangingPunct="1">
+              <a:spcBef>
+                <a:spcPct val="20000"/>
+              </a:spcBef>
+              <a:buFont typeface="Arial" pitchFamily="34" charset="0"/>
+              <a:buChar char="•"/>
+              <a:defRPr sz="2000" kern="1200">
+                <a:solidFill>
+                  <a:schemeClr val="tx1"/>
+                </a:solidFill>
+                <a:latin typeface="+mn-lt"/>
+                <a:ea typeface="+mn-ea"/>
+                <a:cs typeface="+mn-cs"/>
+              </a:defRPr>
+            </a:lvl8pPr>
+            <a:lvl9pPr marL="3886200" indent="-228600" algn="l" defTabSz="914400" rtl="0" eaLnBrk="1" latinLnBrk="0" hangingPunct="1">
+              <a:spcBef>
+                <a:spcPct val="20000"/>
+              </a:spcBef>
+              <a:buFont typeface="Arial" pitchFamily="34" charset="0"/>
+              <a:buChar char="•"/>
+              <a:defRPr sz="2000" kern="1200">
+                <a:solidFill>
+                  <a:schemeClr val="tx1"/>
+                </a:solidFill>
+                <a:latin typeface="+mn-lt"/>
+                <a:ea typeface="+mn-ea"/>
+                <a:cs typeface="+mn-cs"/>
+              </a:defRPr>
+            </a:lvl9pPr>
+          </a:lstStyle>
+          <a:p>
+            <a:pPr marL="800100" lvl="1" indent="-342900" algn="just">
+              <a:lnSpc>
+                <a:spcPct val="170000"/>
+              </a:lnSpc>
+              <a:spcBef>
+                <a:spcPts val="0"/>
+              </a:spcBef>
+              <a:buFont typeface="+mj-lt"/>
+              <a:buAutoNum type="arabicPeriod"/>
+            </a:pPr>
+            <a:r>
+              <a:rPr lang="es-ES" sz="1400" b="1" dirty="0">
+                <a:solidFill>
+                  <a:schemeClr val="bg2">
+                    <a:lumMod val="25000"/>
+                  </a:schemeClr>
+                </a:solidFill>
+                <a:latin typeface="Arial" pitchFamily="34" charset="0"/>
+                <a:cs typeface="Arial" pitchFamily="34" charset="0"/>
+              </a:rPr>
+              <a:t>Menú</a:t>
+            </a:r>
+            <a:r>
+              <a:rPr lang="es-ES" sz="1400" dirty="0">
+                <a:solidFill>
+                  <a:schemeClr val="bg2">
+                    <a:lumMod val="25000"/>
+                  </a:schemeClr>
+                </a:solidFill>
+                <a:latin typeface="Arial" pitchFamily="34" charset="0"/>
+                <a:cs typeface="Arial" pitchFamily="34" charset="0"/>
+              </a:rPr>
+              <a:t>. El programa presenta el menú cada vez que el usuario lo requiera. Utiliza un ciclo </a:t>
+            </a:r>
+            <a:r>
+              <a:rPr lang="es-ES" sz="1400" dirty="0" err="1">
+                <a:solidFill>
+                  <a:schemeClr val="bg2">
+                    <a:lumMod val="25000"/>
+                  </a:schemeClr>
+                </a:solidFill>
+                <a:latin typeface="Arial" pitchFamily="34" charset="0"/>
+                <a:cs typeface="Arial" pitchFamily="34" charset="0"/>
+              </a:rPr>
+              <a:t>while</a:t>
+            </a:r>
+            <a:r>
+              <a:rPr lang="es-ES" sz="1400" dirty="0">
+                <a:solidFill>
+                  <a:schemeClr val="bg2">
+                    <a:lumMod val="25000"/>
+                  </a:schemeClr>
+                </a:solidFill>
+                <a:latin typeface="Arial" pitchFamily="34" charset="0"/>
+                <a:cs typeface="Arial" pitchFamily="34" charset="0"/>
+              </a:rPr>
+              <a:t>. </a:t>
+            </a:r>
+          </a:p>
+          <a:p>
+            <a:pPr marL="800100" lvl="1" indent="-342900" algn="just">
+              <a:lnSpc>
+                <a:spcPct val="170000"/>
+              </a:lnSpc>
+              <a:spcBef>
+                <a:spcPts val="0"/>
+              </a:spcBef>
+              <a:buFont typeface="+mj-lt"/>
+              <a:buAutoNum type="arabicPeriod"/>
+            </a:pPr>
+            <a:r>
+              <a:rPr lang="es-ES" sz="1400" b="1" dirty="0">
+                <a:solidFill>
+                  <a:schemeClr val="bg2">
+                    <a:lumMod val="25000"/>
+                  </a:schemeClr>
+                </a:solidFill>
+                <a:latin typeface="Arial" pitchFamily="34" charset="0"/>
+                <a:cs typeface="Arial" pitchFamily="34" charset="0"/>
+              </a:rPr>
+              <a:t>Lectura de un archivo Excel.</a:t>
+            </a:r>
+          </a:p>
+          <a:p>
+            <a:pPr marL="800100" lvl="1" indent="-342900" algn="just">
+              <a:lnSpc>
+                <a:spcPct val="170000"/>
+              </a:lnSpc>
+              <a:spcBef>
+                <a:spcPts val="0"/>
+              </a:spcBef>
+              <a:buFont typeface="+mj-lt"/>
+              <a:buAutoNum type="arabicPeriod"/>
+            </a:pPr>
+            <a:r>
+              <a:rPr lang="es-ES" sz="1400" b="1" dirty="0">
+                <a:solidFill>
+                  <a:schemeClr val="bg2">
+                    <a:lumMod val="25000"/>
+                  </a:schemeClr>
+                </a:solidFill>
+                <a:latin typeface="Arial" pitchFamily="34" charset="0"/>
+                <a:cs typeface="Arial" pitchFamily="34" charset="0"/>
+              </a:rPr>
+              <a:t>Estadística descriptiva </a:t>
+            </a:r>
+            <a:r>
+              <a:rPr lang="es-ES" sz="1400" dirty="0">
+                <a:solidFill>
+                  <a:schemeClr val="bg2">
+                    <a:lumMod val="25000"/>
+                  </a:schemeClr>
+                </a:solidFill>
+                <a:latin typeface="Arial" pitchFamily="34" charset="0"/>
+                <a:cs typeface="Arial" pitchFamily="34" charset="0"/>
+              </a:rPr>
+              <a:t>de columnas. Cada integrante del equipo debe analizar al mínimo 4 descriptores estadísticos.</a:t>
+            </a:r>
+          </a:p>
+          <a:p>
+            <a:pPr marL="800100" lvl="1" indent="-342900" algn="just">
+              <a:lnSpc>
+                <a:spcPct val="170000"/>
+              </a:lnSpc>
+              <a:spcBef>
+                <a:spcPts val="0"/>
+              </a:spcBef>
+              <a:buFont typeface="+mj-lt"/>
+              <a:buAutoNum type="arabicPeriod"/>
+            </a:pPr>
+            <a:r>
+              <a:rPr lang="es-ES" sz="1400" dirty="0">
+                <a:solidFill>
+                  <a:schemeClr val="bg2">
+                    <a:lumMod val="25000"/>
+                  </a:schemeClr>
+                </a:solidFill>
+                <a:latin typeface="Arial" pitchFamily="34" charset="0"/>
+                <a:cs typeface="Arial" pitchFamily="34" charset="0"/>
+              </a:rPr>
+              <a:t>Código con todas las funciones que sean necesarias (mínimo dos, el menú y el </a:t>
+            </a:r>
+            <a:r>
+              <a:rPr lang="es-ES" sz="1400" dirty="0" err="1">
+                <a:solidFill>
+                  <a:schemeClr val="bg2">
+                    <a:lumMod val="25000"/>
+                  </a:schemeClr>
+                </a:solidFill>
+                <a:latin typeface="Arial" pitchFamily="34" charset="0"/>
+                <a:cs typeface="Arial" pitchFamily="34" charset="0"/>
+              </a:rPr>
+              <a:t>main</a:t>
+            </a:r>
+            <a:r>
+              <a:rPr lang="es-ES" sz="1400" dirty="0">
+                <a:solidFill>
+                  <a:schemeClr val="bg2">
+                    <a:lumMod val="25000"/>
+                  </a:schemeClr>
+                </a:solidFill>
+                <a:latin typeface="Arial" pitchFamily="34" charset="0"/>
+                <a:cs typeface="Arial" pitchFamily="34" charset="0"/>
+              </a:rPr>
+              <a:t>).</a:t>
+            </a:r>
+          </a:p>
+          <a:p>
+            <a:pPr marL="800100" lvl="1" indent="-342900" algn="just">
+              <a:lnSpc>
+                <a:spcPct val="170000"/>
+              </a:lnSpc>
+              <a:spcBef>
+                <a:spcPts val="0"/>
+              </a:spcBef>
+              <a:buFont typeface="+mj-lt"/>
+              <a:buAutoNum type="arabicPeriod"/>
+            </a:pPr>
+            <a:r>
+              <a:rPr lang="es-ES" sz="1400" dirty="0">
+                <a:solidFill>
+                  <a:schemeClr val="bg2">
+                    <a:lumMod val="25000"/>
+                  </a:schemeClr>
+                </a:solidFill>
+                <a:latin typeface="Arial" pitchFamily="34" charset="0"/>
+                <a:cs typeface="Arial" pitchFamily="34" charset="0"/>
+              </a:rPr>
+              <a:t>Estructura de control condicionales (3 condiciones). </a:t>
+            </a:r>
+          </a:p>
+          <a:p>
+            <a:pPr marL="800100" lvl="1" indent="-342900" algn="just">
+              <a:lnSpc>
+                <a:spcPct val="170000"/>
+              </a:lnSpc>
+              <a:spcBef>
+                <a:spcPts val="0"/>
+              </a:spcBef>
+              <a:buFont typeface="+mj-lt"/>
+              <a:buAutoNum type="arabicPeriod"/>
+            </a:pPr>
+            <a:r>
+              <a:rPr lang="es-ES" sz="1400" dirty="0">
+                <a:solidFill>
+                  <a:schemeClr val="bg2">
+                    <a:lumMod val="25000"/>
+                  </a:schemeClr>
+                </a:solidFill>
+                <a:latin typeface="Arial" pitchFamily="34" charset="0"/>
+                <a:cs typeface="Arial" pitchFamily="34" charset="0"/>
+              </a:rPr>
+              <a:t>Incluir la generación y validación de un </a:t>
+            </a:r>
+            <a:r>
+              <a:rPr lang="es-ES" sz="1400" dirty="0" err="1">
+                <a:solidFill>
+                  <a:schemeClr val="bg2">
+                    <a:lumMod val="25000"/>
+                  </a:schemeClr>
+                </a:solidFill>
+                <a:latin typeface="Arial" pitchFamily="34" charset="0"/>
+                <a:cs typeface="Arial" pitchFamily="34" charset="0"/>
+              </a:rPr>
+              <a:t>password</a:t>
+            </a:r>
+            <a:r>
+              <a:rPr lang="es-ES" sz="1400" dirty="0">
+                <a:solidFill>
+                  <a:schemeClr val="bg2">
+                    <a:lumMod val="25000"/>
+                  </a:schemeClr>
+                </a:solidFill>
+                <a:latin typeface="Arial" pitchFamily="34" charset="0"/>
+                <a:cs typeface="Arial" pitchFamily="34" charset="0"/>
+              </a:rPr>
+              <a:t>.</a:t>
+            </a:r>
+          </a:p>
+          <a:p>
+            <a:pPr marL="800100" lvl="1" indent="-342900" algn="just">
+              <a:lnSpc>
+                <a:spcPct val="170000"/>
+              </a:lnSpc>
+              <a:spcBef>
+                <a:spcPts val="0"/>
+              </a:spcBef>
+              <a:buFont typeface="+mj-lt"/>
+              <a:buAutoNum type="arabicPeriod"/>
+            </a:pPr>
+            <a:r>
+              <a:rPr lang="es-ES" sz="1400" b="1" dirty="0">
+                <a:solidFill>
+                  <a:schemeClr val="bg2">
+                    <a:lumMod val="25000"/>
+                  </a:schemeClr>
+                </a:solidFill>
+                <a:latin typeface="Arial" pitchFamily="34" charset="0"/>
+                <a:cs typeface="Arial" pitchFamily="34" charset="0"/>
+              </a:rPr>
+              <a:t>Gráficas</a:t>
+            </a:r>
+            <a:r>
+              <a:rPr lang="es-ES" sz="1400" dirty="0">
+                <a:solidFill>
+                  <a:schemeClr val="bg2">
+                    <a:lumMod val="25000"/>
+                  </a:schemeClr>
+                </a:solidFill>
+                <a:latin typeface="Arial" pitchFamily="34" charset="0"/>
+                <a:cs typeface="Arial" pitchFamily="34" charset="0"/>
+              </a:rPr>
+              <a:t>, una por cada pregunta detonadora. Los gráficos deberán contener toda la información en cuanto a ejes, títulos, etiquetas, etc.</a:t>
+            </a:r>
+          </a:p>
+          <a:p>
+            <a:pPr marL="800100" lvl="1" indent="-342900" algn="just">
+              <a:lnSpc>
+                <a:spcPct val="170000"/>
+              </a:lnSpc>
+              <a:spcBef>
+                <a:spcPts val="0"/>
+              </a:spcBef>
+              <a:buFont typeface="+mj-lt"/>
+              <a:buAutoNum type="arabicPeriod"/>
+            </a:pPr>
+            <a:r>
+              <a:rPr lang="es-ES" sz="1400" b="1" dirty="0">
+                <a:solidFill>
+                  <a:schemeClr val="bg2">
+                    <a:lumMod val="25000"/>
+                  </a:schemeClr>
+                </a:solidFill>
+                <a:latin typeface="Arial" pitchFamily="34" charset="0"/>
+                <a:cs typeface="Arial" pitchFamily="34" charset="0"/>
+              </a:rPr>
+              <a:t>Documentación del programa</a:t>
+            </a:r>
+            <a:r>
+              <a:rPr lang="es-ES" sz="1400" dirty="0">
+                <a:solidFill>
+                  <a:schemeClr val="bg2">
+                    <a:lumMod val="25000"/>
+                  </a:schemeClr>
+                </a:solidFill>
+                <a:latin typeface="Arial" pitchFamily="34" charset="0"/>
+                <a:cs typeface="Arial" pitchFamily="34" charset="0"/>
+              </a:rPr>
+              <a:t>. El programa deberá contener los comentarios necesarios para una mejor comprensión del código.</a:t>
+            </a:r>
+          </a:p>
+          <a:p>
+            <a:pPr marL="800100" lvl="1" indent="-342900" algn="just">
+              <a:lnSpc>
+                <a:spcPct val="170000"/>
+              </a:lnSpc>
+              <a:spcBef>
+                <a:spcPts val="0"/>
+              </a:spcBef>
+              <a:buFont typeface="+mj-lt"/>
+              <a:buAutoNum type="arabicPeriod" startAt="9"/>
+            </a:pPr>
+            <a:r>
+              <a:rPr lang="es-ES" sz="1400" dirty="0">
+                <a:solidFill>
+                  <a:schemeClr val="bg2">
+                    <a:lumMod val="25000"/>
+                  </a:schemeClr>
+                </a:solidFill>
+                <a:latin typeface="Arial" pitchFamily="34" charset="0"/>
+                <a:cs typeface="Arial" pitchFamily="34" charset="0"/>
+              </a:rPr>
+              <a:t>Entrega individual de la conclusión escrita. </a:t>
+            </a:r>
+            <a:r>
+              <a:rPr lang="es-ES" sz="1400" b="1" dirty="0">
+                <a:solidFill>
+                  <a:schemeClr val="bg2">
+                    <a:lumMod val="25000"/>
+                  </a:schemeClr>
+                </a:solidFill>
+                <a:latin typeface="Arial" pitchFamily="34" charset="0"/>
+                <a:cs typeface="Arial" pitchFamily="34" charset="0"/>
+              </a:rPr>
+              <a:t>Estrategia de Negocio </a:t>
+            </a:r>
+            <a:r>
+              <a:rPr lang="es-ES" sz="1400" dirty="0">
+                <a:solidFill>
+                  <a:schemeClr val="bg2">
+                    <a:lumMod val="25000"/>
+                  </a:schemeClr>
+                </a:solidFill>
+                <a:latin typeface="Arial" pitchFamily="34" charset="0"/>
+                <a:cs typeface="Arial" pitchFamily="34" charset="0"/>
+              </a:rPr>
+              <a:t>(mínimo una cuartilla).</a:t>
+            </a:r>
+          </a:p>
+          <a:p>
+            <a:pPr marL="800100" lvl="1" indent="-342900" algn="just">
+              <a:lnSpc>
+                <a:spcPct val="170000"/>
+              </a:lnSpc>
+              <a:spcBef>
+                <a:spcPts val="0"/>
+              </a:spcBef>
+              <a:buFont typeface="+mj-lt"/>
+              <a:buAutoNum type="arabicPeriod" startAt="9"/>
+            </a:pPr>
+            <a:r>
+              <a:rPr lang="es-ES" sz="1400" dirty="0">
+                <a:solidFill>
+                  <a:schemeClr val="bg2">
+                    <a:lumMod val="25000"/>
+                  </a:schemeClr>
+                </a:solidFill>
+                <a:latin typeface="Arial" pitchFamily="34" charset="0"/>
+                <a:cs typeface="Arial" pitchFamily="34" charset="0"/>
+              </a:rPr>
+              <a:t>Acciones del código de Ética.</a:t>
+            </a:r>
+          </a:p>
+          <a:p>
+            <a:pPr marL="800100" lvl="1" indent="-342900" algn="just">
+              <a:lnSpc>
+                <a:spcPct val="170000"/>
+              </a:lnSpc>
+              <a:spcBef>
+                <a:spcPts val="0"/>
+              </a:spcBef>
+              <a:buFont typeface="+mj-lt"/>
+              <a:buAutoNum type="arabicPeriod"/>
+            </a:pPr>
+            <a:endParaRPr lang="es-MX" sz="1400" dirty="0">
+              <a:solidFill>
+                <a:schemeClr val="bg2">
+                  <a:lumMod val="25000"/>
+                </a:schemeClr>
+              </a:solidFill>
+              <a:latin typeface="Arial" pitchFamily="34" charset="0"/>
+              <a:cs typeface="Arial" pitchFamily="34" charset="0"/>
+            </a:endParaRPr>
           </a:p>
         </p:txBody>
       </p:sp>
     </p:spTree>
     <p:extLst>
       <p:ext uri="{BB962C8B-B14F-4D97-AF65-F5344CB8AC3E}">
-        <p14:creationId xmlns:p14="http://schemas.microsoft.com/office/powerpoint/2010/main" val="2418885633"/>
+        <p14:creationId xmlns:p14="http://schemas.microsoft.com/office/powerpoint/2010/main" val="4160736367"/>
       </p:ext>
     </p:extLst>
   </p:cSld>
@@ -6501,8 +9599,8 @@
         </p:nvSpPr>
         <p:spPr>
           <a:xfrm>
-            <a:off x="457200" y="2311617"/>
-            <a:ext cx="8229600" cy="3493647"/>
+            <a:off x="323528" y="2060848"/>
+            <a:ext cx="8111523" cy="4104456"/>
           </a:xfrm>
         </p:spPr>
         <p:txBody>
@@ -6511,14 +9609,15 @@
           </a:bodyPr>
           <a:lstStyle/>
           <a:p>
-            <a:pPr marL="400050" lvl="1" indent="0" algn="just">
+            <a:pPr marL="857250" lvl="1" indent="-457200" algn="just">
               <a:lnSpc>
                 <a:spcPct val="120000"/>
               </a:lnSpc>
               <a:spcBef>
                 <a:spcPct val="0"/>
               </a:spcBef>
-              <a:buNone/>
+              <a:buFont typeface="+mj-lt"/>
+              <a:buAutoNum type="arabicPeriod"/>
             </a:pPr>
             <a:r>
               <a:rPr lang="es-MX" sz="2400" dirty="0">
@@ -6529,114 +9628,42 @@
                 </a:solidFill>
                 <a:cs typeface="Arial" panose="020B0604020202020204" pitchFamily="34" charset="0"/>
               </a:rPr>
-              <a:t>Dentro de la función </a:t>
-            </a:r>
-            <a:r>
-              <a:rPr lang="es-MX" sz="2400" b="1" dirty="0" err="1">
-                <a:solidFill>
-                  <a:schemeClr val="bg2">
-                    <a:lumMod val="25000"/>
-                  </a:schemeClr>
-                </a:solidFill>
-                <a:cs typeface="Arial" panose="020B0604020202020204" pitchFamily="34" charset="0"/>
-              </a:rPr>
-              <a:t>recargaTarjeta</a:t>
-            </a:r>
-            <a:r>
-              <a:rPr lang="es-MX" sz="2400" b="1" dirty="0">
-                <a:solidFill>
-                  <a:schemeClr val="bg2">
-                    <a:lumMod val="25000"/>
-                  </a:schemeClr>
-                </a:solidFill>
-                <a:cs typeface="Arial" panose="020B0604020202020204" pitchFamily="34" charset="0"/>
-              </a:rPr>
-              <a:t>(</a:t>
-            </a:r>
-            <a:r>
-              <a:rPr lang="es-MX" sz="2400" b="1" dirty="0" err="1">
-                <a:solidFill>
-                  <a:schemeClr val="bg2">
-                    <a:lumMod val="25000"/>
-                  </a:schemeClr>
-                </a:solidFill>
-                <a:cs typeface="Arial" panose="020B0604020202020204" pitchFamily="34" charset="0"/>
-              </a:rPr>
-              <a:t>saldoTarjeta</a:t>
-            </a:r>
-            <a:r>
-              <a:rPr lang="es-MX" sz="2400" b="1" dirty="0">
-                <a:solidFill>
-                  <a:schemeClr val="bg2">
-                    <a:lumMod val="25000"/>
-                  </a:schemeClr>
-                </a:solidFill>
-                <a:cs typeface="Arial" panose="020B0604020202020204" pitchFamily="34" charset="0"/>
-              </a:rPr>
-              <a:t>)</a:t>
-            </a:r>
-            <a:r>
-              <a:rPr lang="es-MX" sz="2400" dirty="0">
-                <a:solidFill>
-                  <a:schemeClr val="bg2">
-                    <a:lumMod val="25000"/>
-                  </a:schemeClr>
-                </a:solidFill>
-                <a:cs typeface="Arial" panose="020B0604020202020204" pitchFamily="34" charset="0"/>
-              </a:rPr>
-              <a:t>, declara la variable </a:t>
-            </a:r>
-            <a:r>
-              <a:rPr lang="es-MX" sz="2400" b="1" dirty="0">
-                <a:solidFill>
-                  <a:schemeClr val="bg2">
-                    <a:lumMod val="25000"/>
-                  </a:schemeClr>
-                </a:solidFill>
-                <a:cs typeface="Arial" panose="020B0604020202020204" pitchFamily="34" charset="0"/>
-              </a:rPr>
-              <a:t>contRec500 </a:t>
-            </a:r>
-            <a:r>
-              <a:rPr lang="es-MX" sz="2400" dirty="0">
-                <a:solidFill>
-                  <a:schemeClr val="bg2">
-                    <a:lumMod val="25000"/>
-                  </a:schemeClr>
-                </a:solidFill>
-                <a:cs typeface="Arial" panose="020B0604020202020204" pitchFamily="34" charset="0"/>
-              </a:rPr>
-              <a:t>como variable global y si el usuario selecciona la opción 3  sumar al contador de recargas de 500 (contRec500) un 1.</a:t>
-            </a:r>
-          </a:p>
-          <a:p>
-            <a:pPr marL="400050" lvl="1" indent="0" algn="just">
+              <a:t>Portada.</a:t>
+            </a:r>
+          </a:p>
+          <a:p>
+            <a:pPr marL="857250" lvl="1" indent="-457200" algn="just">
               <a:lnSpc>
                 <a:spcPct val="120000"/>
               </a:lnSpc>
               <a:spcBef>
                 <a:spcPct val="0"/>
               </a:spcBef>
-              <a:buNone/>
+              <a:buFont typeface="+mj-lt"/>
+              <a:buAutoNum type="arabicPeriod"/>
             </a:pPr>
-            <a:endParaRPr lang="es-MX" sz="2400" dirty="0">
-              <a:solidFill>
-                <a:schemeClr val="bg2">
-                  <a:lumMod val="25000"/>
-                </a:schemeClr>
-              </a:solidFill>
-              <a:cs typeface="Arial" panose="020B0604020202020204" pitchFamily="34" charset="0"/>
-            </a:endParaRPr>
-          </a:p>
-          <a:p>
-            <a:pPr marL="400050" lvl="1" indent="0" algn="just">
+            <a:r>
+              <a:rPr lang="es-MX" sz="2400" dirty="0">
+                <a:solidFill>
+                  <a:schemeClr val="bg2">
+                    <a:lumMod val="25000"/>
+                  </a:schemeClr>
+                </a:solidFill>
+                <a:cs typeface="Arial" panose="020B0604020202020204" pitchFamily="34" charset="0"/>
+              </a:rPr>
+              <a:t>Describir de forma general el giro de la empresa.</a:t>
+            </a:r>
+          </a:p>
+          <a:p>
+            <a:pPr marL="857250" lvl="1" indent="-457200" algn="just">
               <a:lnSpc>
                 <a:spcPct val="120000"/>
               </a:lnSpc>
               <a:spcBef>
                 <a:spcPct val="0"/>
               </a:spcBef>
-              <a:buNone/>
+              <a:buFont typeface="+mj-lt"/>
+              <a:buAutoNum type="arabicPeriod"/>
             </a:pPr>
             <a:r>
               <a:rPr lang="es-MX" sz="2400" dirty="0">
@@ -6647,21 +9674,22 @@
                 </a:solidFill>
                 <a:cs typeface="Arial" panose="020B0604020202020204" pitchFamily="34" charset="0"/>
               </a:rPr>
-              <a:t>Instrucción para declarar una variable de forma global:</a:t>
-            </a:r>
-          </a:p>
-          <a:p>
-            <a:pPr marL="400050" lvl="1" indent="0" algn="just">
+              <a:t>Descripción de los campos de la tabla, como la obtuvieron y porque seleccionaron esa base de datos.</a:t>
+            </a:r>
+          </a:p>
+          <a:p>
+            <a:pPr marL="857250" lvl="1" indent="-457200" algn="just">
               <a:lnSpc>
                 <a:spcPct val="120000"/>
               </a:lnSpc>
               <a:spcBef>
                 <a:spcPct val="0"/>
               </a:spcBef>
-              <a:buNone/>
+              <a:buFont typeface="+mj-lt"/>
+              <a:buAutoNum type="arabicPeriod"/>
             </a:pPr>
             <a:r>
-              <a:rPr lang="es-MX" sz="2400" b="1" dirty="0">
+              <a:rPr lang="es-ES" sz="2400" dirty="0">
                 <a:solidFill>
                   <a:schemeClr val="bg2">
                     <a:lumMod val="25000"/>
@@ -6669,39 +9697,8 @@
                 </a:solidFill>
                 <a:cs typeface="Arial" panose="020B0604020202020204" pitchFamily="34" charset="0"/>
               </a:rPr>
-              <a:t>global </a:t>
-            </a:r>
-            <a:r>
-              <a:rPr lang="es-MX" sz="2400" b="1" dirty="0" err="1">
-                <a:solidFill>
-                  <a:schemeClr val="bg2">
-                    <a:lumMod val="25000"/>
-                  </a:schemeClr>
-                </a:solidFill>
-                <a:cs typeface="Arial" panose="020B0604020202020204" pitchFamily="34" charset="0"/>
-              </a:rPr>
-              <a:t>nombreVariable</a:t>
-            </a:r>
-            <a:endParaRPr lang="es-MX" sz="2400" b="1" dirty="0">
-              <a:solidFill>
-                <a:schemeClr val="bg2">
-                  <a:lumMod val="25000"/>
-                </a:schemeClr>
-              </a:solidFill>
-              <a:cs typeface="Arial" panose="020B0604020202020204" pitchFamily="34" charset="0"/>
-            </a:endParaRPr>
-          </a:p>
-          <a:p>
-            <a:pPr lvl="1" indent="-342900" algn="just">
-              <a:lnSpc>
-                <a:spcPct val="120000"/>
-              </a:lnSpc>
-              <a:spcBef>
-                <a:spcPct val="0"/>
-              </a:spcBef>
-              <a:buFont typeface="Arial" panose="020B0604020202020204" pitchFamily="34" charset="0"/>
-              <a:buChar char="•"/>
-            </a:pPr>
+              <a:t>Acciones del código de Ética.</a:t>
+            </a:r>
             <a:endParaRPr lang="es-MX" sz="2400" dirty="0">
               <a:solidFill>
                 <a:schemeClr val="bg2">
@@ -6725,8 +9722,8 @@
         </p:nvSpPr>
         <p:spPr>
           <a:xfrm>
-            <a:off x="457200" y="548680"/>
-            <a:ext cx="8229600" cy="1143000"/>
+            <a:off x="486733" y="404664"/>
+            <a:ext cx="8111523" cy="1143000"/>
           </a:xfrm>
         </p:spPr>
         <p:txBody>
@@ -6752,7 +9749,7 @@
                 </a:effectLst>
                 <a:latin typeface="Dom Casual" charset="0"/>
               </a:rPr>
-              <a:t>Situación problema 1</a:t>
+              <a:t>Situación problema</a:t>
             </a:r>
             <a:br>
               <a:rPr lang="es-MX" b="1" dirty="0">
@@ -6783,15 +9780,51 @@
                 </a:effectLst>
                 <a:latin typeface="Dom Casual" charset="0"/>
               </a:rPr>
-              <a:t>Función: Recarga tarjeta</a:t>
+              <a:t>Documento en equipo</a:t>
             </a:r>
           </a:p>
         </p:txBody>
       </p:sp>
+      <p:pic>
+        <p:nvPicPr>
+          <p:cNvPr id="3" name="Imagen 2" descr="Un conjunto de letras negras en un fondo blanco&#10;&#10;Descripción generada automáticamente con confianza media">
+            <a:extLst>
+              <a:ext uri="{FF2B5EF4-FFF2-40B4-BE49-F238E27FC236}">
+                <a16:creationId xmlns:a16="http://schemas.microsoft.com/office/drawing/2014/main" id="{B7A2194D-FDB4-4270-A0B6-97ED9690BFC4}"/>
+              </a:ext>
+            </a:extLst>
+          </p:cNvPr>
+          <p:cNvPicPr>
+            <a:picLocks noChangeAspect="1"/>
+          </p:cNvPicPr>
+          <p:nvPr/>
+        </p:nvPicPr>
+        <p:blipFill>
+          <a:blip r:embed="rId2">
+            <a:extLst>
+              <a:ext uri="{28A0092B-C50C-407E-A947-70E740481C1C}">
+                <a14:useLocalDpi xmlns:a14="http://schemas.microsoft.com/office/drawing/2010/main" val="0"/>
+              </a:ext>
+            </a:extLst>
+          </a:blip>
+          <a:stretch>
+            <a:fillRect/>
+          </a:stretch>
+        </p:blipFill>
+        <p:spPr>
+          <a:xfrm>
+            <a:off x="5868144" y="4221088"/>
+            <a:ext cx="2143125" cy="2143125"/>
+          </a:xfrm>
+          <a:prstGeom prst="rect">
+            <a:avLst/>
+          </a:prstGeom>
+        </p:spPr>
+      </p:pic>
     </p:spTree>
     <p:extLst>
       <p:ext uri="{BB962C8B-B14F-4D97-AF65-F5344CB8AC3E}">
-        <p14:creationId xmlns:p14="http://schemas.microsoft.com/office/powerpoint/2010/main" val="4031684976"/>
+        <p14:creationId xmlns:p14="http://schemas.microsoft.com/office/powerpoint/2010/main" val="3299616051"/>
       </p:ext>
     </p:extLst>
   </p:cSld>
@@ -6818,6 +9851,42 @@
           <a:chExt cx="0" cy="0"/>
         </a:xfrm>
       </p:grpSpPr>
+      <p:pic>
+        <p:nvPicPr>
+          <p:cNvPr id="3" name="Imagen 2" descr="Un conjunto de letras negras en un fondo blanco&#10;&#10;Descripción generada automáticamente con confianza media">
+            <a:extLst>
+              <a:ext uri="{FF2B5EF4-FFF2-40B4-BE49-F238E27FC236}">
+                <a16:creationId xmlns:a16="http://schemas.microsoft.com/office/drawing/2014/main" id="{B7A2194D-FDB4-4270-A0B6-97ED9690BFC4}"/>
+              </a:ext>
+            </a:extLst>
+          </p:cNvPr>
+          <p:cNvPicPr>
+            <a:picLocks noChangeAspect="1"/>
+          </p:cNvPicPr>
+          <p:nvPr/>
+        </p:nvPicPr>
+        <p:blipFill>
+          <a:blip r:embed="rId2">
+            <a:extLst>
+              <a:ext uri="{28A0092B-C50C-407E-A947-70E740481C1C}">
+                <a14:useLocalDpi xmlns:a14="http://schemas.microsoft.com/office/drawing/2010/main" val="0"/>
+              </a:ext>
+            </a:extLst>
+          </a:blip>
+          <a:stretch>
+            <a:fillRect/>
+          </a:stretch>
+        </p:blipFill>
+        <p:spPr>
+          <a:xfrm>
+            <a:off x="6948264" y="1412776"/>
+            <a:ext cx="1584176" cy="1584176"/>
+          </a:xfrm>
+          <a:prstGeom prst="rect">
+            <a:avLst/>
+          </a:prstGeom>
+        </p:spPr>
+      </p:pic>
       <p:sp>
         <p:nvSpPr>
           <p:cNvPr id="4098" name="Rectangle 2"/>
@@ -6830,8 +9899,8 @@
         </p:nvSpPr>
         <p:spPr>
           <a:xfrm>
-            <a:off x="0" y="1628800"/>
-            <a:ext cx="8712968" cy="5589240"/>
+            <a:off x="611560" y="1988840"/>
+            <a:ext cx="7704856" cy="3888432"/>
           </a:xfrm>
         </p:spPr>
         <p:txBody>
@@ -6845,16 +9914,13 @@
                 <a:spcPct val="120000"/>
               </a:lnSpc>
               <a:spcBef>
-                <a:spcPts val="600"/>
-              </a:spcBef>
-              <a:spcAft>
-                <a:spcPts val="600"/>
-              </a:spcAft>
-              <a:buFont typeface="Wingdings" panose="05000000000000000000" pitchFamily="2" charset="2"/>
-              <a:buChar char="v"/>
+                <a:spcPct val="0"/>
+              </a:spcBef>
+              <a:buFont typeface="+mj-lt"/>
+              <a:buAutoNum type="arabicPeriod"/>
             </a:pPr>
             <a:r>
-              <a:rPr lang="es-MX" sz="2200" dirty="0">
+              <a:rPr lang="es-MX" sz="2000" dirty="0">
                 <a:solidFill>
                   <a:schemeClr val="bg2">
                     <a:lumMod val="25000"/>
@@ -6862,139 +9928,7 @@
                 </a:solidFill>
                 <a:cs typeface="Arial" panose="020B0604020202020204" pitchFamily="34" charset="0"/>
               </a:rPr>
-              <a:t>Declara las variables de </a:t>
-            </a:r>
-            <a:r>
-              <a:rPr lang="es-MX" sz="2200" b="1" dirty="0">
-                <a:solidFill>
-                  <a:schemeClr val="bg2">
-                    <a:lumMod val="25000"/>
-                  </a:schemeClr>
-                </a:solidFill>
-                <a:cs typeface="Arial" panose="020B0604020202020204" pitchFamily="34" charset="0"/>
-              </a:rPr>
-              <a:t>saldo en 1000</a:t>
-            </a:r>
-            <a:r>
-              <a:rPr lang="es-MX" sz="2200" dirty="0">
-                <a:solidFill>
-                  <a:schemeClr val="bg2">
-                    <a:lumMod val="25000"/>
-                  </a:schemeClr>
-                </a:solidFill>
-                <a:cs typeface="Arial" panose="020B0604020202020204" pitchFamily="34" charset="0"/>
-              </a:rPr>
-              <a:t>, </a:t>
-            </a:r>
-            <a:r>
-              <a:rPr lang="es-MX" sz="2200" b="1" dirty="0" err="1">
-                <a:solidFill>
-                  <a:schemeClr val="bg2">
-                    <a:lumMod val="25000"/>
-                  </a:schemeClr>
-                </a:solidFill>
-                <a:cs typeface="Arial" panose="020B0604020202020204" pitchFamily="34" charset="0"/>
-              </a:rPr>
-              <a:t>listaClaves</a:t>
-            </a:r>
-            <a:r>
-              <a:rPr lang="es-MX" sz="2200" dirty="0">
-                <a:solidFill>
-                  <a:schemeClr val="bg2">
-                    <a:lumMod val="25000"/>
-                  </a:schemeClr>
-                </a:solidFill>
-                <a:cs typeface="Arial" panose="020B0604020202020204" pitchFamily="34" charset="0"/>
-              </a:rPr>
-              <a:t> con al menos 5 claves, </a:t>
-            </a:r>
-            <a:r>
-              <a:rPr lang="es-MX" sz="2200" b="1" dirty="0" err="1">
-                <a:solidFill>
-                  <a:schemeClr val="bg2">
-                    <a:lumMod val="25000"/>
-                  </a:schemeClr>
-                </a:solidFill>
-                <a:cs typeface="Arial" panose="020B0604020202020204" pitchFamily="34" charset="0"/>
-              </a:rPr>
-              <a:t>totalAdultos</a:t>
-            </a:r>
-            <a:r>
-              <a:rPr lang="es-MX" sz="2200" b="1" dirty="0">
-                <a:solidFill>
-                  <a:schemeClr val="bg2">
-                    <a:lumMod val="25000"/>
-                  </a:schemeClr>
-                </a:solidFill>
-                <a:cs typeface="Arial" panose="020B0604020202020204" pitchFamily="34" charset="0"/>
-              </a:rPr>
-              <a:t> en 0</a:t>
-            </a:r>
-            <a:r>
-              <a:rPr lang="es-MX" sz="2200" dirty="0">
-                <a:solidFill>
-                  <a:schemeClr val="bg2">
-                    <a:lumMod val="25000"/>
-                  </a:schemeClr>
-                </a:solidFill>
-                <a:cs typeface="Arial" panose="020B0604020202020204" pitchFamily="34" charset="0"/>
-              </a:rPr>
-              <a:t>, </a:t>
-            </a:r>
-            <a:r>
-              <a:rPr lang="es-MX" sz="2200" b="1" dirty="0" err="1">
-                <a:solidFill>
-                  <a:schemeClr val="bg2">
-                    <a:lumMod val="25000"/>
-                  </a:schemeClr>
-                </a:solidFill>
-                <a:cs typeface="Arial" panose="020B0604020202020204" pitchFamily="34" charset="0"/>
-              </a:rPr>
-              <a:t>totalNinos</a:t>
-            </a:r>
-            <a:r>
-              <a:rPr lang="es-MX" sz="2200" b="1" dirty="0">
-                <a:solidFill>
-                  <a:schemeClr val="bg2">
-                    <a:lumMod val="25000"/>
-                  </a:schemeClr>
-                </a:solidFill>
-                <a:cs typeface="Arial" panose="020B0604020202020204" pitchFamily="34" charset="0"/>
-              </a:rPr>
-              <a:t> en 0</a:t>
-            </a:r>
-            <a:r>
-              <a:rPr lang="es-MX" sz="2200" dirty="0">
-                <a:solidFill>
-                  <a:schemeClr val="bg2">
-                    <a:lumMod val="25000"/>
-                  </a:schemeClr>
-                </a:solidFill>
-                <a:cs typeface="Arial" panose="020B0604020202020204" pitchFamily="34" charset="0"/>
-              </a:rPr>
-              <a:t> y </a:t>
-            </a:r>
-            <a:r>
-              <a:rPr lang="es-MX" sz="2200" b="1" dirty="0">
-                <a:solidFill>
-                  <a:schemeClr val="bg2">
-                    <a:lumMod val="25000"/>
-                  </a:schemeClr>
-                </a:solidFill>
-                <a:cs typeface="Arial" panose="020B0604020202020204" pitchFamily="34" charset="0"/>
-              </a:rPr>
-              <a:t>contRec500 en 0</a:t>
-            </a:r>
-            <a:r>
-              <a:rPr lang="es-MX" sz="2200" dirty="0">
-                <a:solidFill>
-                  <a:schemeClr val="bg2">
-                    <a:lumMod val="25000"/>
-                  </a:schemeClr>
-                </a:solidFill>
-                <a:cs typeface="Arial" panose="020B0604020202020204" pitchFamily="34" charset="0"/>
-              </a:rPr>
-              <a:t>.</a:t>
+              <a:t>Portada.</a:t>
             </a:r>
           </a:p>
           <a:p>
@@ -7003,16 +9937,13 @@
                 <a:spcPct val="120000"/>
               </a:lnSpc>
               <a:spcBef>
-                <a:spcPts val="600"/>
-              </a:spcBef>
-              <a:spcAft>
-                <a:spcPts val="600"/>
-              </a:spcAft>
-              <a:buFont typeface="Wingdings" panose="05000000000000000000" pitchFamily="2" charset="2"/>
-              <a:buChar char="v"/>
+                <a:spcPct val="0"/>
+              </a:spcBef>
+              <a:buFont typeface="+mj-lt"/>
+              <a:buAutoNum type="arabicPeriod"/>
             </a:pPr>
             <a:r>
-              <a:rPr lang="es-MX" sz="2200" dirty="0">
+              <a:rPr lang="es-MX" sz="2000" dirty="0">
                 <a:solidFill>
                   <a:schemeClr val="bg2">
                     <a:lumMod val="25000"/>
@@ -7020,62 +9951,7 @@
                 </a:solidFill>
                 <a:cs typeface="Arial" panose="020B0604020202020204" pitchFamily="34" charset="0"/>
               </a:rPr>
-              <a:t>Manda llamar la función </a:t>
-            </a:r>
-            <a:r>
-              <a:rPr lang="es-MX" sz="2200" b="1" dirty="0" err="1">
-                <a:solidFill>
-                  <a:schemeClr val="bg2">
-                    <a:lumMod val="25000"/>
-                  </a:schemeClr>
-                </a:solidFill>
-                <a:cs typeface="Arial" panose="020B0604020202020204" pitchFamily="34" charset="0"/>
-              </a:rPr>
-              <a:t>compruebaClave</a:t>
-            </a:r>
-            <a:r>
-              <a:rPr lang="es-MX" sz="2200" b="1" dirty="0">
-                <a:solidFill>
-                  <a:schemeClr val="bg2">
-                    <a:lumMod val="25000"/>
-                  </a:schemeClr>
-                </a:solidFill>
-                <a:cs typeface="Arial" panose="020B0604020202020204" pitchFamily="34" charset="0"/>
-              </a:rPr>
-              <a:t>(</a:t>
-            </a:r>
-            <a:r>
-              <a:rPr lang="es-MX" sz="2200" b="1" dirty="0" err="1">
-                <a:solidFill>
-                  <a:schemeClr val="bg2">
-                    <a:lumMod val="25000"/>
-                  </a:schemeClr>
-                </a:solidFill>
-                <a:cs typeface="Arial" panose="020B0604020202020204" pitchFamily="34" charset="0"/>
-              </a:rPr>
-              <a:t>listaClaves</a:t>
-            </a:r>
-            <a:r>
-              <a:rPr lang="es-MX" sz="2200" b="1" dirty="0">
-                <a:solidFill>
-                  <a:schemeClr val="bg2">
-                    <a:lumMod val="25000"/>
-                  </a:schemeClr>
-                </a:solidFill>
-                <a:cs typeface="Arial" panose="020B0604020202020204" pitchFamily="34" charset="0"/>
-              </a:rPr>
-              <a:t>)</a:t>
-            </a:r>
-            <a:r>
-              <a:rPr lang="es-MX" sz="2200" dirty="0">
-                <a:solidFill>
-                  <a:schemeClr val="bg2">
-                    <a:lumMod val="25000"/>
-                  </a:schemeClr>
-                </a:solidFill>
-                <a:cs typeface="Arial" panose="020B0604020202020204" pitchFamily="34" charset="0"/>
-              </a:rPr>
-              <a:t>, que recibe la lista de claves definidas e imprime Bienvenido cuando el usuario introduce la clave correcta.</a:t>
+              <a:t>Pregunta detonadora.</a:t>
             </a:r>
           </a:p>
           <a:p>
@@ -7084,16 +9960,13 @@
                 <a:spcPct val="120000"/>
               </a:lnSpc>
               <a:spcBef>
-                <a:spcPts val="600"/>
-              </a:spcBef>
-              <a:spcAft>
-                <a:spcPts val="600"/>
-              </a:spcAft>
-              <a:buFont typeface="Wingdings" panose="05000000000000000000" pitchFamily="2" charset="2"/>
-              <a:buChar char="v"/>
+                <a:spcPct val="0"/>
+              </a:spcBef>
+              <a:buFont typeface="+mj-lt"/>
+              <a:buAutoNum type="arabicPeriod"/>
             </a:pPr>
             <a:r>
-              <a:rPr lang="es-MX" sz="2200" dirty="0">
+              <a:rPr lang="es-MX" sz="2000" dirty="0">
                 <a:solidFill>
                   <a:schemeClr val="bg2">
                     <a:lumMod val="25000"/>
@@ -7101,88 +9974,11 @@
                 </a:solidFill>
                 <a:cs typeface="Arial" panose="020B0604020202020204" pitchFamily="34" charset="0"/>
               </a:rPr>
-              <a:t>Manda llamar la función </a:t>
-            </a:r>
-            <a:r>
-              <a:rPr lang="es-MX" sz="2200" b="1" dirty="0" err="1">
-                <a:solidFill>
-                  <a:schemeClr val="bg2">
-                    <a:lumMod val="25000"/>
-                  </a:schemeClr>
-                </a:solidFill>
-                <a:cs typeface="Arial" panose="020B0604020202020204" pitchFamily="34" charset="0"/>
-              </a:rPr>
-              <a:t>menuPrincipal</a:t>
-            </a:r>
-            <a:r>
-              <a:rPr lang="es-MX" sz="2200" dirty="0">
-                <a:solidFill>
-                  <a:schemeClr val="bg2">
-                    <a:lumMod val="25000"/>
-                  </a:schemeClr>
-                </a:solidFill>
-                <a:cs typeface="Arial" panose="020B0604020202020204" pitchFamily="34" charset="0"/>
-              </a:rPr>
-              <a:t> y de acuerdo a la opción seleccionada por el usuario le dé la oportunidad de ejecutar cualquiera de las funciones que han sido construidas, haciendo uso del </a:t>
-            </a:r>
-            <a:r>
-              <a:rPr lang="es-MX" sz="2200" b="1" dirty="0" err="1">
-                <a:solidFill>
-                  <a:schemeClr val="bg2">
-                    <a:lumMod val="25000"/>
-                  </a:schemeClr>
-                </a:solidFill>
-                <a:cs typeface="Arial" panose="020B0604020202020204" pitchFamily="34" charset="0"/>
-              </a:rPr>
-              <a:t>if</a:t>
-            </a:r>
-            <a:r>
-              <a:rPr lang="es-MX" sz="2200" b="1" dirty="0">
-                <a:solidFill>
-                  <a:schemeClr val="bg2">
-                    <a:lumMod val="25000"/>
-                  </a:schemeClr>
-                </a:solidFill>
-                <a:cs typeface="Arial" panose="020B0604020202020204" pitchFamily="34" charset="0"/>
-              </a:rPr>
-              <a:t> - anidado</a:t>
-            </a:r>
-            <a:r>
-              <a:rPr lang="es-MX" sz="2200" dirty="0">
-                <a:solidFill>
-                  <a:schemeClr val="bg2">
-                    <a:lumMod val="25000"/>
-                  </a:schemeClr>
-                </a:solidFill>
-                <a:cs typeface="Arial" panose="020B0604020202020204" pitchFamily="34" charset="0"/>
-              </a:rPr>
-              <a:t>. Utiliza  el ciclo </a:t>
-            </a:r>
-            <a:r>
-              <a:rPr lang="es-MX" sz="2200" b="1" dirty="0" err="1">
-                <a:solidFill>
-                  <a:schemeClr val="bg2">
-                    <a:lumMod val="25000"/>
-                  </a:schemeClr>
-                </a:solidFill>
-                <a:cs typeface="Arial" panose="020B0604020202020204" pitchFamily="34" charset="0"/>
-              </a:rPr>
-              <a:t>while</a:t>
-            </a:r>
-            <a:r>
-              <a:rPr lang="es-MX" sz="2200" dirty="0">
-                <a:solidFill>
-                  <a:schemeClr val="bg2">
-                    <a:lumMod val="25000"/>
-                  </a:schemeClr>
-                </a:solidFill>
-                <a:cs typeface="Arial" panose="020B0604020202020204" pitchFamily="34" charset="0"/>
-              </a:rPr>
-              <a:t> para que se cicle el programa hasta que el usuario introduzca la opción de salir (5). </a:t>
-            </a:r>
-          </a:p>
-          <a:p>
-            <a:pPr lvl="1" indent="-342900" algn="just">
+              <a:t>Impresión de pantalla de sus gráficas.</a:t>
+            </a:r>
+          </a:p>
+          <a:p>
+            <a:pPr marL="857250" lvl="1" indent="-457200" algn="just">
               <a:lnSpc>
                 <a:spcPct val="120000"/>
               </a:lnSpc>
@@ -7190,12 +9986,158 @@
                 <a:spcPct val="0"/>
               </a:spcBef>
               <a:buFont typeface="+mj-lt"/>
-              <a:buAutoNum type="alphaLcParenR"/>
+              <a:buAutoNum type="arabicPeriod"/>
             </a:pPr>
-            <a:endParaRPr lang="es-MX" sz="2400" b="1" dirty="0">
+            <a:r>
+              <a:rPr lang="es-MX" sz="2000" dirty="0">
+                <a:solidFill>
+                  <a:schemeClr val="bg2">
+                    <a:lumMod val="25000"/>
+                  </a:schemeClr>
+                </a:solidFill>
+                <a:cs typeface="Arial" panose="020B0604020202020204" pitchFamily="34" charset="0"/>
+              </a:rPr>
+              <a:t>Impresión de pantalla de los resultados de la función de </a:t>
+            </a:r>
+            <a:r>
+              <a:rPr lang="es-MX" sz="2000" dirty="0" err="1">
+                <a:solidFill>
+                  <a:schemeClr val="bg2">
+                    <a:lumMod val="25000"/>
+                  </a:schemeClr>
+                </a:solidFill>
+                <a:cs typeface="Arial" panose="020B0604020202020204" pitchFamily="34" charset="0"/>
+              </a:rPr>
+              <a:t>estadistica_descriptiva</a:t>
+            </a:r>
+            <a:r>
+              <a:rPr lang="es-MX" sz="2000" dirty="0">
+                <a:solidFill>
+                  <a:schemeClr val="bg2">
+                    <a:lumMod val="25000"/>
+                  </a:schemeClr>
+                </a:solidFill>
+                <a:cs typeface="Arial" panose="020B0604020202020204" pitchFamily="34" charset="0"/>
+              </a:rPr>
+              <a:t>.</a:t>
+            </a:r>
+          </a:p>
+          <a:p>
+            <a:pPr marL="857250" lvl="1" indent="-457200" algn="just">
+              <a:lnSpc>
+                <a:spcPct val="120000"/>
+              </a:lnSpc>
+              <a:spcBef>
+                <a:spcPct val="0"/>
+              </a:spcBef>
+              <a:buFont typeface="+mj-lt"/>
+              <a:buAutoNum type="arabicPeriod"/>
+            </a:pPr>
+            <a:r>
+              <a:rPr lang="es-MX" sz="2000" dirty="0">
+                <a:solidFill>
+                  <a:schemeClr val="bg2">
+                    <a:lumMod val="25000"/>
+                  </a:schemeClr>
+                </a:solidFill>
+                <a:cs typeface="Arial" panose="020B0604020202020204" pitchFamily="34" charset="0"/>
+              </a:rPr>
+              <a:t>Conclusión: Estrategia de negocio (mínimo una cuartilla) </a:t>
+            </a:r>
+          </a:p>
+          <a:p>
+            <a:pPr marL="1257300" lvl="2" indent="-457200" algn="just">
+              <a:lnSpc>
+                <a:spcPct val="120000"/>
+              </a:lnSpc>
+              <a:spcBef>
+                <a:spcPct val="0"/>
+              </a:spcBef>
+            </a:pPr>
+            <a:r>
+              <a:rPr lang="es-ES" sz="1600" dirty="0">
+                <a:solidFill>
+                  <a:schemeClr val="bg2">
+                    <a:lumMod val="25000"/>
+                  </a:schemeClr>
+                </a:solidFill>
+                <a:cs typeface="Arial" panose="020B0604020202020204" pitchFamily="34" charset="0"/>
+              </a:rPr>
+              <a:t>Analizar y explicar los resultados obtenidos con las gráficas y con las funciones de estadística descriptiva (Qué les dicen las estadísticas para la estrategia del negocio). </a:t>
+            </a:r>
+          </a:p>
+          <a:p>
+            <a:pPr marL="1257300" lvl="2" indent="-457200" algn="just">
+              <a:lnSpc>
+                <a:spcPct val="120000"/>
+              </a:lnSpc>
+              <a:spcBef>
+                <a:spcPct val="0"/>
+              </a:spcBef>
+            </a:pPr>
+            <a:r>
+              <a:rPr lang="es-ES" sz="1600" dirty="0">
+                <a:solidFill>
+                  <a:schemeClr val="bg2">
+                    <a:lumMod val="25000"/>
+                  </a:schemeClr>
+                </a:solidFill>
+                <a:cs typeface="Arial" panose="020B0604020202020204" pitchFamily="34" charset="0"/>
+              </a:rPr>
+              <a:t>Genera tu propuesta de acciones que aporten valor a las estrategias que deberá tomar el negocio, esto de acuerdo a la problemática planteada.</a:t>
+            </a:r>
+          </a:p>
+          <a:p>
+            <a:pPr marL="1257300" lvl="2" indent="-457200" algn="just">
+              <a:lnSpc>
+                <a:spcPct val="120000"/>
+              </a:lnSpc>
+              <a:spcBef>
+                <a:spcPct val="0"/>
+              </a:spcBef>
+            </a:pPr>
+            <a:endParaRPr lang="es-ES" sz="1600" dirty="0">
               <a:solidFill>
-                <a:schemeClr val="accent6">
-                  <a:lumMod val="75000"/>
+                <a:schemeClr val="bg2">
+                  <a:lumMod val="25000"/>
+                </a:schemeClr>
+              </a:solidFill>
+              <a:cs typeface="Arial" panose="020B0604020202020204" pitchFamily="34" charset="0"/>
+            </a:endParaRPr>
+          </a:p>
+          <a:p>
+            <a:pPr marL="1257300" lvl="2" indent="-457200" algn="just">
+              <a:lnSpc>
+                <a:spcPct val="120000"/>
+              </a:lnSpc>
+              <a:spcBef>
+                <a:spcPct val="0"/>
+              </a:spcBef>
+            </a:pPr>
+            <a:endParaRPr lang="es-ES" sz="1600" dirty="0">
+              <a:solidFill>
+                <a:schemeClr val="bg2">
+                  <a:lumMod val="25000"/>
+                </a:schemeClr>
+              </a:solidFill>
+              <a:cs typeface="Arial" panose="020B0604020202020204" pitchFamily="34" charset="0"/>
+            </a:endParaRPr>
+          </a:p>
+          <a:p>
+            <a:pPr marL="857250" lvl="1" indent="-457200" algn="just">
+              <a:lnSpc>
+                <a:spcPct val="120000"/>
+              </a:lnSpc>
+              <a:spcBef>
+                <a:spcPct val="0"/>
+              </a:spcBef>
+              <a:buFont typeface="+mj-lt"/>
+              <a:buAutoNum type="arabicPeriod"/>
+            </a:pPr>
+            <a:endParaRPr lang="es-MX" sz="2400" dirty="0">
+              <a:solidFill>
+                <a:schemeClr val="bg2">
+                  <a:lumMod val="25000"/>
                 </a:schemeClr>
               </a:solidFill>
               <a:cs typeface="Arial" panose="020B0604020202020204" pitchFamily="34" charset="0"/>
@@ -7215,8 +10157,8 @@
         </p:nvSpPr>
         <p:spPr>
           <a:xfrm>
-            <a:off x="457200" y="260648"/>
-            <a:ext cx="8229600" cy="1143000"/>
+            <a:off x="516238" y="203245"/>
+            <a:ext cx="8111523" cy="1143000"/>
           </a:xfrm>
         </p:spPr>
         <p:txBody>
@@ -7242,7 +10184,7 @@
                 </a:effectLst>
                 <a:latin typeface="Dom Casual" charset="0"/>
               </a:rPr>
-              <a:t>Situación problema 1</a:t>
+              <a:t>Situación problema</a:t>
             </a:r>
             <a:br>
               <a:rPr lang="es-MX" b="1" dirty="0">
@@ -7273,7 +10215,7 @@
                 </a:effectLst>
                 <a:latin typeface="Dom Casual" charset="0"/>
               </a:rPr>
-              <a:t>Script principal</a:t>
+              <a:t>Documento individual</a:t>
             </a:r>
           </a:p>
         </p:txBody>
@@ -7281,7 +10223,7 @@
     </p:spTree>
     <p:extLst>
       <p:ext uri="{BB962C8B-B14F-4D97-AF65-F5344CB8AC3E}">
-        <p14:creationId xmlns:p14="http://schemas.microsoft.com/office/powerpoint/2010/main" val="413027288"/>
+        <p14:creationId xmlns:p14="http://schemas.microsoft.com/office/powerpoint/2010/main" val="1179431574"/>
       </p:ext>
     </p:extLst>
   </p:cSld>
@@ -7320,8 +10262,8 @@
         </p:nvSpPr>
         <p:spPr>
           <a:xfrm>
-            <a:off x="-180528" y="1331640"/>
-            <a:ext cx="9324528" cy="4464496"/>
+            <a:off x="572700" y="2007712"/>
+            <a:ext cx="7704856" cy="3888432"/>
           </a:xfrm>
         </p:spPr>
         <p:txBody>
@@ -7337,13 +10279,10 @@
               <a:spcBef>
                 <a:spcPct val="0"/>
               </a:spcBef>
-              <a:spcAft>
-                <a:spcPts val="600"/>
-              </a:spcAft>
               <a:buNone/>
             </a:pPr>
             <a:r>
-              <a:rPr lang="es-MX" sz="2200" dirty="0">
+              <a:rPr lang="es-ES" sz="1800" dirty="0">
                 <a:solidFill>
                   <a:schemeClr val="bg2">
                     <a:lumMod val="25000"/>
@@ -7351,47 +10290,22 @@
                 </a:solidFill>
                 <a:cs typeface="Arial" panose="020B0604020202020204" pitchFamily="34" charset="0"/>
               </a:rPr>
-              <a:t>Dentro del ciclo </a:t>
-            </a:r>
-            <a:r>
-              <a:rPr lang="es-MX" sz="2200" dirty="0" err="1">
-                <a:solidFill>
-                  <a:schemeClr val="bg2">
-                    <a:lumMod val="25000"/>
-                  </a:schemeClr>
-                </a:solidFill>
-                <a:cs typeface="Arial" panose="020B0604020202020204" pitchFamily="34" charset="0"/>
-              </a:rPr>
-              <a:t>while</a:t>
-            </a:r>
-            <a:r>
-              <a:rPr lang="es-MX" sz="2200" dirty="0">
-                <a:solidFill>
-                  <a:schemeClr val="bg2">
-                    <a:lumMod val="25000"/>
-                  </a:schemeClr>
-                </a:solidFill>
-                <a:cs typeface="Arial" panose="020B0604020202020204" pitchFamily="34" charset="0"/>
-              </a:rPr>
-              <a:t>:</a:t>
-            </a:r>
-          </a:p>
-          <a:p>
-            <a:pPr lvl="1" indent="-342900" algn="just">
+              <a:t>Deberás implementar las siguientes funciones</a:t>
+            </a:r>
+          </a:p>
+          <a:p>
+            <a:pPr marL="857250" lvl="1" indent="-457200" algn="just">
               <a:lnSpc>
                 <a:spcPct val="120000"/>
               </a:lnSpc>
               <a:spcBef>
                 <a:spcPct val="0"/>
               </a:spcBef>
-              <a:spcAft>
-                <a:spcPts val="600"/>
-              </a:spcAft>
               <a:buFont typeface="+mj-lt"/>
               <a:buAutoNum type="arabicPeriod"/>
             </a:pPr>
             <a:r>
-              <a:rPr lang="es-MX" sz="2200" dirty="0">
+              <a:rPr lang="es-ES" sz="1800" dirty="0">
                 <a:solidFill>
                   <a:schemeClr val="bg2">
                     <a:lumMod val="25000"/>
@@ -7399,21 +10313,19 @@
                 </a:solidFill>
                 <a:cs typeface="Arial" panose="020B0604020202020204" pitchFamily="34" charset="0"/>
               </a:rPr>
-              <a:t>Si la opción es 1, mandar llamar la función </a:t>
-            </a:r>
-            <a:r>
-              <a:rPr lang="es-MX" sz="2200" b="1" dirty="0" err="1">
-                <a:solidFill>
-                  <a:schemeClr val="bg2">
-                    <a:lumMod val="25000"/>
-                  </a:schemeClr>
+              <a:t>La función </a:t>
+            </a:r>
+            <a:r>
+              <a:rPr lang="es-ES" sz="1800" b="1" dirty="0" err="1">
+                <a:solidFill>
+                  <a:srgbClr val="FF0000"/>
                 </a:solidFill>
                 <a:cs typeface="Arial" panose="020B0604020202020204" pitchFamily="34" charset="0"/>
               </a:rPr>
-              <a:t>menuAdulto</a:t>
-            </a:r>
-            <a:r>
-              <a:rPr lang="es-MX" sz="2200" dirty="0">
+              <a:t>menu</a:t>
+            </a:r>
+            <a:r>
+              <a:rPr lang="es-ES" sz="1800" dirty="0">
                 <a:solidFill>
                   <a:schemeClr val="bg2">
                     <a:lumMod val="25000"/>
@@ -7421,47 +10333,22 @@
                 </a:solidFill>
                 <a:cs typeface="Arial" panose="020B0604020202020204" pitchFamily="34" charset="0"/>
               </a:rPr>
-              <a:t>, imprimir el precio del menú seleccionado y sumar este precio al </a:t>
-            </a:r>
-            <a:r>
-              <a:rPr lang="es-MX" sz="2200" dirty="0" err="1">
-                <a:solidFill>
-                  <a:schemeClr val="bg2">
-                    <a:lumMod val="25000"/>
-                  </a:schemeClr>
-                </a:solidFill>
-                <a:cs typeface="Arial" panose="020B0604020202020204" pitchFamily="34" charset="0"/>
-              </a:rPr>
-              <a:t>totalAdultos</a:t>
-            </a:r>
-            <a:r>
-              <a:rPr lang="es-MX" sz="2200" dirty="0">
-                <a:solidFill>
-                  <a:schemeClr val="bg2">
-                    <a:lumMod val="25000"/>
-                  </a:schemeClr>
-                </a:solidFill>
-                <a:cs typeface="Arial" panose="020B0604020202020204" pitchFamily="34" charset="0"/>
-              </a:rPr>
-              <a:t>.</a:t>
-            </a:r>
-          </a:p>
-          <a:p>
-            <a:pPr lvl="1" indent="-342900" algn="just">
+              <a:t> que presente el menú de opciones (menú con números o letras).</a:t>
+            </a:r>
+          </a:p>
+          <a:p>
+            <a:pPr marL="857250" lvl="1" indent="-457200" algn="just">
               <a:lnSpc>
                 <a:spcPct val="120000"/>
               </a:lnSpc>
               <a:spcBef>
                 <a:spcPct val="0"/>
               </a:spcBef>
-              <a:spcAft>
-                <a:spcPts val="600"/>
-              </a:spcAft>
               <a:buFont typeface="+mj-lt"/>
               <a:buAutoNum type="arabicPeriod"/>
             </a:pPr>
             <a:r>
-              <a:rPr lang="es-MX" sz="2200" dirty="0">
+              <a:rPr lang="es-ES" sz="1800" dirty="0">
                 <a:solidFill>
                   <a:schemeClr val="bg2">
                     <a:lumMod val="25000"/>
@@ -7469,32 +10356,28 @@
                 </a:solidFill>
                 <a:cs typeface="Arial" panose="020B0604020202020204" pitchFamily="34" charset="0"/>
               </a:rPr>
-              <a:t>Sino, si la opción es 2, mandar llamar la función </a:t>
-            </a:r>
-            <a:r>
-              <a:rPr lang="es-MX" sz="2200" b="1" dirty="0" err="1">
-                <a:solidFill>
-                  <a:schemeClr val="bg2">
-                    <a:lumMod val="25000"/>
-                  </a:schemeClr>
+              <a:t>La función </a:t>
+            </a:r>
+            <a:r>
+              <a:rPr lang="es-ES" sz="1800" b="1" dirty="0" err="1">
+                <a:solidFill>
+                  <a:srgbClr val="FF0000"/>
                 </a:solidFill>
                 <a:cs typeface="Arial" panose="020B0604020202020204" pitchFamily="34" charset="0"/>
               </a:rPr>
-              <a:t>menuNino</a:t>
-            </a:r>
-            <a:r>
-              <a:rPr lang="es-MX" sz="2200" dirty="0">
-                <a:solidFill>
-                  <a:schemeClr val="bg2">
-                    <a:lumMod val="25000"/>
-                  </a:schemeClr>
+              <a:t>main</a:t>
+            </a:r>
+            <a:r>
+              <a:rPr lang="es-ES" sz="1800" b="1" dirty="0">
+                <a:solidFill>
+                  <a:srgbClr val="FF0000"/>
                 </a:solidFill>
                 <a:cs typeface="Arial" panose="020B0604020202020204" pitchFamily="34" charset="0"/>
               </a:rPr>
-              <a:t>, imprimir el precio del menú seleccionado y sumar este precio al </a:t>
-            </a:r>
-            <a:r>
-              <a:rPr lang="es-MX" sz="2200" dirty="0" err="1">
+              <a:t> </a:t>
+            </a:r>
+            <a:r>
+              <a:rPr lang="es-ES" sz="1800" dirty="0">
                 <a:solidFill>
                   <a:schemeClr val="bg2">
                     <a:lumMod val="25000"/>
@@ -7502,36 +10385,20 @@
                 </a:solidFill>
                 <a:cs typeface="Arial" panose="020B0604020202020204" pitchFamily="34" charset="0"/>
               </a:rPr>
-              <a:t>totalNinos</a:t>
-            </a:r>
-            <a:r>
-              <a:rPr lang="es-MX" sz="2200" dirty="0">
-                <a:solidFill>
-                  <a:schemeClr val="bg2">
-                    <a:lumMod val="25000"/>
-                  </a:schemeClr>
-                </a:solidFill>
-                <a:cs typeface="Arial" panose="020B0604020202020204" pitchFamily="34" charset="0"/>
-              </a:rPr>
-              <a:t>.</a:t>
-            </a:r>
-          </a:p>
-          <a:p>
-            <a:pPr lvl="1" indent="-342900" algn="just">
+              <a:t>debe:</a:t>
+            </a:r>
+          </a:p>
+          <a:p>
+            <a:pPr marL="1257300" lvl="2" indent="-457200" algn="just">
               <a:lnSpc>
                 <a:spcPct val="120000"/>
               </a:lnSpc>
               <a:spcBef>
                 <a:spcPct val="0"/>
               </a:spcBef>
-              <a:spcAft>
-                <a:spcPts val="600"/>
-              </a:spcAft>
-              <a:buFont typeface="+mj-lt"/>
-              <a:buAutoNum type="arabicPeriod"/>
             </a:pPr>
             <a:r>
-              <a:rPr lang="es-MX" sz="2200" dirty="0">
+              <a:rPr lang="es-ES" sz="1800" dirty="0">
                 <a:solidFill>
                   <a:schemeClr val="bg2">
                     <a:lumMod val="25000"/>
@@ -7539,10 +10406,10 @@
                 </a:solidFill>
                 <a:cs typeface="Arial" panose="020B0604020202020204" pitchFamily="34" charset="0"/>
               </a:rPr>
-              <a:t>Sino, si la opción es 3, mandar llamar la función </a:t>
-            </a:r>
-            <a:r>
-              <a:rPr lang="es-MX" sz="2200" b="1" dirty="0" err="1">
+              <a:t>Cargar la información del archivo de Excel en un </a:t>
+            </a:r>
+            <a:r>
+              <a:rPr lang="es-ES" sz="1800" dirty="0" err="1">
                 <a:solidFill>
                   <a:schemeClr val="bg2">
                     <a:lumMod val="25000"/>
@@ -7550,10 +10417,10 @@
                 </a:solidFill>
                 <a:cs typeface="Arial" panose="020B0604020202020204" pitchFamily="34" charset="0"/>
               </a:rPr>
-              <a:t>realizaPago</a:t>
-            </a:r>
-            <a:r>
-              <a:rPr lang="es-MX" sz="2200" b="1" dirty="0">
+              <a:t>Dataframe</a:t>
+            </a:r>
+            <a:r>
+              <a:rPr lang="es-ES" sz="1800" dirty="0">
                 <a:solidFill>
                   <a:schemeClr val="bg2">
                     <a:lumMod val="25000"/>
@@ -7561,10 +10428,20 @@
                 </a:solidFill>
                 <a:cs typeface="Arial" panose="020B0604020202020204" pitchFamily="34" charset="0"/>
               </a:rPr>
-              <a:t>(</a:t>
-            </a:r>
-            <a:r>
-              <a:rPr lang="es-MX" sz="2200" b="1" dirty="0" err="1">
+              <a:t>.</a:t>
+            </a:r>
+          </a:p>
+          <a:p>
+            <a:pPr marL="1257300" lvl="2" indent="-457200" algn="just">
+              <a:lnSpc>
+                <a:spcPct val="120000"/>
+              </a:lnSpc>
+              <a:spcBef>
+                <a:spcPct val="0"/>
+              </a:spcBef>
+            </a:pPr>
+            <a:r>
+              <a:rPr lang="es-ES" sz="1800" dirty="0">
                 <a:solidFill>
                   <a:schemeClr val="bg2">
                     <a:lumMod val="25000"/>
@@ -7572,10 +10449,10 @@
                 </a:solidFill>
                 <a:cs typeface="Arial" panose="020B0604020202020204" pitchFamily="34" charset="0"/>
               </a:rPr>
-              <a:t>totalAdultos</a:t>
-            </a:r>
-            <a:r>
-              <a:rPr lang="es-MX" sz="2200" b="1" dirty="0">
+              <a:t>Utilizar la función </a:t>
+            </a:r>
+            <a:r>
+              <a:rPr lang="es-ES" sz="1800" b="1" dirty="0" err="1">
                 <a:solidFill>
                   <a:schemeClr val="bg2">
                     <a:lumMod val="25000"/>
@@ -7583,10 +10460,10 @@
                 </a:solidFill>
                 <a:cs typeface="Arial" panose="020B0604020202020204" pitchFamily="34" charset="0"/>
               </a:rPr>
-              <a:t>, </a:t>
-            </a:r>
-            <a:r>
-              <a:rPr lang="es-MX" sz="2200" b="1" dirty="0" err="1">
+              <a:t>menu</a:t>
+            </a:r>
+            <a:r>
+              <a:rPr lang="es-ES" sz="1800" dirty="0">
                 <a:solidFill>
                   <a:schemeClr val="bg2">
                     <a:lumMod val="25000"/>
@@ -7594,10 +10471,10 @@
                 </a:solidFill>
                 <a:cs typeface="Arial" panose="020B0604020202020204" pitchFamily="34" charset="0"/>
               </a:rPr>
-              <a:t>totalNinos</a:t>
-            </a:r>
-            <a:r>
-              <a:rPr lang="es-MX" sz="2200" b="1" dirty="0">
+              <a:t> para desplegar el menú y de acuerdo a la opción seleccionada por el usuario le dé la oportunidad de ejecutar cualquiera de las funciones que han sido construidas. Utiliza el estatuto de control </a:t>
+            </a:r>
+            <a:r>
+              <a:rPr lang="es-ES" sz="1800" dirty="0" err="1">
                 <a:solidFill>
                   <a:schemeClr val="bg2">
                     <a:lumMod val="25000"/>
@@ -7605,10 +10482,10 @@
                 </a:solidFill>
                 <a:cs typeface="Arial" panose="020B0604020202020204" pitchFamily="34" charset="0"/>
               </a:rPr>
-              <a:t>, saldo, </a:t>
-            </a:r>
-            <a:r>
-              <a:rPr lang="es-MX" sz="2200" b="1" dirty="0" err="1">
+              <a:t>if</a:t>
+            </a:r>
+            <a:r>
+              <a:rPr lang="es-ES" sz="1800" dirty="0">
                 <a:solidFill>
                   <a:schemeClr val="bg2">
                     <a:lumMod val="25000"/>
@@ -7616,10 +10493,10 @@
                 </a:solidFill>
                 <a:cs typeface="Arial" panose="020B0604020202020204" pitchFamily="34" charset="0"/>
               </a:rPr>
-              <a:t>listaClaves</a:t>
-            </a:r>
-            <a:r>
-              <a:rPr lang="es-MX" sz="2200" b="1" dirty="0">
+              <a:t> anidado. Debes utilizar el ciclo </a:t>
+            </a:r>
+            <a:r>
+              <a:rPr lang="es-ES" sz="1800" dirty="0" err="1">
                 <a:solidFill>
                   <a:schemeClr val="bg2">
                     <a:lumMod val="25000"/>
@@ -7627,10 +10504,10 @@
                 </a:solidFill>
                 <a:cs typeface="Arial" panose="020B0604020202020204" pitchFamily="34" charset="0"/>
               </a:rPr>
-              <a:t>)</a:t>
-            </a:r>
-            <a:r>
-              <a:rPr lang="es-MX" sz="2200" dirty="0">
+              <a:t>while</a:t>
+            </a:r>
+            <a:r>
+              <a:rPr lang="es-ES" sz="1800" dirty="0">
                 <a:solidFill>
                   <a:schemeClr val="bg2">
                     <a:lumMod val="25000"/>
@@ -7638,52 +10515,16 @@
                 </a:solidFill>
                 <a:cs typeface="Arial" panose="020B0604020202020204" pitchFamily="34" charset="0"/>
               </a:rPr>
-              <a:t>, que recibe el total de comidas de Adultos, el total de comidas de niños, el saldo de la tarjeta y la lista de claves permitidas. Imprime el nuevo saldo de la tarjeta. NOTA: Ya no vas a pedir el valor de las variables </a:t>
-            </a:r>
-            <a:r>
-              <a:rPr lang="es-MX" sz="2200" dirty="0" err="1">
-                <a:solidFill>
-                  <a:schemeClr val="bg2">
-                    <a:lumMod val="25000"/>
-                  </a:schemeClr>
-                </a:solidFill>
-                <a:cs typeface="Arial" panose="020B0604020202020204" pitchFamily="34" charset="0"/>
-              </a:rPr>
-              <a:t>totalAdultos</a:t>
-            </a:r>
-            <a:r>
-              <a:rPr lang="es-MX" sz="2200" dirty="0">
-                <a:solidFill>
-                  <a:schemeClr val="bg2">
-                    <a:lumMod val="25000"/>
-                  </a:schemeClr>
-                </a:solidFill>
-                <a:cs typeface="Arial" panose="020B0604020202020204" pitchFamily="34" charset="0"/>
-              </a:rPr>
-              <a:t>, </a:t>
-            </a:r>
-            <a:r>
-              <a:rPr lang="es-MX" sz="2200" dirty="0" err="1">
-                <a:solidFill>
-                  <a:schemeClr val="bg2">
-                    <a:lumMod val="25000"/>
-                  </a:schemeClr>
-                </a:solidFill>
-                <a:cs typeface="Arial" panose="020B0604020202020204" pitchFamily="34" charset="0"/>
-              </a:rPr>
-              <a:t>totalNinos</a:t>
-            </a:r>
-            <a:r>
-              <a:rPr lang="es-MX" sz="2200" dirty="0">
-                <a:solidFill>
-                  <a:schemeClr val="bg2">
-                    <a:lumMod val="25000"/>
-                  </a:schemeClr>
-                </a:solidFill>
-                <a:cs typeface="Arial" panose="020B0604020202020204" pitchFamily="34" charset="0"/>
-              </a:rPr>
-              <a:t> y saldo, ya que estos valores se obtienen de las funciones anteriores y de la declaración inicial de las variables. </a:t>
-            </a:r>
+              <a:t> para que se cicle el programa hasta que el usuario introduzca la opción de salir o una opción inválida.</a:t>
+            </a:r>
+            <a:endParaRPr lang="es-MX" sz="1800" dirty="0">
+              <a:solidFill>
+                <a:schemeClr val="bg2">
+                  <a:lumMod val="25000"/>
+                </a:schemeClr>
+              </a:solidFill>
+              <a:cs typeface="Arial" panose="020B0604020202020204" pitchFamily="34" charset="0"/>
+            </a:endParaRPr>
           </a:p>
         </p:txBody>
       </p:sp>
@@ -7699,8 +10540,8 @@
         </p:nvSpPr>
         <p:spPr>
           <a:xfrm>
-            <a:off x="335939" y="188640"/>
-            <a:ext cx="8229600" cy="1143000"/>
+            <a:off x="516238" y="203245"/>
+            <a:ext cx="8111523" cy="1143000"/>
           </a:xfrm>
         </p:spPr>
         <p:txBody>
@@ -7726,7 +10567,7 @@
                 </a:effectLst>
                 <a:latin typeface="Dom Casual" charset="0"/>
               </a:rPr>
-              <a:t>Situación problema 1</a:t>
+              <a:t>Situación problema</a:t>
             </a:r>
             <a:br>
               <a:rPr lang="es-MX" b="1" dirty="0">
@@ -7757,15 +10598,51 @@
                 </a:effectLst>
                 <a:latin typeface="Dom Casual" charset="0"/>
               </a:rPr>
-              <a:t>Script principal</a:t>
+              <a:t>Programa</a:t>
             </a:r>
           </a:p>
         </p:txBody>
       </p:sp>
+      <p:pic>
+        <p:nvPicPr>
+          <p:cNvPr id="8" name="Imagen 7" descr="Imagen que contiene pequeño, computadora, tabla&#10;&#10;Descripción generada automáticamente">
+            <a:extLst>
+              <a:ext uri="{FF2B5EF4-FFF2-40B4-BE49-F238E27FC236}">
+                <a16:creationId xmlns:a16="http://schemas.microsoft.com/office/drawing/2014/main" id="{B70A3D8A-8A2D-47FA-95C7-B2BC51C96F85}"/>
+              </a:ext>
+            </a:extLst>
+          </p:cNvPr>
+          <p:cNvPicPr>
+            <a:picLocks noChangeAspect="1"/>
+          </p:cNvPicPr>
+          <p:nvPr/>
+        </p:nvPicPr>
+        <p:blipFill>
+          <a:blip r:embed="rId2">
+            <a:extLst>
+              <a:ext uri="{28A0092B-C50C-407E-A947-70E740481C1C}">
+                <a14:useLocalDpi xmlns:a14="http://schemas.microsoft.com/office/drawing/2010/main" val="0"/>
+              </a:ext>
+            </a:extLst>
+          </a:blip>
+          <a:stretch>
+            <a:fillRect/>
+          </a:stretch>
+        </p:blipFill>
+        <p:spPr>
+          <a:xfrm>
+            <a:off x="7046929" y="864712"/>
+            <a:ext cx="1224136" cy="1245425"/>
+          </a:xfrm>
+          <a:prstGeom prst="rect">
+            <a:avLst/>
+          </a:prstGeom>
+        </p:spPr>
+      </p:pic>
     </p:spTree>
     <p:extLst>
       <p:ext uri="{BB962C8B-B14F-4D97-AF65-F5344CB8AC3E}">
-        <p14:creationId xmlns:p14="http://schemas.microsoft.com/office/powerpoint/2010/main" val="1790472241"/>
+        <p14:creationId xmlns:p14="http://schemas.microsoft.com/office/powerpoint/2010/main" val="3551076472"/>
       </p:ext>
     </p:extLst>
   </p:cSld>

--- a/CalendarioAgo2022/proyecto/SITUACION_PROBLEMA.pptx
+++ b/CalendarioAgo2022/proyecto/SITUACION_PROBLEMA.pptx
@@ -225,7 +225,7 @@
           <a:p>
             <a:fld id="{DDE721D5-655F-45D2-B717-3C4CD78C8568}" type="datetimeFigureOut">
               <a:rPr lang="es-MX" smtClean="0"/>
-              <a:t>13/10/2022</a:t>
+              <a:t>14/10/2022</a:t>
             </a:fld>
             <a:endParaRPr lang="es-MX" dirty="0"/>
           </a:p>
@@ -674,7 +674,7 @@
           <a:p>
             <a:fld id="{B3F3E716-CACC-4490-AD07-F24B6A68DE47}" type="datetimeFigureOut">
               <a:rPr lang="es-MX" smtClean="0"/>
-              <a:t>13/10/2022</a:t>
+              <a:t>14/10/2022</a:t>
             </a:fld>
             <a:endParaRPr lang="es-MX" dirty="0"/>
           </a:p>
@@ -844,7 +844,7 @@
           <a:p>
             <a:fld id="{B3F3E716-CACC-4490-AD07-F24B6A68DE47}" type="datetimeFigureOut">
               <a:rPr lang="es-MX" smtClean="0"/>
-              <a:t>13/10/2022</a:t>
+              <a:t>14/10/2022</a:t>
             </a:fld>
             <a:endParaRPr lang="es-MX" dirty="0"/>
           </a:p>
@@ -1024,7 +1024,7 @@
           <a:p>
             <a:fld id="{B3F3E716-CACC-4490-AD07-F24B6A68DE47}" type="datetimeFigureOut">
               <a:rPr lang="es-MX" smtClean="0"/>
-              <a:t>13/10/2022</a:t>
+              <a:t>14/10/2022</a:t>
             </a:fld>
             <a:endParaRPr lang="es-MX" dirty="0"/>
           </a:p>
@@ -1194,7 +1194,7 @@
           <a:p>
             <a:fld id="{B3F3E716-CACC-4490-AD07-F24B6A68DE47}" type="datetimeFigureOut">
               <a:rPr lang="es-MX" smtClean="0"/>
-              <a:t>13/10/2022</a:t>
+              <a:t>14/10/2022</a:t>
             </a:fld>
             <a:endParaRPr lang="es-MX" dirty="0"/>
           </a:p>
@@ -1440,7 +1440,7 @@
           <a:p>
             <a:fld id="{B3F3E716-CACC-4490-AD07-F24B6A68DE47}" type="datetimeFigureOut">
               <a:rPr lang="es-MX" smtClean="0"/>
-              <a:t>13/10/2022</a:t>
+              <a:t>14/10/2022</a:t>
             </a:fld>
             <a:endParaRPr lang="es-MX" dirty="0"/>
           </a:p>
@@ -1728,7 +1728,7 @@
           <a:p>
             <a:fld id="{B3F3E716-CACC-4490-AD07-F24B6A68DE47}" type="datetimeFigureOut">
               <a:rPr lang="es-MX" smtClean="0"/>
-              <a:t>13/10/2022</a:t>
+              <a:t>14/10/2022</a:t>
             </a:fld>
             <a:endParaRPr lang="es-MX" dirty="0"/>
           </a:p>
@@ -2150,7 +2150,7 @@
           <a:p>
             <a:fld id="{B3F3E716-CACC-4490-AD07-F24B6A68DE47}" type="datetimeFigureOut">
               <a:rPr lang="es-MX" smtClean="0"/>
-              <a:t>13/10/2022</a:t>
+              <a:t>14/10/2022</a:t>
             </a:fld>
             <a:endParaRPr lang="es-MX" dirty="0"/>
           </a:p>
@@ -2268,7 +2268,7 @@
           <a:p>
             <a:fld id="{B3F3E716-CACC-4490-AD07-F24B6A68DE47}" type="datetimeFigureOut">
               <a:rPr lang="es-MX" smtClean="0"/>
-              <a:t>13/10/2022</a:t>
+              <a:t>14/10/2022</a:t>
             </a:fld>
             <a:endParaRPr lang="es-MX" dirty="0"/>
           </a:p>
@@ -2363,7 +2363,7 @@
           <a:p>
             <a:fld id="{B3F3E716-CACC-4490-AD07-F24B6A68DE47}" type="datetimeFigureOut">
               <a:rPr lang="es-MX" smtClean="0"/>
-              <a:t>13/10/2022</a:t>
+              <a:t>14/10/2022</a:t>
             </a:fld>
             <a:endParaRPr lang="es-MX" dirty="0"/>
           </a:p>
@@ -2640,7 +2640,7 @@
           <a:p>
             <a:fld id="{B3F3E716-CACC-4490-AD07-F24B6A68DE47}" type="datetimeFigureOut">
               <a:rPr lang="es-MX" smtClean="0"/>
-              <a:t>13/10/2022</a:t>
+              <a:t>14/10/2022</a:t>
             </a:fld>
             <a:endParaRPr lang="es-MX" dirty="0"/>
           </a:p>
@@ -2893,7 +2893,7 @@
           <a:p>
             <a:fld id="{B3F3E716-CACC-4490-AD07-F24B6A68DE47}" type="datetimeFigureOut">
               <a:rPr lang="es-MX" smtClean="0"/>
-              <a:t>13/10/2022</a:t>
+              <a:t>14/10/2022</a:t>
             </a:fld>
             <a:endParaRPr lang="es-MX" dirty="0"/>
           </a:p>
@@ -3106,7 +3106,7 @@
           <a:p>
             <a:fld id="{B3F3E716-CACC-4490-AD07-F24B6A68DE47}" type="datetimeFigureOut">
               <a:rPr lang="es-MX" smtClean="0"/>
-              <a:t>13/10/2022</a:t>
+              <a:t>14/10/2022</a:t>
             </a:fld>
             <a:endParaRPr lang="es-MX" dirty="0"/>
           </a:p>
@@ -4021,10 +4021,10 @@
       </p:grpSpPr>
       <p:pic>
         <p:nvPicPr>
-          <p:cNvPr id="3" name="Imagen 2">
+          <p:cNvPr id="5" name="Imagen 4">
             <a:extLst>
               <a:ext uri="{FF2B5EF4-FFF2-40B4-BE49-F238E27FC236}">
-                <a16:creationId xmlns:a16="http://schemas.microsoft.com/office/drawing/2014/main" id="{80AF6DF7-99D6-4037-A63E-96DEC287D878}"/>
+                <a16:creationId xmlns:a16="http://schemas.microsoft.com/office/drawing/2014/main" id="{99845A7F-A0EC-4532-8F4E-87C9EDFF652C}"/>
               </a:ext>
             </a:extLst>
           </p:cNvPr>
@@ -4041,8 +4041,8 @@
         </p:blipFill>
         <p:spPr>
           <a:xfrm>
-            <a:off x="1691680" y="3212976"/>
-            <a:ext cx="6480720" cy="2277617"/>
+            <a:off x="1835696" y="3529851"/>
+            <a:ext cx="6020895" cy="1970072"/>
           </a:xfrm>
           <a:prstGeom prst="rect">
             <a:avLst/>
@@ -4472,7 +4472,7 @@
         </p:nvSpPr>
         <p:spPr>
           <a:xfrm>
-            <a:off x="2555776" y="4984369"/>
+            <a:off x="2195736" y="4245922"/>
             <a:ext cx="3024336" cy="288032"/>
           </a:xfrm>
           <a:prstGeom prst="rect">

--- a/CalendarioAgo2022/proyecto/SITUACION_PROBLEMA.pptx
+++ b/CalendarioAgo2022/proyecto/SITUACION_PROBLEMA.pptx
@@ -4021,10 +4021,10 @@
       </p:grpSpPr>
       <p:pic>
         <p:nvPicPr>
-          <p:cNvPr id="5" name="Imagen 4">
+          <p:cNvPr id="3" name="Imagen 2">
             <a:extLst>
               <a:ext uri="{FF2B5EF4-FFF2-40B4-BE49-F238E27FC236}">
-                <a16:creationId xmlns:a16="http://schemas.microsoft.com/office/drawing/2014/main" id="{99845A7F-A0EC-4532-8F4E-87C9EDFF652C}"/>
+                <a16:creationId xmlns:a16="http://schemas.microsoft.com/office/drawing/2014/main" id="{4DC4A1ED-26E5-4C66-9D78-7B11CEAEC686}"/>
               </a:ext>
             </a:extLst>
           </p:cNvPr>
@@ -4041,8 +4041,8 @@
         </p:blipFill>
         <p:spPr>
           <a:xfrm>
-            <a:off x="1835696" y="3529851"/>
-            <a:ext cx="6020895" cy="1970072"/>
+            <a:off x="1239206" y="3284984"/>
+            <a:ext cx="6840760" cy="2381126"/>
           </a:xfrm>
           <a:prstGeom prst="rect">
             <a:avLst/>
@@ -4472,7 +4472,7 @@
         </p:nvSpPr>
         <p:spPr>
           <a:xfrm>
-            <a:off x="2195736" y="4245922"/>
+            <a:off x="1691680" y="4331531"/>
             <a:ext cx="3024336" cy="288032"/>
           </a:xfrm>
           <a:prstGeom prst="rect">
